--- a/Intro.pptx
+++ b/Intro.pptx
@@ -5,15 +5,16 @@
     <p:sldMasterId id="2147483660" r:id="rId1"/>
   </p:sldMasterIdLst>
   <p:notesMasterIdLst>
-    <p:notesMasterId r:id="rId8"/>
+    <p:notesMasterId r:id="rId9"/>
   </p:notesMasterIdLst>
   <p:sldIdLst>
     <p:sldId id="256" r:id="rId2"/>
     <p:sldId id="257" r:id="rId3"/>
     <p:sldId id="258" r:id="rId4"/>
     <p:sldId id="259" r:id="rId5"/>
-    <p:sldId id="260" r:id="rId6"/>
-    <p:sldId id="261" r:id="rId7"/>
+    <p:sldId id="262" r:id="rId6"/>
+    <p:sldId id="260" r:id="rId7"/>
+    <p:sldId id="261" r:id="rId8"/>
   </p:sldIdLst>
   <p:sldSz cx="9144000" cy="6858000" type="screen4x3"/>
   <p:notesSz cx="6858000" cy="9144000"/>
@@ -21,94 +22,124 @@
     <a:defPPr>
       <a:defRPr lang="en-US"/>
     </a:defPPr>
-    <a:lvl1pPr marL="0" algn="l" defTabSz="914400" rtl="0" eaLnBrk="1" latinLnBrk="0" hangingPunct="1">
-      <a:defRPr sz="1800" kern="1200">
+    <a:lvl1pPr algn="l" rtl="0" fontAlgn="base">
+      <a:spcBef>
+        <a:spcPct val="0"/>
+      </a:spcBef>
+      <a:spcAft>
+        <a:spcPct val="0"/>
+      </a:spcAft>
+      <a:defRPr kern="1200">
         <a:solidFill>
           <a:schemeClr val="tx1"/>
         </a:solidFill>
-        <a:latin typeface="+mn-lt"/>
+        <a:latin typeface="Arial" charset="0"/>
         <a:ea typeface="+mn-ea"/>
-        <a:cs typeface="+mn-cs"/>
+        <a:cs typeface="Arial" charset="0"/>
       </a:defRPr>
     </a:lvl1pPr>
-    <a:lvl2pPr marL="457200" algn="l" defTabSz="914400" rtl="0" eaLnBrk="1" latinLnBrk="0" hangingPunct="1">
-      <a:defRPr sz="1800" kern="1200">
+    <a:lvl2pPr marL="457200" algn="l" rtl="0" fontAlgn="base">
+      <a:spcBef>
+        <a:spcPct val="0"/>
+      </a:spcBef>
+      <a:spcAft>
+        <a:spcPct val="0"/>
+      </a:spcAft>
+      <a:defRPr kern="1200">
         <a:solidFill>
           <a:schemeClr val="tx1"/>
         </a:solidFill>
-        <a:latin typeface="+mn-lt"/>
+        <a:latin typeface="Arial" charset="0"/>
         <a:ea typeface="+mn-ea"/>
-        <a:cs typeface="+mn-cs"/>
+        <a:cs typeface="Arial" charset="0"/>
       </a:defRPr>
     </a:lvl2pPr>
-    <a:lvl3pPr marL="914400" algn="l" defTabSz="914400" rtl="0" eaLnBrk="1" latinLnBrk="0" hangingPunct="1">
-      <a:defRPr sz="1800" kern="1200">
+    <a:lvl3pPr marL="914400" algn="l" rtl="0" fontAlgn="base">
+      <a:spcBef>
+        <a:spcPct val="0"/>
+      </a:spcBef>
+      <a:spcAft>
+        <a:spcPct val="0"/>
+      </a:spcAft>
+      <a:defRPr kern="1200">
         <a:solidFill>
           <a:schemeClr val="tx1"/>
         </a:solidFill>
-        <a:latin typeface="+mn-lt"/>
+        <a:latin typeface="Arial" charset="0"/>
         <a:ea typeface="+mn-ea"/>
-        <a:cs typeface="+mn-cs"/>
+        <a:cs typeface="Arial" charset="0"/>
       </a:defRPr>
     </a:lvl3pPr>
-    <a:lvl4pPr marL="1371600" algn="l" defTabSz="914400" rtl="0" eaLnBrk="1" latinLnBrk="0" hangingPunct="1">
-      <a:defRPr sz="1800" kern="1200">
+    <a:lvl4pPr marL="1371600" algn="l" rtl="0" fontAlgn="base">
+      <a:spcBef>
+        <a:spcPct val="0"/>
+      </a:spcBef>
+      <a:spcAft>
+        <a:spcPct val="0"/>
+      </a:spcAft>
+      <a:defRPr kern="1200">
         <a:solidFill>
           <a:schemeClr val="tx1"/>
         </a:solidFill>
-        <a:latin typeface="+mn-lt"/>
+        <a:latin typeface="Arial" charset="0"/>
         <a:ea typeface="+mn-ea"/>
-        <a:cs typeface="+mn-cs"/>
+        <a:cs typeface="Arial" charset="0"/>
       </a:defRPr>
     </a:lvl4pPr>
-    <a:lvl5pPr marL="1828800" algn="l" defTabSz="914400" rtl="0" eaLnBrk="1" latinLnBrk="0" hangingPunct="1">
-      <a:defRPr sz="1800" kern="1200">
+    <a:lvl5pPr marL="1828800" algn="l" rtl="0" fontAlgn="base">
+      <a:spcBef>
+        <a:spcPct val="0"/>
+      </a:spcBef>
+      <a:spcAft>
+        <a:spcPct val="0"/>
+      </a:spcAft>
+      <a:defRPr kern="1200">
         <a:solidFill>
           <a:schemeClr val="tx1"/>
         </a:solidFill>
-        <a:latin typeface="+mn-lt"/>
+        <a:latin typeface="Arial" charset="0"/>
         <a:ea typeface="+mn-ea"/>
-        <a:cs typeface="+mn-cs"/>
+        <a:cs typeface="Arial" charset="0"/>
       </a:defRPr>
     </a:lvl5pPr>
     <a:lvl6pPr marL="2286000" algn="l" defTabSz="914400" rtl="0" eaLnBrk="1" latinLnBrk="0" hangingPunct="1">
-      <a:defRPr sz="1800" kern="1200">
+      <a:defRPr kern="1200">
         <a:solidFill>
           <a:schemeClr val="tx1"/>
         </a:solidFill>
-        <a:latin typeface="+mn-lt"/>
+        <a:latin typeface="Arial" charset="0"/>
         <a:ea typeface="+mn-ea"/>
-        <a:cs typeface="+mn-cs"/>
+        <a:cs typeface="Arial" charset="0"/>
       </a:defRPr>
     </a:lvl6pPr>
     <a:lvl7pPr marL="2743200" algn="l" defTabSz="914400" rtl="0" eaLnBrk="1" latinLnBrk="0" hangingPunct="1">
-      <a:defRPr sz="1800" kern="1200">
+      <a:defRPr kern="1200">
         <a:solidFill>
           <a:schemeClr val="tx1"/>
         </a:solidFill>
-        <a:latin typeface="+mn-lt"/>
+        <a:latin typeface="Arial" charset="0"/>
         <a:ea typeface="+mn-ea"/>
-        <a:cs typeface="+mn-cs"/>
+        <a:cs typeface="Arial" charset="0"/>
       </a:defRPr>
     </a:lvl7pPr>
     <a:lvl8pPr marL="3200400" algn="l" defTabSz="914400" rtl="0" eaLnBrk="1" latinLnBrk="0" hangingPunct="1">
-      <a:defRPr sz="1800" kern="1200">
+      <a:defRPr kern="1200">
         <a:solidFill>
           <a:schemeClr val="tx1"/>
         </a:solidFill>
-        <a:latin typeface="+mn-lt"/>
+        <a:latin typeface="Arial" charset="0"/>
         <a:ea typeface="+mn-ea"/>
-        <a:cs typeface="+mn-cs"/>
+        <a:cs typeface="Arial" charset="0"/>
       </a:defRPr>
     </a:lvl8pPr>
     <a:lvl9pPr marL="3657600" algn="l" defTabSz="914400" rtl="0" eaLnBrk="1" latinLnBrk="0" hangingPunct="1">
-      <a:defRPr sz="1800" kern="1200">
+      <a:defRPr kern="1200">
         <a:solidFill>
           <a:schemeClr val="tx1"/>
         </a:solidFill>
-        <a:latin typeface="+mn-lt"/>
+        <a:latin typeface="Arial" charset="0"/>
         <a:ea typeface="+mn-ea"/>
-        <a:cs typeface="+mn-cs"/>
+        <a:cs typeface="Arial" charset="0"/>
       </a:defRPr>
     </a:lvl9pPr>
   </p:defaultTextStyle>
@@ -159,11 +190,23 @@
         <p:txBody>
           <a:bodyPr vert="horz" lIns="91440" tIns="45720" rIns="91440" bIns="45720" rtlCol="0"/>
           <a:lstStyle>
-            <a:lvl1pPr algn="l">
-              <a:defRPr sz="1200"/>
-            </a:lvl1pPr>
-          </a:lstStyle>
-          <a:p>
+            <a:lvl1pPr algn="l" fontAlgn="auto">
+              <a:spcBef>
+                <a:spcPts val="0"/>
+              </a:spcBef>
+              <a:spcAft>
+                <a:spcPts val="0"/>
+              </a:spcAft>
+              <a:defRPr sz="1200">
+                <a:latin typeface="+mn-lt"/>
+                <a:cs typeface="+mn-cs"/>
+              </a:defRPr>
+            </a:lvl1pPr>
+          </a:lstStyle>
+          <a:p>
+            <a:pPr>
+              <a:defRPr/>
+            </a:pPr>
             <a:endParaRPr lang="en-US"/>
           </a:p>
         </p:txBody>
@@ -190,14 +233,29 @@
         <p:txBody>
           <a:bodyPr vert="horz" lIns="91440" tIns="45720" rIns="91440" bIns="45720" rtlCol="0"/>
           <a:lstStyle>
-            <a:lvl1pPr algn="r">
-              <a:defRPr sz="1200"/>
-            </a:lvl1pPr>
-          </a:lstStyle>
-          <a:p>
-            <a:fld id="{CF86D427-D5B8-E046-9AC9-E8C11E26E6BE}" type="datetimeFigureOut">
-              <a:rPr lang="en-US" smtClean="0"/>
-              <a:t>6/8/13</a:t>
+            <a:lvl1pPr algn="r" fontAlgn="auto">
+              <a:spcBef>
+                <a:spcPts val="0"/>
+              </a:spcBef>
+              <a:spcAft>
+                <a:spcPts val="0"/>
+              </a:spcAft>
+              <a:defRPr sz="1200" smtClean="0">
+                <a:latin typeface="+mn-lt"/>
+                <a:cs typeface="+mn-cs"/>
+              </a:defRPr>
+            </a:lvl1pPr>
+          </a:lstStyle>
+          <a:p>
+            <a:pPr>
+              <a:defRPr/>
+            </a:pPr>
+            <a:fld id="{2BC16529-494E-4EF7-B1A7-707FBB61AD25}" type="datetimeFigureOut">
+              <a:rPr lang="en-US"/>
+              <a:pPr>
+                <a:defRPr/>
+              </a:pPr>
+              <a:t>09-Jun-13</a:t>
             </a:fld>
             <a:endParaRPr lang="en-US"/>
           </a:p>
@@ -232,7 +290,8 @@
           <a:bodyPr vert="horz" lIns="91440" tIns="45720" rIns="91440" bIns="45720" rtlCol="0" anchor="ctr"/>
           <a:lstStyle/>
           <a:p>
-            <a:endParaRPr lang="en-US"/>
+            <a:pPr lvl="0"/>
+            <a:endParaRPr lang="en-US" noProof="0"/>
           </a:p>
         </p:txBody>
       </p:sp>
@@ -261,38 +320,38 @@
           <a:p>
             <a:pPr lvl="0"/>
             <a:r>
-              <a:rPr lang="en-US" smtClean="0"/>
+              <a:rPr lang="en-US" noProof="0" smtClean="0"/>
               <a:t>Click to edit Master text styles</a:t>
             </a:r>
           </a:p>
           <a:p>
             <a:pPr lvl="1"/>
             <a:r>
-              <a:rPr lang="en-US" smtClean="0"/>
+              <a:rPr lang="en-US" noProof="0" smtClean="0"/>
               <a:t>Second level</a:t>
             </a:r>
           </a:p>
           <a:p>
             <a:pPr lvl="2"/>
             <a:r>
-              <a:rPr lang="en-US" smtClean="0"/>
+              <a:rPr lang="en-US" noProof="0" smtClean="0"/>
               <a:t>Third level</a:t>
             </a:r>
           </a:p>
           <a:p>
             <a:pPr lvl="3"/>
             <a:r>
-              <a:rPr lang="en-US" smtClean="0"/>
+              <a:rPr lang="en-US" noProof="0" smtClean="0"/>
               <a:t>Fourth level</a:t>
             </a:r>
           </a:p>
           <a:p>
             <a:pPr lvl="4"/>
             <a:r>
-              <a:rPr lang="en-US" smtClean="0"/>
+              <a:rPr lang="en-US" noProof="0" smtClean="0"/>
               <a:t>Fifth level</a:t>
             </a:r>
-            <a:endParaRPr lang="en-US"/>
+            <a:endParaRPr lang="en-US" noProof="0"/>
           </a:p>
         </p:txBody>
       </p:sp>
@@ -318,11 +377,23 @@
         <p:txBody>
           <a:bodyPr vert="horz" lIns="91440" tIns="45720" rIns="91440" bIns="45720" rtlCol="0" anchor="b"/>
           <a:lstStyle>
-            <a:lvl1pPr algn="l">
-              <a:defRPr sz="1200"/>
-            </a:lvl1pPr>
-          </a:lstStyle>
-          <a:p>
+            <a:lvl1pPr algn="l" fontAlgn="auto">
+              <a:spcBef>
+                <a:spcPts val="0"/>
+              </a:spcBef>
+              <a:spcAft>
+                <a:spcPts val="0"/>
+              </a:spcAft>
+              <a:defRPr sz="1200">
+                <a:latin typeface="+mn-lt"/>
+                <a:cs typeface="+mn-cs"/>
+              </a:defRPr>
+            </a:lvl1pPr>
+          </a:lstStyle>
+          <a:p>
+            <a:pPr>
+              <a:defRPr/>
+            </a:pPr>
             <a:endParaRPr lang="en-US"/>
           </a:p>
         </p:txBody>
@@ -349,13 +420,28 @@
         <p:txBody>
           <a:bodyPr vert="horz" lIns="91440" tIns="45720" rIns="91440" bIns="45720" rtlCol="0" anchor="b"/>
           <a:lstStyle>
-            <a:lvl1pPr algn="r">
-              <a:defRPr sz="1200"/>
-            </a:lvl1pPr>
-          </a:lstStyle>
-          <a:p>
-            <a:fld id="{7A47CEA1-A3B5-B84C-9D48-291E1BDD56BE}" type="slidenum">
-              <a:rPr lang="en-US" smtClean="0"/>
+            <a:lvl1pPr algn="r" fontAlgn="auto">
+              <a:spcBef>
+                <a:spcPts val="0"/>
+              </a:spcBef>
+              <a:spcAft>
+                <a:spcPts val="0"/>
+              </a:spcAft>
+              <a:defRPr sz="1200" smtClean="0">
+                <a:latin typeface="+mn-lt"/>
+                <a:cs typeface="+mn-cs"/>
+              </a:defRPr>
+            </a:lvl1pPr>
+          </a:lstStyle>
+          <a:p>
+            <a:pPr>
+              <a:defRPr/>
+            </a:pPr>
+            <a:fld id="{19CB5E3C-83B0-4527-9CA3-F301F68DF6B1}" type="slidenum">
+              <a:rPr lang="en-US"/>
+              <a:pPr>
+                <a:defRPr/>
+              </a:pPr>
               <a:t>‹#›</a:t>
             </a:fld>
             <a:endParaRPr lang="en-US"/>
@@ -363,15 +449,16 @@
         </p:txBody>
       </p:sp>
     </p:spTree>
-    <p:extLst>
-      <p:ext uri="{BB962C8B-B14F-4D97-AF65-F5344CB8AC3E}">
-        <p14:creationId xmlns:p14="http://schemas.microsoft.com/office/powerpoint/2010/main" val="2219638164"/>
-      </p:ext>
-    </p:extLst>
   </p:cSld>
   <p:clrMap bg1="lt1" tx1="dk1" bg2="lt2" tx2="dk2" accent1="accent1" accent2="accent2" accent3="accent3" accent4="accent4" accent5="accent5" accent6="accent6" hlink="hlink" folHlink="folHlink"/>
   <p:notesStyle>
-    <a:lvl1pPr marL="0" algn="l" defTabSz="457200" rtl="0" eaLnBrk="1" latinLnBrk="0" hangingPunct="1">
+    <a:lvl1pPr algn="l" defTabSz="457200" rtl="0" fontAlgn="base">
+      <a:spcBef>
+        <a:spcPct val="30000"/>
+      </a:spcBef>
+      <a:spcAft>
+        <a:spcPct val="0"/>
+      </a:spcAft>
       <a:defRPr sz="1200" kern="1200">
         <a:solidFill>
           <a:schemeClr val="tx1"/>
@@ -381,7 +468,13 @@
         <a:cs typeface="+mn-cs"/>
       </a:defRPr>
     </a:lvl1pPr>
-    <a:lvl2pPr marL="457200" algn="l" defTabSz="457200" rtl="0" eaLnBrk="1" latinLnBrk="0" hangingPunct="1">
+    <a:lvl2pPr marL="457200" algn="l" defTabSz="457200" rtl="0" fontAlgn="base">
+      <a:spcBef>
+        <a:spcPct val="30000"/>
+      </a:spcBef>
+      <a:spcAft>
+        <a:spcPct val="0"/>
+      </a:spcAft>
       <a:defRPr sz="1200" kern="1200">
         <a:solidFill>
           <a:schemeClr val="tx1"/>
@@ -391,7 +484,13 @@
         <a:cs typeface="+mn-cs"/>
       </a:defRPr>
     </a:lvl2pPr>
-    <a:lvl3pPr marL="914400" algn="l" defTabSz="457200" rtl="0" eaLnBrk="1" latinLnBrk="0" hangingPunct="1">
+    <a:lvl3pPr marL="914400" algn="l" defTabSz="457200" rtl="0" fontAlgn="base">
+      <a:spcBef>
+        <a:spcPct val="30000"/>
+      </a:spcBef>
+      <a:spcAft>
+        <a:spcPct val="0"/>
+      </a:spcAft>
       <a:defRPr sz="1200" kern="1200">
         <a:solidFill>
           <a:schemeClr val="tx1"/>
@@ -401,7 +500,13 @@
         <a:cs typeface="+mn-cs"/>
       </a:defRPr>
     </a:lvl3pPr>
-    <a:lvl4pPr marL="1371600" algn="l" defTabSz="457200" rtl="0" eaLnBrk="1" latinLnBrk="0" hangingPunct="1">
+    <a:lvl4pPr marL="1371600" algn="l" defTabSz="457200" rtl="0" fontAlgn="base">
+      <a:spcBef>
+        <a:spcPct val="30000"/>
+      </a:spcBef>
+      <a:spcAft>
+        <a:spcPct val="0"/>
+      </a:spcAft>
       <a:defRPr sz="1200" kern="1200">
         <a:solidFill>
           <a:schemeClr val="tx1"/>
@@ -411,7 +516,13 @@
         <a:cs typeface="+mn-cs"/>
       </a:defRPr>
     </a:lvl4pPr>
-    <a:lvl5pPr marL="1828800" algn="l" defTabSz="457200" rtl="0" eaLnBrk="1" latinLnBrk="0" hangingPunct="1">
+    <a:lvl5pPr marL="1828800" algn="l" defTabSz="457200" rtl="0" fontAlgn="base">
+      <a:spcBef>
+        <a:spcPct val="30000"/>
+      </a:spcBef>
+      <a:spcAft>
+        <a:spcPct val="0"/>
+      </a:spcAft>
       <a:defRPr sz="1200" kern="1200">
         <a:solidFill>
           <a:schemeClr val="tx1"/>
@@ -484,7 +595,7 @@
       </p:grpSpPr>
       <p:sp>
         <p:nvSpPr>
-          <p:cNvPr id="2" name="Slide Image Placeholder 1"/>
+          <p:cNvPr id="25601" name="Slide Image Placeholder 1"/>
           <p:cNvSpPr>
             <a:spLocks noGrp="1" noRot="1" noChangeAspect="1"/>
           </p:cNvSpPr>
@@ -492,11 +603,21 @@
             <p:ph type="sldImg"/>
           </p:nvPr>
         </p:nvSpPr>
-        <p:spPr/>
-      </p:sp>
-      <p:sp>
-        <p:nvSpPr>
-          <p:cNvPr id="3" name="Notes Placeholder 2"/>
+        <p:spPr bwMode="auto">
+          <a:noFill/>
+          <a:ln>
+            <a:solidFill>
+              <a:srgbClr val="000000"/>
+            </a:solidFill>
+            <a:miter lim="800000"/>
+            <a:headEnd/>
+            <a:tailEnd/>
+          </a:ln>
+        </p:spPr>
+      </p:sp>
+      <p:sp>
+        <p:nvSpPr>
+          <p:cNvPr id="25602" name="Notes Placeholder 2"/>
           <p:cNvSpPr>
             <a:spLocks noGrp="1"/>
           </p:cNvSpPr>
@@ -504,44 +625,81 @@
             <p:ph type="body" idx="1"/>
           </p:nvPr>
         </p:nvSpPr>
-        <p:spPr/>
-        <p:txBody>
-          <a:bodyPr/>
+        <p:spPr bwMode="auto">
+          <a:noFill/>
+        </p:spPr>
+        <p:txBody>
+          <a:bodyPr wrap="square" numCol="1" anchor="t" anchorCtr="0" compatLnSpc="1">
+            <a:prstTxWarp prst="textNoShape">
+              <a:avLst/>
+            </a:prstTxWarp>
+          </a:bodyPr>
           <a:lstStyle/>
           <a:p>
-            <a:endParaRPr lang="en-US" dirty="0"/>
-          </a:p>
-        </p:txBody>
-      </p:sp>
-      <p:sp>
-        <p:nvSpPr>
-          <p:cNvPr id="4" name="Slide Number Placeholder 3"/>
-          <p:cNvSpPr>
-            <a:spLocks noGrp="1"/>
-          </p:cNvSpPr>
-          <p:nvPr>
-            <p:ph type="sldNum" sz="quarter" idx="10"/>
-          </p:nvPr>
-        </p:nvSpPr>
-        <p:spPr/>
-        <p:txBody>
-          <a:bodyPr/>
+            <a:pPr>
+              <a:spcBef>
+                <a:spcPct val="0"/>
+              </a:spcBef>
+            </a:pPr>
+            <a:endParaRPr lang="en-US" smtClean="0"/>
+          </a:p>
+        </p:txBody>
+      </p:sp>
+      <p:sp>
+        <p:nvSpPr>
+          <p:cNvPr id="25603" name="Slide Number Placeholder 3"/>
+          <p:cNvSpPr>
+            <a:spLocks noGrp="1"/>
+          </p:cNvSpPr>
+          <p:nvPr>
+            <p:ph type="sldNum" sz="quarter" idx="5"/>
+          </p:nvPr>
+        </p:nvSpPr>
+        <p:spPr bwMode="auto">
+          <a:noFill/>
+          <a:ln>
+            <a:miter lim="800000"/>
+            <a:headEnd/>
+            <a:tailEnd/>
+          </a:ln>
+        </p:spPr>
+        <p:txBody>
+          <a:bodyPr wrap="square" numCol="1" anchorCtr="0" compatLnSpc="1">
+            <a:prstTxWarp prst="textNoShape">
+              <a:avLst/>
+            </a:prstTxWarp>
+          </a:bodyPr>
           <a:lstStyle/>
           <a:p>
-            <a:fld id="{7A47CEA1-A3B5-B84C-9D48-291E1BDD56BE}" type="slidenum">
-              <a:rPr lang="en-US" smtClean="0"/>
+            <a:pPr fontAlgn="base">
+              <a:spcBef>
+                <a:spcPct val="0"/>
+              </a:spcBef>
+              <a:spcAft>
+                <a:spcPct val="0"/>
+              </a:spcAft>
+            </a:pPr>
+            <a:fld id="{6EFCF0F9-1CC2-4125-A508-91590C0219C2}" type="slidenum">
+              <a:rPr lang="en-US">
+                <a:cs typeface="Arial" charset="0"/>
+              </a:rPr>
+              <a:pPr fontAlgn="base">
+                <a:spcBef>
+                  <a:spcPct val="0"/>
+                </a:spcBef>
+                <a:spcAft>
+                  <a:spcPct val="0"/>
+                </a:spcAft>
+              </a:pPr>
               <a:t>2</a:t>
             </a:fld>
-            <a:endParaRPr lang="en-US"/>
+            <a:endParaRPr lang="en-US">
+              <a:cs typeface="Arial" charset="0"/>
+            </a:endParaRPr>
           </a:p>
         </p:txBody>
       </p:sp>
     </p:spTree>
-    <p:extLst>
-      <p:ext uri="{BB962C8B-B14F-4D97-AF65-F5344CB8AC3E}">
-        <p14:creationId xmlns:p14="http://schemas.microsoft.com/office/powerpoint/2010/main" val="209619927"/>
-      </p:ext>
-    </p:extLst>
   </p:cSld>
   <p:clrMapOvr>
     <a:masterClrMapping/>
@@ -588,7 +746,7 @@
           </a:xfrm>
         </p:spPr>
         <p:txBody>
-          <a:bodyPr vert="horz" lIns="45720" tIns="0" rIns="45720" bIns="0" rtlCol="0" anchor="b" anchorCtr="0">
+          <a:bodyPr lIns="45720" tIns="0" rIns="45720" bIns="0" rtlCol="0" anchor="b">
             <a:noAutofit/>
           </a:bodyPr>
           <a:lstStyle>
@@ -636,7 +794,7 @@
           </a:xfrm>
         </p:spPr>
         <p:txBody>
-          <a:bodyPr vert="horz" lIns="91440" tIns="0" rIns="45720" bIns="0" rtlCol="0">
+          <a:bodyPr tIns="0" rIns="45720" bIns="0" rtlCol="0">
             <a:normAutofit/>
           </a:bodyPr>
           <a:lstStyle>
@@ -761,12 +919,57 @@
         </p:nvSpPr>
         <p:spPr>
           <a:xfrm>
-            <a:off x="457200" y="6300216"/>
-            <a:ext cx="1984248" cy="274320"/>
+            <a:off x="457200" y="6300788"/>
+            <a:ext cx="1984375" cy="273050"/>
           </a:xfrm>
         </p:spPr>
         <p:txBody>
-          <a:bodyPr vert="horz" lIns="91440" tIns="45720" rIns="91440" bIns="45720" rtlCol="0" anchor="ctr"/>
+          <a:bodyPr/>
+          <a:lstStyle>
+            <a:lvl1pPr marL="0" algn="l" defTabSz="914400" rtl="0" eaLnBrk="1" latinLnBrk="0" hangingPunct="1">
+              <a:defRPr sz="1100" kern="1200" smtClean="0">
+                <a:solidFill>
+                  <a:schemeClr val="tx1"/>
+                </a:solidFill>
+                <a:latin typeface="Rockwell" pitchFamily="18" charset="0"/>
+                <a:ea typeface="+mn-ea"/>
+                <a:cs typeface="+mn-cs"/>
+              </a:defRPr>
+            </a:lvl1pPr>
+          </a:lstStyle>
+          <a:p>
+            <a:pPr>
+              <a:defRPr/>
+            </a:pPr>
+            <a:fld id="{810B9A13-FD7C-40CE-A80A-47BFB2EBE5B5}" type="datetimeFigureOut">
+              <a:rPr lang="en-US"/>
+              <a:pPr>
+                <a:defRPr/>
+              </a:pPr>
+              <a:t>09-Jun-13</a:t>
+            </a:fld>
+            <a:endParaRPr lang="en-US"/>
+          </a:p>
+        </p:txBody>
+      </p:sp>
+      <p:sp>
+        <p:nvSpPr>
+          <p:cNvPr id="5" name="Footer Placeholder 4"/>
+          <p:cNvSpPr>
+            <a:spLocks noGrp="1"/>
+          </p:cNvSpPr>
+          <p:nvPr>
+            <p:ph type="ftr" sz="quarter" idx="11"/>
+          </p:nvPr>
+        </p:nvSpPr>
+        <p:spPr>
+          <a:xfrm>
+            <a:off x="3959225" y="6300788"/>
+            <a:ext cx="3813175" cy="273050"/>
+          </a:xfrm>
+        </p:spPr>
+        <p:txBody>
+          <a:bodyPr/>
           <a:lstStyle>
             <a:lvl1pPr marL="0" algn="l" defTabSz="914400" rtl="0" eaLnBrk="1" latinLnBrk="0" hangingPunct="1">
               <a:defRPr sz="1100" kern="1200">
@@ -780,35 +983,34 @@
             </a:lvl1pPr>
           </a:lstStyle>
           <a:p>
-            <a:fld id="{2DF66AD8-BC4A-4004-9882-414398D930CA}" type="datetimeFigureOut">
-              <a:rPr lang="en-US" smtClean="0"/>
-              <a:t>6/8/13</a:t>
-            </a:fld>
+            <a:pPr>
+              <a:defRPr/>
+            </a:pPr>
             <a:endParaRPr lang="en-US"/>
           </a:p>
         </p:txBody>
       </p:sp>
       <p:sp>
         <p:nvSpPr>
-          <p:cNvPr id="5" name="Footer Placeholder 4"/>
-          <p:cNvSpPr>
-            <a:spLocks noGrp="1"/>
-          </p:cNvSpPr>
-          <p:nvPr>
-            <p:ph type="ftr" sz="quarter" idx="11"/>
+          <p:cNvPr id="6" name="Slide Number Placeholder 5"/>
+          <p:cNvSpPr>
+            <a:spLocks noGrp="1"/>
+          </p:cNvSpPr>
+          <p:nvPr>
+            <p:ph type="sldNum" sz="quarter" idx="12"/>
           </p:nvPr>
         </p:nvSpPr>
         <p:spPr>
           <a:xfrm>
-            <a:off x="3959352" y="6300216"/>
-            <a:ext cx="3813048" cy="274320"/>
+            <a:off x="8275638" y="6300788"/>
+            <a:ext cx="685800" cy="273050"/>
           </a:xfrm>
         </p:spPr>
         <p:txBody>
-          <a:bodyPr vert="horz" lIns="91440" tIns="45720" rIns="91440" bIns="45720" rtlCol="0" anchor="ctr"/>
-          <a:lstStyle>
-            <a:lvl1pPr marL="0" algn="l" defTabSz="914400" rtl="0" eaLnBrk="1" latinLnBrk="0" hangingPunct="1">
-              <a:defRPr sz="1100" kern="1200">
+          <a:bodyPr/>
+          <a:lstStyle>
+            <a:lvl1pPr marL="0" algn="r" defTabSz="914400" rtl="0" eaLnBrk="1" latinLnBrk="0" hangingPunct="1">
+              <a:defRPr sz="1100" kern="1200" smtClean="0">
                 <a:solidFill>
                   <a:schemeClr val="tx1"/>
                 </a:solidFill>
@@ -819,43 +1021,14 @@
             </a:lvl1pPr>
           </a:lstStyle>
           <a:p>
-            <a:endParaRPr lang="en-US"/>
-          </a:p>
-        </p:txBody>
-      </p:sp>
-      <p:sp>
-        <p:nvSpPr>
-          <p:cNvPr id="6" name="Slide Number Placeholder 5"/>
-          <p:cNvSpPr>
-            <a:spLocks noGrp="1"/>
-          </p:cNvSpPr>
-          <p:nvPr>
-            <p:ph type="sldNum" sz="quarter" idx="12"/>
-          </p:nvPr>
-        </p:nvSpPr>
-        <p:spPr>
-          <a:xfrm>
-            <a:off x="8275320" y="6300216"/>
-            <a:ext cx="685800" cy="274320"/>
-          </a:xfrm>
-        </p:spPr>
-        <p:txBody>
-          <a:bodyPr vert="horz" lIns="91440" tIns="45720" rIns="91440" bIns="45720" rtlCol="0" anchor="ctr"/>
-          <a:lstStyle>
-            <a:lvl1pPr marL="0" algn="r" defTabSz="914400" rtl="0" eaLnBrk="1" latinLnBrk="0" hangingPunct="1">
-              <a:defRPr sz="1100" kern="1200">
-                <a:solidFill>
-                  <a:schemeClr val="tx1"/>
-                </a:solidFill>
-                <a:latin typeface="Rockwell" pitchFamily="18" charset="0"/>
-                <a:ea typeface="+mn-ea"/>
-                <a:cs typeface="+mn-cs"/>
-              </a:defRPr>
-            </a:lvl1pPr>
-          </a:lstStyle>
-          <a:p>
-            <a:fld id="{B9D2C864-9362-43C7-A136-D9C41D93A96D}" type="slidenum">
-              <a:rPr lang="en-US" smtClean="0"/>
+            <a:pPr>
+              <a:defRPr/>
+            </a:pPr>
+            <a:fld id="{9E90AE23-DDCC-488E-B7DE-BE14FFE18950}" type="slidenum">
+              <a:rPr lang="en-US"/>
+              <a:pPr>
+                <a:defRPr/>
+              </a:pPr>
               <a:t>‹#›</a:t>
             </a:fld>
             <a:endParaRPr lang="en-US"/>
@@ -907,71 +1080,6 @@
               <a:t>Click to edit Master title style</a:t>
             </a:r>
             <a:endParaRPr/>
-          </a:p>
-        </p:txBody>
-      </p:sp>
-      <p:sp>
-        <p:nvSpPr>
-          <p:cNvPr id="5" name="Date Placeholder 4"/>
-          <p:cNvSpPr>
-            <a:spLocks noGrp="1"/>
-          </p:cNvSpPr>
-          <p:nvPr>
-            <p:ph type="dt" sz="half" idx="10"/>
-          </p:nvPr>
-        </p:nvSpPr>
-        <p:spPr/>
-        <p:txBody>
-          <a:bodyPr/>
-          <a:lstStyle/>
-          <a:p>
-            <a:fld id="{2DF66AD8-BC4A-4004-9882-414398D930CA}" type="datetimeFigureOut">
-              <a:rPr lang="en-US" smtClean="0"/>
-              <a:t>6/8/13</a:t>
-            </a:fld>
-            <a:endParaRPr lang="en-US"/>
-          </a:p>
-        </p:txBody>
-      </p:sp>
-      <p:sp>
-        <p:nvSpPr>
-          <p:cNvPr id="6" name="Footer Placeholder 5"/>
-          <p:cNvSpPr>
-            <a:spLocks noGrp="1"/>
-          </p:cNvSpPr>
-          <p:nvPr>
-            <p:ph type="ftr" sz="quarter" idx="11"/>
-          </p:nvPr>
-        </p:nvSpPr>
-        <p:spPr/>
-        <p:txBody>
-          <a:bodyPr/>
-          <a:lstStyle/>
-          <a:p>
-            <a:endParaRPr lang="en-US"/>
-          </a:p>
-        </p:txBody>
-      </p:sp>
-      <p:sp>
-        <p:nvSpPr>
-          <p:cNvPr id="7" name="Slide Number Placeholder 6"/>
-          <p:cNvSpPr>
-            <a:spLocks noGrp="1"/>
-          </p:cNvSpPr>
-          <p:nvPr>
-            <p:ph type="sldNum" sz="quarter" idx="12"/>
-          </p:nvPr>
-        </p:nvSpPr>
-        <p:spPr/>
-        <p:txBody>
-          <a:bodyPr/>
-          <a:lstStyle/>
-          <a:p>
-            <a:fld id="{B9D2C864-9362-43C7-A136-D9C41D93A96D}" type="slidenum">
-              <a:rPr lang="en-US" smtClean="0"/>
-              <a:t>‹#›</a:t>
-            </a:fld>
-            <a:endParaRPr lang="en-US"/>
           </a:p>
         </p:txBody>
       </p:sp>
@@ -1234,6 +1342,98 @@
           </a:p>
         </p:txBody>
       </p:sp>
+      <p:sp>
+        <p:nvSpPr>
+          <p:cNvPr id="6" name="Date Placeholder 3"/>
+          <p:cNvSpPr>
+            <a:spLocks noGrp="1"/>
+          </p:cNvSpPr>
+          <p:nvPr>
+            <p:ph type="dt" sz="half" idx="16"/>
+          </p:nvPr>
+        </p:nvSpPr>
+        <p:spPr/>
+        <p:txBody>
+          <a:bodyPr/>
+          <a:lstStyle>
+            <a:lvl1pPr>
+              <a:defRPr/>
+            </a:lvl1pPr>
+          </a:lstStyle>
+          <a:p>
+            <a:pPr>
+              <a:defRPr/>
+            </a:pPr>
+            <a:fld id="{64D5640F-06F7-4E9C-85C0-84AC228B3C7A}" type="datetimeFigureOut">
+              <a:rPr lang="en-US"/>
+              <a:pPr>
+                <a:defRPr/>
+              </a:pPr>
+              <a:t>09-Jun-13</a:t>
+            </a:fld>
+            <a:endParaRPr lang="en-US"/>
+          </a:p>
+        </p:txBody>
+      </p:sp>
+      <p:sp>
+        <p:nvSpPr>
+          <p:cNvPr id="7" name="Footer Placeholder 4"/>
+          <p:cNvSpPr>
+            <a:spLocks noGrp="1"/>
+          </p:cNvSpPr>
+          <p:nvPr>
+            <p:ph type="ftr" sz="quarter" idx="17"/>
+          </p:nvPr>
+        </p:nvSpPr>
+        <p:spPr/>
+        <p:txBody>
+          <a:bodyPr/>
+          <a:lstStyle>
+            <a:lvl1pPr>
+              <a:defRPr/>
+            </a:lvl1pPr>
+          </a:lstStyle>
+          <a:p>
+            <a:pPr>
+              <a:defRPr/>
+            </a:pPr>
+            <a:endParaRPr lang="en-US"/>
+          </a:p>
+        </p:txBody>
+      </p:sp>
+      <p:sp>
+        <p:nvSpPr>
+          <p:cNvPr id="8" name="Slide Number Placeholder 5"/>
+          <p:cNvSpPr>
+            <a:spLocks noGrp="1"/>
+          </p:cNvSpPr>
+          <p:nvPr>
+            <p:ph type="sldNum" sz="quarter" idx="18"/>
+          </p:nvPr>
+        </p:nvSpPr>
+        <p:spPr/>
+        <p:txBody>
+          <a:bodyPr/>
+          <a:lstStyle>
+            <a:lvl1pPr>
+              <a:defRPr/>
+            </a:lvl1pPr>
+          </a:lstStyle>
+          <a:p>
+            <a:pPr>
+              <a:defRPr/>
+            </a:pPr>
+            <a:fld id="{D6CC12D1-A27E-4FC5-B970-6E8A3314F9B3}" type="slidenum">
+              <a:rPr lang="en-US"/>
+              <a:pPr>
+                <a:defRPr/>
+              </a:pPr>
+              <a:t>‹#›</a:t>
+            </a:fld>
+            <a:endParaRPr lang="en-US"/>
+          </a:p>
+        </p:txBody>
+      </p:sp>
     </p:spTree>
   </p:cSld>
   <p:clrMapOvr>
@@ -1369,71 +1569,6 @@
       </p:sp>
       <p:sp>
         <p:nvSpPr>
-          <p:cNvPr id="5" name="Date Placeholder 4"/>
-          <p:cNvSpPr>
-            <a:spLocks noGrp="1"/>
-          </p:cNvSpPr>
-          <p:nvPr>
-            <p:ph type="dt" sz="half" idx="10"/>
-          </p:nvPr>
-        </p:nvSpPr>
-        <p:spPr/>
-        <p:txBody>
-          <a:bodyPr/>
-          <a:lstStyle/>
-          <a:p>
-            <a:fld id="{2DF66AD8-BC4A-4004-9882-414398D930CA}" type="datetimeFigureOut">
-              <a:rPr lang="en-US" smtClean="0"/>
-              <a:t>6/8/13</a:t>
-            </a:fld>
-            <a:endParaRPr lang="en-US"/>
-          </a:p>
-        </p:txBody>
-      </p:sp>
-      <p:sp>
-        <p:nvSpPr>
-          <p:cNvPr id="6" name="Footer Placeholder 5"/>
-          <p:cNvSpPr>
-            <a:spLocks noGrp="1"/>
-          </p:cNvSpPr>
-          <p:nvPr>
-            <p:ph type="ftr" sz="quarter" idx="11"/>
-          </p:nvPr>
-        </p:nvSpPr>
-        <p:spPr/>
-        <p:txBody>
-          <a:bodyPr/>
-          <a:lstStyle/>
-          <a:p>
-            <a:endParaRPr lang="en-US"/>
-          </a:p>
-        </p:txBody>
-      </p:sp>
-      <p:sp>
-        <p:nvSpPr>
-          <p:cNvPr id="7" name="Slide Number Placeholder 6"/>
-          <p:cNvSpPr>
-            <a:spLocks noGrp="1"/>
-          </p:cNvSpPr>
-          <p:nvPr>
-            <p:ph type="sldNum" sz="quarter" idx="12"/>
-          </p:nvPr>
-        </p:nvSpPr>
-        <p:spPr/>
-        <p:txBody>
-          <a:bodyPr/>
-          <a:lstStyle/>
-          <a:p>
-            <a:fld id="{B9D2C864-9362-43C7-A136-D9C41D93A96D}" type="slidenum">
-              <a:rPr lang="en-US" smtClean="0"/>
-              <a:t>‹#›</a:t>
-            </a:fld>
-            <a:endParaRPr lang="en-US"/>
-          </a:p>
-        </p:txBody>
-      </p:sp>
-      <p:sp>
-        <p:nvSpPr>
           <p:cNvPr id="8" name="Content Placeholder 2"/>
           <p:cNvSpPr>
             <a:spLocks noGrp="1"/>
@@ -1684,6 +1819,98 @@
               <a:t>Fifth level</a:t>
             </a:r>
             <a:endParaRPr dirty="0"/>
+          </a:p>
+        </p:txBody>
+      </p:sp>
+      <p:sp>
+        <p:nvSpPr>
+          <p:cNvPr id="7" name="Date Placeholder 3"/>
+          <p:cNvSpPr>
+            <a:spLocks noGrp="1"/>
+          </p:cNvSpPr>
+          <p:nvPr>
+            <p:ph type="dt" sz="half" idx="16"/>
+          </p:nvPr>
+        </p:nvSpPr>
+        <p:spPr/>
+        <p:txBody>
+          <a:bodyPr/>
+          <a:lstStyle>
+            <a:lvl1pPr>
+              <a:defRPr/>
+            </a:lvl1pPr>
+          </a:lstStyle>
+          <a:p>
+            <a:pPr>
+              <a:defRPr/>
+            </a:pPr>
+            <a:fld id="{3DC4E0CD-6F87-48EC-A233-83FF16D44D0E}" type="datetimeFigureOut">
+              <a:rPr lang="en-US"/>
+              <a:pPr>
+                <a:defRPr/>
+              </a:pPr>
+              <a:t>09-Jun-13</a:t>
+            </a:fld>
+            <a:endParaRPr lang="en-US"/>
+          </a:p>
+        </p:txBody>
+      </p:sp>
+      <p:sp>
+        <p:nvSpPr>
+          <p:cNvPr id="9" name="Footer Placeholder 4"/>
+          <p:cNvSpPr>
+            <a:spLocks noGrp="1"/>
+          </p:cNvSpPr>
+          <p:nvPr>
+            <p:ph type="ftr" sz="quarter" idx="17"/>
+          </p:nvPr>
+        </p:nvSpPr>
+        <p:spPr/>
+        <p:txBody>
+          <a:bodyPr/>
+          <a:lstStyle>
+            <a:lvl1pPr>
+              <a:defRPr/>
+            </a:lvl1pPr>
+          </a:lstStyle>
+          <a:p>
+            <a:pPr>
+              <a:defRPr/>
+            </a:pPr>
+            <a:endParaRPr lang="en-US"/>
+          </a:p>
+        </p:txBody>
+      </p:sp>
+      <p:sp>
+        <p:nvSpPr>
+          <p:cNvPr id="10" name="Slide Number Placeholder 5"/>
+          <p:cNvSpPr>
+            <a:spLocks noGrp="1"/>
+          </p:cNvSpPr>
+          <p:nvPr>
+            <p:ph type="sldNum" sz="quarter" idx="18"/>
+          </p:nvPr>
+        </p:nvSpPr>
+        <p:spPr/>
+        <p:txBody>
+          <a:bodyPr/>
+          <a:lstStyle>
+            <a:lvl1pPr>
+              <a:defRPr/>
+            </a:lvl1pPr>
+          </a:lstStyle>
+          <a:p>
+            <a:pPr>
+              <a:defRPr/>
+            </a:pPr>
+            <a:fld id="{1145AE34-19A3-4A98-AA31-248C244CA8BE}" type="slidenum">
+              <a:rPr lang="en-US"/>
+              <a:pPr>
+                <a:defRPr/>
+              </a:pPr>
+              <a:t>‹#›</a:t>
+            </a:fld>
+            <a:endParaRPr lang="en-US"/>
           </a:p>
         </p:txBody>
       </p:sp>
@@ -1737,7 +1964,7 @@
       </p:sp>
       <p:sp>
         <p:nvSpPr>
-          <p:cNvPr id="3" name="Date Placeholder 2"/>
+          <p:cNvPr id="3" name="Date Placeholder 3"/>
           <p:cNvSpPr>
             <a:spLocks noGrp="1"/>
           </p:cNvSpPr>
@@ -1748,11 +1975,21 @@
         <p:spPr/>
         <p:txBody>
           <a:bodyPr/>
-          <a:lstStyle/>
-          <a:p>
-            <a:fld id="{2DF66AD8-BC4A-4004-9882-414398D930CA}" type="datetimeFigureOut">
-              <a:rPr lang="en-US" smtClean="0"/>
-              <a:t>6/8/13</a:t>
+          <a:lstStyle>
+            <a:lvl1pPr>
+              <a:defRPr/>
+            </a:lvl1pPr>
+          </a:lstStyle>
+          <a:p>
+            <a:pPr>
+              <a:defRPr/>
+            </a:pPr>
+            <a:fld id="{4AF0EFB1-AAC5-47F1-830C-FEC9BF69E9CE}" type="datetimeFigureOut">
+              <a:rPr lang="en-US"/>
+              <a:pPr>
+                <a:defRPr/>
+              </a:pPr>
+              <a:t>09-Jun-13</a:t>
             </a:fld>
             <a:endParaRPr lang="en-US"/>
           </a:p>
@@ -1760,7 +1997,7 @@
       </p:sp>
       <p:sp>
         <p:nvSpPr>
-          <p:cNvPr id="4" name="Footer Placeholder 3"/>
+          <p:cNvPr id="4" name="Footer Placeholder 4"/>
           <p:cNvSpPr>
             <a:spLocks noGrp="1"/>
           </p:cNvSpPr>
@@ -1771,15 +2008,22 @@
         <p:spPr/>
         <p:txBody>
           <a:bodyPr/>
-          <a:lstStyle/>
-          <a:p>
+          <a:lstStyle>
+            <a:lvl1pPr>
+              <a:defRPr/>
+            </a:lvl1pPr>
+          </a:lstStyle>
+          <a:p>
+            <a:pPr>
+              <a:defRPr/>
+            </a:pPr>
             <a:endParaRPr lang="en-US"/>
           </a:p>
         </p:txBody>
       </p:sp>
       <p:sp>
         <p:nvSpPr>
-          <p:cNvPr id="5" name="Slide Number Placeholder 4"/>
+          <p:cNvPr id="5" name="Slide Number Placeholder 5"/>
           <p:cNvSpPr>
             <a:spLocks noGrp="1"/>
           </p:cNvSpPr>
@@ -1790,10 +2034,20 @@
         <p:spPr/>
         <p:txBody>
           <a:bodyPr/>
-          <a:lstStyle/>
-          <a:p>
-            <a:fld id="{B9D2C864-9362-43C7-A136-D9C41D93A96D}" type="slidenum">
-              <a:rPr lang="en-US" smtClean="0"/>
+          <a:lstStyle>
+            <a:lvl1pPr>
+              <a:defRPr/>
+            </a:lvl1pPr>
+          </a:lstStyle>
+          <a:p>
+            <a:pPr>
+              <a:defRPr/>
+            </a:pPr>
+            <a:fld id="{215A27C9-FCFD-443B-9103-5B371753EDD4}" type="slidenum">
+              <a:rPr lang="en-US"/>
+              <a:pPr>
+                <a:defRPr/>
+              </a:pPr>
               <a:t>‹#›</a:t>
             </a:fld>
             <a:endParaRPr lang="en-US"/>
@@ -1827,7 +2081,7 @@
       </p:grpSpPr>
       <p:sp>
         <p:nvSpPr>
-          <p:cNvPr id="2" name="Date Placeholder 1"/>
+          <p:cNvPr id="2" name="Date Placeholder 3"/>
           <p:cNvSpPr>
             <a:spLocks noGrp="1"/>
           </p:cNvSpPr>
@@ -1838,11 +2092,21 @@
         <p:spPr/>
         <p:txBody>
           <a:bodyPr/>
-          <a:lstStyle/>
-          <a:p>
-            <a:fld id="{2DF66AD8-BC4A-4004-9882-414398D930CA}" type="datetimeFigureOut">
-              <a:rPr lang="en-US" smtClean="0"/>
-              <a:t>6/8/13</a:t>
+          <a:lstStyle>
+            <a:lvl1pPr>
+              <a:defRPr/>
+            </a:lvl1pPr>
+          </a:lstStyle>
+          <a:p>
+            <a:pPr>
+              <a:defRPr/>
+            </a:pPr>
+            <a:fld id="{6A07A44A-6EC2-4C78-8E2E-FB2F60A099FA}" type="datetimeFigureOut">
+              <a:rPr lang="en-US"/>
+              <a:pPr>
+                <a:defRPr/>
+              </a:pPr>
+              <a:t>09-Jun-13</a:t>
             </a:fld>
             <a:endParaRPr lang="en-US"/>
           </a:p>
@@ -1850,7 +2114,7 @@
       </p:sp>
       <p:sp>
         <p:nvSpPr>
-          <p:cNvPr id="3" name="Footer Placeholder 2"/>
+          <p:cNvPr id="3" name="Footer Placeholder 4"/>
           <p:cNvSpPr>
             <a:spLocks noGrp="1"/>
           </p:cNvSpPr>
@@ -1861,15 +2125,22 @@
         <p:spPr/>
         <p:txBody>
           <a:bodyPr/>
-          <a:lstStyle/>
-          <a:p>
+          <a:lstStyle>
+            <a:lvl1pPr>
+              <a:defRPr/>
+            </a:lvl1pPr>
+          </a:lstStyle>
+          <a:p>
+            <a:pPr>
+              <a:defRPr/>
+            </a:pPr>
             <a:endParaRPr lang="en-US"/>
           </a:p>
         </p:txBody>
       </p:sp>
       <p:sp>
         <p:nvSpPr>
-          <p:cNvPr id="4" name="Slide Number Placeholder 3"/>
+          <p:cNvPr id="4" name="Slide Number Placeholder 5"/>
           <p:cNvSpPr>
             <a:spLocks noGrp="1"/>
           </p:cNvSpPr>
@@ -1880,10 +2151,20 @@
         <p:spPr/>
         <p:txBody>
           <a:bodyPr/>
-          <a:lstStyle/>
-          <a:p>
-            <a:fld id="{B9D2C864-9362-43C7-A136-D9C41D93A96D}" type="slidenum">
-              <a:rPr lang="en-US" smtClean="0"/>
+          <a:lstStyle>
+            <a:lvl1pPr>
+              <a:defRPr/>
+            </a:lvl1pPr>
+          </a:lstStyle>
+          <a:p>
+            <a:pPr>
+              <a:defRPr/>
+            </a:pPr>
+            <a:fld id="{054EEF97-8F83-4D4E-B5DD-3C3A004AEF9B}" type="slidenum">
+              <a:rPr lang="en-US"/>
+              <a:pPr>
+                <a:defRPr/>
+              </a:pPr>
               <a:t>‹#›</a:t>
             </a:fld>
             <a:endParaRPr lang="en-US"/>
@@ -2105,7 +2386,7 @@
       </p:sp>
       <p:sp>
         <p:nvSpPr>
-          <p:cNvPr id="5" name="Date Placeholder 4"/>
+          <p:cNvPr id="5" name="Date Placeholder 3"/>
           <p:cNvSpPr>
             <a:spLocks noGrp="1"/>
           </p:cNvSpPr>
@@ -2116,11 +2397,21 @@
         <p:spPr/>
         <p:txBody>
           <a:bodyPr/>
-          <a:lstStyle/>
-          <a:p>
-            <a:fld id="{2DF66AD8-BC4A-4004-9882-414398D930CA}" type="datetimeFigureOut">
-              <a:rPr lang="en-US" smtClean="0"/>
-              <a:t>6/8/13</a:t>
+          <a:lstStyle>
+            <a:lvl1pPr>
+              <a:defRPr/>
+            </a:lvl1pPr>
+          </a:lstStyle>
+          <a:p>
+            <a:pPr>
+              <a:defRPr/>
+            </a:pPr>
+            <a:fld id="{2406B0C7-8B16-43B4-8085-D95393D32667}" type="datetimeFigureOut">
+              <a:rPr lang="en-US"/>
+              <a:pPr>
+                <a:defRPr/>
+              </a:pPr>
+              <a:t>09-Jun-13</a:t>
             </a:fld>
             <a:endParaRPr lang="en-US"/>
           </a:p>
@@ -2128,7 +2419,7 @@
       </p:sp>
       <p:sp>
         <p:nvSpPr>
-          <p:cNvPr id="6" name="Footer Placeholder 5"/>
+          <p:cNvPr id="6" name="Footer Placeholder 4"/>
           <p:cNvSpPr>
             <a:spLocks noGrp="1"/>
           </p:cNvSpPr>
@@ -2139,15 +2430,22 @@
         <p:spPr/>
         <p:txBody>
           <a:bodyPr/>
-          <a:lstStyle/>
-          <a:p>
+          <a:lstStyle>
+            <a:lvl1pPr>
+              <a:defRPr/>
+            </a:lvl1pPr>
+          </a:lstStyle>
+          <a:p>
+            <a:pPr>
+              <a:defRPr/>
+            </a:pPr>
             <a:endParaRPr lang="en-US"/>
           </a:p>
         </p:txBody>
       </p:sp>
       <p:sp>
         <p:nvSpPr>
-          <p:cNvPr id="7" name="Slide Number Placeholder 6"/>
+          <p:cNvPr id="7" name="Slide Number Placeholder 5"/>
           <p:cNvSpPr>
             <a:spLocks noGrp="1"/>
           </p:cNvSpPr>
@@ -2158,10 +2456,20 @@
         <p:spPr/>
         <p:txBody>
           <a:bodyPr/>
-          <a:lstStyle/>
-          <a:p>
-            <a:fld id="{B9D2C864-9362-43C7-A136-D9C41D93A96D}" type="slidenum">
-              <a:rPr lang="en-US" smtClean="0"/>
+          <a:lstStyle>
+            <a:lvl1pPr>
+              <a:defRPr/>
+            </a:lvl1pPr>
+          </a:lstStyle>
+          <a:p>
+            <a:pPr>
+              <a:defRPr/>
+            </a:pPr>
+            <a:fld id="{81C15865-778C-4B62-BB0F-EDB18BA49ED2}" type="slidenum">
+              <a:rPr lang="en-US"/>
+              <a:pPr>
+                <a:defRPr/>
+              </a:pPr>
               <a:t>‹#›</a:t>
             </a:fld>
             <a:endParaRPr lang="en-US"/>
@@ -2193,198 +2501,32 @@
           <a:chExt cx="0" cy="0"/>
         </a:xfrm>
       </p:grpSpPr>
-      <p:sp>
-        <p:nvSpPr>
-          <p:cNvPr id="2" name="Title 1"/>
-          <p:cNvSpPr>
-            <a:spLocks noGrp="1"/>
-          </p:cNvSpPr>
-          <p:nvPr>
-            <p:ph type="title"/>
-          </p:nvPr>
-        </p:nvSpPr>
-        <p:spPr>
-          <a:xfrm>
-            <a:off x="5017546" y="1524000"/>
-            <a:ext cx="3566160" cy="1162050"/>
-          </a:xfrm>
-        </p:spPr>
-        <p:txBody>
-          <a:bodyPr tIns="0" bIns="0" anchor="b"/>
-          <a:lstStyle>
-            <a:lvl1pPr algn="l">
-              <a:lnSpc>
-                <a:spcPts val="4600"/>
-              </a:lnSpc>
-              <a:defRPr sz="4200" b="1"/>
-            </a:lvl1pPr>
-          </a:lstStyle>
-          <a:p>
-            <a:r>
-              <a:rPr lang="en-US" smtClean="0"/>
-              <a:t>Click to edit Master title style</a:t>
-            </a:r>
-            <a:endParaRPr/>
-          </a:p>
-        </p:txBody>
-      </p:sp>
-      <p:sp>
-        <p:nvSpPr>
-          <p:cNvPr id="4" name="Text Placeholder 3"/>
-          <p:cNvSpPr>
-            <a:spLocks noGrp="1"/>
-          </p:cNvSpPr>
-          <p:nvPr>
-            <p:ph type="body" sz="half" idx="2"/>
-          </p:nvPr>
-        </p:nvSpPr>
-        <p:spPr>
-          <a:xfrm>
-            <a:off x="5017544" y="2699982"/>
-            <a:ext cx="3566160" cy="2163171"/>
-          </a:xfrm>
-        </p:spPr>
-        <p:txBody>
-          <a:bodyPr/>
-          <a:lstStyle>
-            <a:lvl1pPr marL="0" indent="0">
-              <a:spcBef>
-                <a:spcPts val="600"/>
-              </a:spcBef>
-              <a:buNone/>
-              <a:defRPr sz="2000"/>
-            </a:lvl1pPr>
-            <a:lvl2pPr marL="457200" indent="0">
-              <a:buNone/>
-              <a:defRPr sz="1200"/>
-            </a:lvl2pPr>
-            <a:lvl3pPr marL="914400" indent="0">
-              <a:buNone/>
-              <a:defRPr sz="1000"/>
-            </a:lvl3pPr>
-            <a:lvl4pPr marL="1371600" indent="0">
-              <a:buNone/>
-              <a:defRPr sz="900"/>
-            </a:lvl4pPr>
-            <a:lvl5pPr marL="1828800" indent="0">
-              <a:buNone/>
-              <a:defRPr sz="900"/>
-            </a:lvl5pPr>
-            <a:lvl6pPr marL="2286000" indent="0">
-              <a:buNone/>
-              <a:defRPr sz="900"/>
-            </a:lvl6pPr>
-            <a:lvl7pPr marL="2743200" indent="0">
-              <a:buNone/>
-              <a:defRPr sz="900"/>
-            </a:lvl7pPr>
-            <a:lvl8pPr marL="3200400" indent="0">
-              <a:buNone/>
-              <a:defRPr sz="900"/>
-            </a:lvl8pPr>
-            <a:lvl9pPr marL="3657600" indent="0">
-              <a:buNone/>
-              <a:defRPr sz="900"/>
-            </a:lvl9pPr>
-          </a:lstStyle>
-          <a:p>
-            <a:pPr lvl="0"/>
-            <a:r>
-              <a:rPr lang="en-US" smtClean="0"/>
-              <a:t>Click to edit Master text styles</a:t>
-            </a:r>
-          </a:p>
-        </p:txBody>
-      </p:sp>
-      <p:sp>
-        <p:nvSpPr>
-          <p:cNvPr id="5" name="Date Placeholder 4"/>
-          <p:cNvSpPr>
-            <a:spLocks noGrp="1"/>
-          </p:cNvSpPr>
-          <p:nvPr>
-            <p:ph type="dt" sz="half" idx="10"/>
-          </p:nvPr>
-        </p:nvSpPr>
-        <p:spPr/>
-        <p:txBody>
-          <a:bodyPr/>
-          <a:lstStyle/>
-          <a:p>
-            <a:fld id="{2DF66AD8-BC4A-4004-9882-414398D930CA}" type="datetimeFigureOut">
-              <a:rPr lang="en-US" smtClean="0"/>
-              <a:t>6/8/13</a:t>
-            </a:fld>
-            <a:endParaRPr lang="en-US"/>
-          </a:p>
-        </p:txBody>
-      </p:sp>
-      <p:sp>
-        <p:nvSpPr>
-          <p:cNvPr id="6" name="Footer Placeholder 5"/>
-          <p:cNvSpPr>
-            <a:spLocks noGrp="1"/>
-          </p:cNvSpPr>
-          <p:nvPr>
-            <p:ph type="ftr" sz="quarter" idx="11"/>
-          </p:nvPr>
-        </p:nvSpPr>
-        <p:spPr/>
-        <p:txBody>
-          <a:bodyPr/>
-          <a:lstStyle/>
-          <a:p>
-            <a:endParaRPr lang="en-US"/>
-          </a:p>
-        </p:txBody>
-      </p:sp>
-      <p:sp>
-        <p:nvSpPr>
-          <p:cNvPr id="7" name="Slide Number Placeholder 6"/>
-          <p:cNvSpPr>
-            <a:spLocks noGrp="1"/>
-          </p:cNvSpPr>
-          <p:nvPr>
-            <p:ph type="sldNum" sz="quarter" idx="12"/>
-          </p:nvPr>
-        </p:nvSpPr>
-        <p:spPr/>
-        <p:txBody>
-          <a:bodyPr/>
-          <a:lstStyle/>
-          <a:p>
-            <a:fld id="{B9D2C864-9362-43C7-A136-D9C41D93A96D}" type="slidenum">
-              <a:rPr lang="en-US" smtClean="0"/>
-              <a:t>‹#›</a:t>
-            </a:fld>
-            <a:endParaRPr lang="en-US"/>
-          </a:p>
-        </p:txBody>
-      </p:sp>
       <p:grpSp>
         <p:nvGrpSpPr>
-          <p:cNvPr id="3" name="Group 7"/>
-          <p:cNvGrpSpPr/>
+          <p:cNvPr id="5" name="Group 7"/>
+          <p:cNvGrpSpPr>
+            <a:grpSpLocks/>
+          </p:cNvGrpSpPr>
           <p:nvPr/>
         </p:nvGrpSpPr>
-        <p:grpSpPr>
-          <a:xfrm rot="21421631">
-            <a:off x="629028" y="505650"/>
-            <a:ext cx="3850925" cy="5516274"/>
+        <p:grpSpPr bwMode="auto">
+          <a:xfrm rot="-178369">
+            <a:off x="628650" y="506413"/>
+            <a:ext cx="3851275" cy="5514975"/>
             <a:chOff x="1524000" y="381000"/>
             <a:chExt cx="3657600" cy="4737978"/>
           </a:xfrm>
         </p:grpSpPr>
         <p:sp>
           <p:nvSpPr>
-            <p:cNvPr id="10" name="Rectangle 9"/>
+            <p:cNvPr id="6" name="Rectangle 9"/>
             <p:cNvSpPr/>
             <p:nvPr userDrawn="1"/>
           </p:nvSpPr>
           <p:spPr>
             <a:xfrm>
-              <a:off x="1524000" y="381000"/>
-              <a:ext cx="3657600" cy="4724400"/>
+              <a:off x="1522886" y="380938"/>
+              <a:ext cx="3657600" cy="4724340"/>
             </a:xfrm>
             <a:prstGeom prst="rect">
               <a:avLst/>
@@ -2422,17 +2564,25 @@
             </a:fontRef>
           </p:style>
           <p:txBody>
-            <a:bodyPr rtlCol="0" anchor="ctr"/>
+            <a:bodyPr anchor="ctr"/>
             <a:lstStyle/>
             <a:p>
-              <a:pPr algn="ctr"/>
+              <a:pPr algn="ctr" fontAlgn="auto">
+                <a:spcBef>
+                  <a:spcPts val="0"/>
+                </a:spcBef>
+                <a:spcAft>
+                  <a:spcPts val="0"/>
+                </a:spcAft>
+                <a:defRPr/>
+              </a:pPr>
               <a:endParaRPr/>
             </a:p>
           </p:txBody>
         </p:sp>
         <p:sp>
           <p:nvSpPr>
-            <p:cNvPr id="11" name="Rectangle 10"/>
+            <p:cNvPr id="7" name="Rectangle 10"/>
             <p:cNvSpPr/>
             <p:nvPr userDrawn="1"/>
           </p:nvSpPr>
@@ -2497,15 +2647,126 @@
             </a:fontRef>
           </p:style>
           <p:txBody>
-            <a:bodyPr rtlCol="0" anchor="ctr"/>
+            <a:bodyPr anchor="ctr"/>
             <a:lstStyle/>
             <a:p>
-              <a:pPr algn="ctr"/>
+              <a:pPr algn="ctr" fontAlgn="auto">
+                <a:spcBef>
+                  <a:spcPts val="0"/>
+                </a:spcBef>
+                <a:spcAft>
+                  <a:spcPts val="0"/>
+                </a:spcAft>
+                <a:defRPr/>
+              </a:pPr>
               <a:endParaRPr/>
             </a:p>
           </p:txBody>
         </p:sp>
       </p:grpSp>
+      <p:sp>
+        <p:nvSpPr>
+          <p:cNvPr id="2" name="Title 1"/>
+          <p:cNvSpPr>
+            <a:spLocks noGrp="1"/>
+          </p:cNvSpPr>
+          <p:nvPr>
+            <p:ph type="title"/>
+          </p:nvPr>
+        </p:nvSpPr>
+        <p:spPr>
+          <a:xfrm>
+            <a:off x="5017546" y="1524000"/>
+            <a:ext cx="3566160" cy="1162050"/>
+          </a:xfrm>
+        </p:spPr>
+        <p:txBody>
+          <a:bodyPr tIns="0" bIns="0" anchor="b"/>
+          <a:lstStyle>
+            <a:lvl1pPr algn="l">
+              <a:lnSpc>
+                <a:spcPts val="4600"/>
+              </a:lnSpc>
+              <a:defRPr sz="4200" b="1"/>
+            </a:lvl1pPr>
+          </a:lstStyle>
+          <a:p>
+            <a:r>
+              <a:rPr lang="en-US" smtClean="0"/>
+              <a:t>Click to edit Master title style</a:t>
+            </a:r>
+            <a:endParaRPr/>
+          </a:p>
+        </p:txBody>
+      </p:sp>
+      <p:sp>
+        <p:nvSpPr>
+          <p:cNvPr id="4" name="Text Placeholder 3"/>
+          <p:cNvSpPr>
+            <a:spLocks noGrp="1"/>
+          </p:cNvSpPr>
+          <p:nvPr>
+            <p:ph type="body" sz="half" idx="2"/>
+          </p:nvPr>
+        </p:nvSpPr>
+        <p:spPr>
+          <a:xfrm>
+            <a:off x="5017544" y="2699982"/>
+            <a:ext cx="3566160" cy="2163171"/>
+          </a:xfrm>
+        </p:spPr>
+        <p:txBody>
+          <a:bodyPr/>
+          <a:lstStyle>
+            <a:lvl1pPr marL="0" indent="0">
+              <a:spcBef>
+                <a:spcPts val="600"/>
+              </a:spcBef>
+              <a:buNone/>
+              <a:defRPr sz="2000"/>
+            </a:lvl1pPr>
+            <a:lvl2pPr marL="457200" indent="0">
+              <a:buNone/>
+              <a:defRPr sz="1200"/>
+            </a:lvl2pPr>
+            <a:lvl3pPr marL="914400" indent="0">
+              <a:buNone/>
+              <a:defRPr sz="1000"/>
+            </a:lvl3pPr>
+            <a:lvl4pPr marL="1371600" indent="0">
+              <a:buNone/>
+              <a:defRPr sz="900"/>
+            </a:lvl4pPr>
+            <a:lvl5pPr marL="1828800" indent="0">
+              <a:buNone/>
+              <a:defRPr sz="900"/>
+            </a:lvl5pPr>
+            <a:lvl6pPr marL="2286000" indent="0">
+              <a:buNone/>
+              <a:defRPr sz="900"/>
+            </a:lvl6pPr>
+            <a:lvl7pPr marL="2743200" indent="0">
+              <a:buNone/>
+              <a:defRPr sz="900"/>
+            </a:lvl7pPr>
+            <a:lvl8pPr marL="3200400" indent="0">
+              <a:buNone/>
+              <a:defRPr sz="900"/>
+            </a:lvl8pPr>
+            <a:lvl9pPr marL="3657600" indent="0">
+              <a:buNone/>
+              <a:defRPr sz="900"/>
+            </a:lvl9pPr>
+          </a:lstStyle>
+          <a:p>
+            <a:pPr lvl="0"/>
+            <a:r>
+              <a:rPr lang="en-US" smtClean="0"/>
+              <a:t>Click to edit Master text styles</a:t>
+            </a:r>
+          </a:p>
+        </p:txBody>
+      </p:sp>
       <p:sp>
         <p:nvSpPr>
           <p:cNvPr id="12" name="Picture Placeholder 9"/>
@@ -2528,19 +2789,114 @@
           </a:solidFill>
         </p:spPr>
         <p:txBody>
+          <a:bodyPr rtlCol="0">
+            <a:normAutofit/>
+          </a:bodyPr>
+          <a:lstStyle>
+            <a:lvl1pPr>
+              <a:buNone/>
+              <a:defRPr/>
+            </a:lvl1pPr>
+          </a:lstStyle>
+          <a:p>
+            <a:pPr lvl="0"/>
+            <a:r>
+              <a:rPr lang="en-US" noProof="0" smtClean="0"/>
+              <a:t>Drag picture to placeholder or click icon to add</a:t>
+            </a:r>
+            <a:endParaRPr noProof="0"/>
+          </a:p>
+        </p:txBody>
+      </p:sp>
+      <p:sp>
+        <p:nvSpPr>
+          <p:cNvPr id="8" name="Date Placeholder 4"/>
+          <p:cNvSpPr>
+            <a:spLocks noGrp="1"/>
+          </p:cNvSpPr>
+          <p:nvPr>
+            <p:ph type="dt" sz="half" idx="15"/>
+          </p:nvPr>
+        </p:nvSpPr>
+        <p:spPr/>
+        <p:txBody>
           <a:bodyPr/>
           <a:lstStyle>
             <a:lvl1pPr>
-              <a:buNone/>
-              <a:defRPr/>
-            </a:lvl1pPr>
-          </a:lstStyle>
-          <a:p>
-            <a:r>
-              <a:rPr lang="en-US" smtClean="0"/>
-              <a:t>Drag picture to placeholder or click icon to add</a:t>
-            </a:r>
-            <a:endParaRPr/>
+              <a:defRPr/>
+            </a:lvl1pPr>
+          </a:lstStyle>
+          <a:p>
+            <a:pPr>
+              <a:defRPr/>
+            </a:pPr>
+            <a:fld id="{59CC3651-0775-4CBB-B9E9-1B9C4C7C90B8}" type="datetimeFigureOut">
+              <a:rPr lang="en-US"/>
+              <a:pPr>
+                <a:defRPr/>
+              </a:pPr>
+              <a:t>09-Jun-13</a:t>
+            </a:fld>
+            <a:endParaRPr lang="en-US"/>
+          </a:p>
+        </p:txBody>
+      </p:sp>
+      <p:sp>
+        <p:nvSpPr>
+          <p:cNvPr id="9" name="Footer Placeholder 5"/>
+          <p:cNvSpPr>
+            <a:spLocks noGrp="1"/>
+          </p:cNvSpPr>
+          <p:nvPr>
+            <p:ph type="ftr" sz="quarter" idx="16"/>
+          </p:nvPr>
+        </p:nvSpPr>
+        <p:spPr/>
+        <p:txBody>
+          <a:bodyPr/>
+          <a:lstStyle>
+            <a:lvl1pPr>
+              <a:defRPr/>
+            </a:lvl1pPr>
+          </a:lstStyle>
+          <a:p>
+            <a:pPr>
+              <a:defRPr/>
+            </a:pPr>
+            <a:endParaRPr lang="en-US"/>
+          </a:p>
+        </p:txBody>
+      </p:sp>
+      <p:sp>
+        <p:nvSpPr>
+          <p:cNvPr id="10" name="Slide Number Placeholder 6"/>
+          <p:cNvSpPr>
+            <a:spLocks noGrp="1"/>
+          </p:cNvSpPr>
+          <p:nvPr>
+            <p:ph type="sldNum" sz="quarter" idx="17"/>
+          </p:nvPr>
+        </p:nvSpPr>
+        <p:spPr/>
+        <p:txBody>
+          <a:bodyPr/>
+          <a:lstStyle>
+            <a:lvl1pPr>
+              <a:defRPr/>
+            </a:lvl1pPr>
+          </a:lstStyle>
+          <a:p>
+            <a:pPr>
+              <a:defRPr/>
+            </a:pPr>
+            <a:fld id="{28BDA8B4-089D-44AD-AAD1-A5B950860BB9}" type="slidenum">
+              <a:rPr lang="en-US"/>
+              <a:pPr>
+                <a:defRPr/>
+              </a:pPr>
+              <a:t>‹#›</a:t>
+            </a:fld>
+            <a:endParaRPr lang="en-US"/>
           </a:p>
         </p:txBody>
       </p:sp>
@@ -2571,28 +2927,30 @@
       </p:grpSpPr>
       <p:grpSp>
         <p:nvGrpSpPr>
-          <p:cNvPr id="3" name="Group 13"/>
-          <p:cNvGrpSpPr/>
+          <p:cNvPr id="6" name="Group 13"/>
+          <p:cNvGrpSpPr>
+            <a:grpSpLocks/>
+          </p:cNvGrpSpPr>
           <p:nvPr/>
         </p:nvGrpSpPr>
-        <p:grpSpPr>
-          <a:xfrm rot="21214351">
-            <a:off x="313409" y="3520798"/>
-            <a:ext cx="4088024" cy="3026020"/>
+        <p:grpSpPr bwMode="auto">
+          <a:xfrm rot="-385649">
+            <a:off x="312738" y="3521075"/>
+            <a:ext cx="4089400" cy="3025775"/>
             <a:chOff x="1524000" y="381000"/>
             <a:chExt cx="3657600" cy="4737978"/>
           </a:xfrm>
         </p:grpSpPr>
         <p:sp>
           <p:nvSpPr>
-            <p:cNvPr id="15" name="Rectangle 14"/>
+            <p:cNvPr id="7" name="Rectangle 14"/>
             <p:cNvSpPr/>
             <p:nvPr userDrawn="1"/>
           </p:nvSpPr>
           <p:spPr>
             <a:xfrm>
-              <a:off x="1524000" y="381000"/>
-              <a:ext cx="3657600" cy="4724400"/>
+              <a:off x="1522986" y="380761"/>
+              <a:ext cx="3657600" cy="4725550"/>
             </a:xfrm>
             <a:prstGeom prst="rect">
               <a:avLst/>
@@ -2630,17 +2988,25 @@
             </a:fontRef>
           </p:style>
           <p:txBody>
-            <a:bodyPr rtlCol="0" anchor="ctr"/>
+            <a:bodyPr anchor="ctr"/>
             <a:lstStyle/>
             <a:p>
-              <a:pPr algn="ctr"/>
+              <a:pPr algn="ctr" fontAlgn="auto">
+                <a:spcBef>
+                  <a:spcPts val="0"/>
+                </a:spcBef>
+                <a:spcAft>
+                  <a:spcPts val="0"/>
+                </a:spcAft>
+                <a:defRPr/>
+              </a:pPr>
               <a:endParaRPr/>
             </a:p>
           </p:txBody>
         </p:sp>
         <p:sp>
           <p:nvSpPr>
-            <p:cNvPr id="16" name="Rectangle 15"/>
+            <p:cNvPr id="8" name="Rectangle 15"/>
             <p:cNvSpPr/>
             <p:nvPr userDrawn="1"/>
           </p:nvSpPr>
@@ -2705,77 +3071,49 @@
             </a:fontRef>
           </p:style>
           <p:txBody>
-            <a:bodyPr rtlCol="0" anchor="ctr"/>
+            <a:bodyPr anchor="ctr"/>
             <a:lstStyle/>
             <a:p>
-              <a:pPr algn="ctr"/>
+              <a:pPr algn="ctr" fontAlgn="auto">
+                <a:spcBef>
+                  <a:spcPts val="0"/>
+                </a:spcBef>
+                <a:spcAft>
+                  <a:spcPts val="0"/>
+                </a:spcAft>
+                <a:defRPr/>
+              </a:pPr>
               <a:endParaRPr/>
             </a:p>
           </p:txBody>
         </p:sp>
       </p:grpSp>
-      <p:sp>
-        <p:nvSpPr>
-          <p:cNvPr id="17" name="Picture Placeholder 9"/>
-          <p:cNvSpPr>
-            <a:spLocks noGrp="1"/>
-          </p:cNvSpPr>
-          <p:nvPr>
-            <p:ph type="pic" sz="quarter" idx="16"/>
-          </p:nvPr>
-        </p:nvSpPr>
-        <p:spPr>
-          <a:xfrm rot="21214351">
-            <a:off x="491057" y="3682579"/>
-            <a:ext cx="3704109" cy="2697083"/>
-          </a:xfrm>
-          <a:solidFill>
-            <a:schemeClr val="bg1">
-              <a:lumMod val="85000"/>
-            </a:schemeClr>
-          </a:solidFill>
-        </p:spPr>
-        <p:txBody>
-          <a:bodyPr/>
-          <a:lstStyle>
-            <a:lvl1pPr>
-              <a:buNone/>
-              <a:defRPr/>
-            </a:lvl1pPr>
-          </a:lstStyle>
-          <a:p>
-            <a:r>
-              <a:rPr lang="en-US" smtClean="0"/>
-              <a:t>Drag picture to placeholder or click icon to add</a:t>
-            </a:r>
-            <a:endParaRPr/>
-          </a:p>
-        </p:txBody>
-      </p:sp>
       <p:grpSp>
         <p:nvGrpSpPr>
-          <p:cNvPr id="8" name="Group 9"/>
-          <p:cNvGrpSpPr/>
+          <p:cNvPr id="9" name="Group 9"/>
+          <p:cNvGrpSpPr>
+            <a:grpSpLocks/>
+          </p:cNvGrpSpPr>
           <p:nvPr/>
         </p:nvGrpSpPr>
-        <p:grpSpPr>
+        <p:grpSpPr bwMode="auto">
           <a:xfrm rot="232774">
-            <a:off x="169481" y="241256"/>
-            <a:ext cx="4088024" cy="3026020"/>
+            <a:off x="169863" y="241300"/>
+            <a:ext cx="4087812" cy="3025775"/>
             <a:chOff x="1524000" y="381000"/>
             <a:chExt cx="3657600" cy="4737978"/>
           </a:xfrm>
         </p:grpSpPr>
         <p:sp>
           <p:nvSpPr>
-            <p:cNvPr id="11" name="Rectangle 10"/>
+            <p:cNvPr id="10" name="Rectangle 10"/>
             <p:cNvSpPr/>
             <p:nvPr userDrawn="1"/>
           </p:nvSpPr>
           <p:spPr>
             <a:xfrm>
-              <a:off x="1524000" y="381000"/>
-              <a:ext cx="3657600" cy="4724400"/>
+              <a:off x="1523760" y="381014"/>
+              <a:ext cx="3657600" cy="4725550"/>
             </a:xfrm>
             <a:prstGeom prst="rect">
               <a:avLst/>
@@ -2813,17 +3151,25 @@
             </a:fontRef>
           </p:style>
           <p:txBody>
-            <a:bodyPr rtlCol="0" anchor="ctr"/>
+            <a:bodyPr anchor="ctr"/>
             <a:lstStyle/>
             <a:p>
-              <a:pPr algn="ctr"/>
+              <a:pPr algn="ctr" fontAlgn="auto">
+                <a:spcBef>
+                  <a:spcPts val="0"/>
+                </a:spcBef>
+                <a:spcAft>
+                  <a:spcPts val="0"/>
+                </a:spcAft>
+                <a:defRPr/>
+              </a:pPr>
               <a:endParaRPr/>
             </a:p>
           </p:txBody>
         </p:sp>
         <p:sp>
           <p:nvSpPr>
-            <p:cNvPr id="12" name="Rectangle 11"/>
+            <p:cNvPr id="11" name="Rectangle 11"/>
             <p:cNvSpPr/>
             <p:nvPr userDrawn="1"/>
           </p:nvSpPr>
@@ -2888,15 +3234,64 @@
             </a:fontRef>
           </p:style>
           <p:txBody>
-            <a:bodyPr rtlCol="0" anchor="ctr"/>
+            <a:bodyPr anchor="ctr"/>
             <a:lstStyle/>
             <a:p>
-              <a:pPr algn="ctr"/>
+              <a:pPr algn="ctr" fontAlgn="auto">
+                <a:spcBef>
+                  <a:spcPts val="0"/>
+                </a:spcBef>
+                <a:spcAft>
+                  <a:spcPts val="0"/>
+                </a:spcAft>
+                <a:defRPr/>
+              </a:pPr>
               <a:endParaRPr/>
             </a:p>
           </p:txBody>
         </p:sp>
       </p:grpSp>
+      <p:sp>
+        <p:nvSpPr>
+          <p:cNvPr id="17" name="Picture Placeholder 9"/>
+          <p:cNvSpPr>
+            <a:spLocks noGrp="1"/>
+          </p:cNvSpPr>
+          <p:nvPr>
+            <p:ph type="pic" sz="quarter" idx="16"/>
+          </p:nvPr>
+        </p:nvSpPr>
+        <p:spPr>
+          <a:xfrm rot="21214351">
+            <a:off x="491057" y="3682579"/>
+            <a:ext cx="3704109" cy="2697083"/>
+          </a:xfrm>
+          <a:solidFill>
+            <a:schemeClr val="bg1">
+              <a:lumMod val="85000"/>
+            </a:schemeClr>
+          </a:solidFill>
+        </p:spPr>
+        <p:txBody>
+          <a:bodyPr rtlCol="0">
+            <a:normAutofit/>
+          </a:bodyPr>
+          <a:lstStyle>
+            <a:lvl1pPr>
+              <a:buNone/>
+              <a:defRPr/>
+            </a:lvl1pPr>
+          </a:lstStyle>
+          <a:p>
+            <a:pPr lvl="0"/>
+            <a:r>
+              <a:rPr lang="en-US" noProof="0" smtClean="0"/>
+              <a:t>Drag picture to placeholder or click icon to add</a:t>
+            </a:r>
+            <a:endParaRPr noProof="0"/>
+          </a:p>
+        </p:txBody>
+      </p:sp>
       <p:sp>
         <p:nvSpPr>
           <p:cNvPr id="13" name="Picture Placeholder 9"/>
@@ -2919,7 +3314,9 @@
           </a:solidFill>
         </p:spPr>
         <p:txBody>
-          <a:bodyPr/>
+          <a:bodyPr rtlCol="0">
+            <a:normAutofit/>
+          </a:bodyPr>
           <a:lstStyle>
             <a:lvl1pPr>
               <a:buNone/>
@@ -2927,11 +3324,12 @@
             </a:lvl1pPr>
           </a:lstStyle>
           <a:p>
-            <a:r>
-              <a:rPr lang="en-US" smtClean="0"/>
+            <a:pPr lvl="0"/>
+            <a:r>
+              <a:rPr lang="en-US" noProof="0" smtClean="0"/>
               <a:t>Drag picture to placeholder or click icon to add</a:t>
             </a:r>
-            <a:endParaRPr/>
+            <a:endParaRPr noProof="0"/>
           </a:p>
         </p:txBody>
       </p:sp>
@@ -3040,22 +3438,32 @@
       </p:sp>
       <p:sp>
         <p:nvSpPr>
-          <p:cNvPr id="5" name="Date Placeholder 4"/>
-          <p:cNvSpPr>
-            <a:spLocks noGrp="1"/>
-          </p:cNvSpPr>
-          <p:nvPr>
-            <p:ph type="dt" sz="half" idx="10"/>
+          <p:cNvPr id="12" name="Date Placeholder 4"/>
+          <p:cNvSpPr>
+            <a:spLocks noGrp="1"/>
+          </p:cNvSpPr>
+          <p:nvPr>
+            <p:ph type="dt" sz="half" idx="17"/>
           </p:nvPr>
         </p:nvSpPr>
         <p:spPr/>
         <p:txBody>
           <a:bodyPr/>
-          <a:lstStyle/>
-          <a:p>
-            <a:fld id="{2DF66AD8-BC4A-4004-9882-414398D930CA}" type="datetimeFigureOut">
-              <a:rPr lang="en-US" smtClean="0"/>
-              <a:t>6/8/13</a:t>
+          <a:lstStyle>
+            <a:lvl1pPr>
+              <a:defRPr/>
+            </a:lvl1pPr>
+          </a:lstStyle>
+          <a:p>
+            <a:pPr>
+              <a:defRPr/>
+            </a:pPr>
+            <a:fld id="{1141EB68-281C-4EB3-B562-F4FFDA7A450D}" type="datetimeFigureOut">
+              <a:rPr lang="en-US"/>
+              <a:pPr>
+                <a:defRPr/>
+              </a:pPr>
+              <a:t>09-Jun-13</a:t>
             </a:fld>
             <a:endParaRPr lang="en-US"/>
           </a:p>
@@ -3063,40 +3471,57 @@
       </p:sp>
       <p:sp>
         <p:nvSpPr>
-          <p:cNvPr id="6" name="Footer Placeholder 5"/>
-          <p:cNvSpPr>
-            <a:spLocks noGrp="1"/>
-          </p:cNvSpPr>
-          <p:nvPr>
-            <p:ph type="ftr" sz="quarter" idx="11"/>
+          <p:cNvPr id="14" name="Footer Placeholder 5"/>
+          <p:cNvSpPr>
+            <a:spLocks noGrp="1"/>
+          </p:cNvSpPr>
+          <p:nvPr>
+            <p:ph type="ftr" sz="quarter" idx="18"/>
           </p:nvPr>
         </p:nvSpPr>
         <p:spPr/>
         <p:txBody>
           <a:bodyPr/>
-          <a:lstStyle/>
-          <a:p>
+          <a:lstStyle>
+            <a:lvl1pPr>
+              <a:defRPr/>
+            </a:lvl1pPr>
+          </a:lstStyle>
+          <a:p>
+            <a:pPr>
+              <a:defRPr/>
+            </a:pPr>
             <a:endParaRPr lang="en-US"/>
           </a:p>
         </p:txBody>
       </p:sp>
       <p:sp>
         <p:nvSpPr>
-          <p:cNvPr id="7" name="Slide Number Placeholder 6"/>
-          <p:cNvSpPr>
-            <a:spLocks noGrp="1"/>
-          </p:cNvSpPr>
-          <p:nvPr>
-            <p:ph type="sldNum" sz="quarter" idx="12"/>
+          <p:cNvPr id="15" name="Slide Number Placeholder 6"/>
+          <p:cNvSpPr>
+            <a:spLocks noGrp="1"/>
+          </p:cNvSpPr>
+          <p:nvPr>
+            <p:ph type="sldNum" sz="quarter" idx="19"/>
           </p:nvPr>
         </p:nvSpPr>
         <p:spPr/>
         <p:txBody>
           <a:bodyPr/>
-          <a:lstStyle/>
-          <a:p>
-            <a:fld id="{B9D2C864-9362-43C7-A136-D9C41D93A96D}" type="slidenum">
-              <a:rPr lang="en-US" smtClean="0"/>
+          <a:lstStyle>
+            <a:lvl1pPr>
+              <a:defRPr/>
+            </a:lvl1pPr>
+          </a:lstStyle>
+          <a:p>
+            <a:pPr>
+              <a:defRPr/>
+            </a:pPr>
+            <a:fld id="{BE436B1B-7D97-4460-AD2C-33005816F1A7}" type="slidenum">
+              <a:rPr lang="en-US"/>
+              <a:pPr>
+                <a:defRPr/>
+              </a:pPr>
               <a:t>‹#›</a:t>
             </a:fld>
             <a:endParaRPr lang="en-US"/>
@@ -3128,65 +3553,32 @@
           <a:chExt cx="0" cy="0"/>
         </a:xfrm>
       </p:grpSpPr>
-      <p:sp>
-        <p:nvSpPr>
-          <p:cNvPr id="2" name="Title 1"/>
-          <p:cNvSpPr>
-            <a:spLocks noGrp="1"/>
-          </p:cNvSpPr>
-          <p:nvPr>
-            <p:ph type="title"/>
-          </p:nvPr>
-        </p:nvSpPr>
-        <p:spPr>
-          <a:xfrm>
-            <a:off x="914400" y="3762374"/>
-            <a:ext cx="7315200" cy="1162050"/>
-          </a:xfrm>
-        </p:spPr>
-        <p:txBody>
-          <a:bodyPr tIns="0" bIns="0" anchor="b"/>
-          <a:lstStyle>
-            <a:lvl1pPr algn="l">
-              <a:lnSpc>
-                <a:spcPts val="4600"/>
-              </a:lnSpc>
-              <a:defRPr sz="3600" b="1"/>
-            </a:lvl1pPr>
-          </a:lstStyle>
-          <a:p>
-            <a:r>
-              <a:rPr lang="en-US" smtClean="0"/>
-              <a:t>Click to edit Master title style</a:t>
-            </a:r>
-            <a:endParaRPr/>
-          </a:p>
-        </p:txBody>
-      </p:sp>
       <p:grpSp>
         <p:nvGrpSpPr>
-          <p:cNvPr id="3" name="Group 8"/>
-          <p:cNvGrpSpPr/>
+          <p:cNvPr id="5" name="Group 8"/>
+          <p:cNvGrpSpPr>
+            <a:grpSpLocks/>
+          </p:cNvGrpSpPr>
           <p:nvPr/>
         </p:nvGrpSpPr>
-        <p:grpSpPr>
+        <p:grpSpPr bwMode="auto">
           <a:xfrm rot="232774">
-            <a:off x="2059282" y="379100"/>
-            <a:ext cx="5031327" cy="3443312"/>
+            <a:off x="2058988" y="379413"/>
+            <a:ext cx="5032375" cy="3443287"/>
             <a:chOff x="1524000" y="381000"/>
             <a:chExt cx="3657600" cy="4737978"/>
           </a:xfrm>
         </p:grpSpPr>
         <p:sp>
           <p:nvSpPr>
-            <p:cNvPr id="10" name="Rectangle 9"/>
+            <p:cNvPr id="6" name="Rectangle 9"/>
             <p:cNvSpPr/>
             <p:nvPr userDrawn="1"/>
           </p:nvSpPr>
           <p:spPr>
             <a:xfrm>
-              <a:off x="1524000" y="381000"/>
-              <a:ext cx="3657600" cy="4724400"/>
+              <a:off x="1523766" y="381015"/>
+              <a:ext cx="3657600" cy="4724872"/>
             </a:xfrm>
             <a:prstGeom prst="rect">
               <a:avLst/>
@@ -3224,17 +3616,25 @@
             </a:fontRef>
           </p:style>
           <p:txBody>
-            <a:bodyPr rtlCol="0" anchor="ctr"/>
+            <a:bodyPr anchor="ctr"/>
             <a:lstStyle/>
             <a:p>
-              <a:pPr algn="ctr"/>
+              <a:pPr algn="ctr" fontAlgn="auto">
+                <a:spcBef>
+                  <a:spcPts val="0"/>
+                </a:spcBef>
+                <a:spcAft>
+                  <a:spcPts val="0"/>
+                </a:spcAft>
+                <a:defRPr/>
+              </a:pPr>
               <a:endParaRPr/>
             </a:p>
           </p:txBody>
         </p:sp>
         <p:sp>
           <p:nvSpPr>
-            <p:cNvPr id="11" name="Rectangle 10"/>
+            <p:cNvPr id="7" name="Rectangle 10"/>
             <p:cNvSpPr/>
             <p:nvPr userDrawn="1"/>
           </p:nvSpPr>
@@ -3299,15 +3699,58 @@
             </a:fontRef>
           </p:style>
           <p:txBody>
-            <a:bodyPr rtlCol="0" anchor="ctr"/>
+            <a:bodyPr anchor="ctr"/>
             <a:lstStyle/>
             <a:p>
-              <a:pPr algn="ctr"/>
+              <a:pPr algn="ctr" fontAlgn="auto">
+                <a:spcBef>
+                  <a:spcPts val="0"/>
+                </a:spcBef>
+                <a:spcAft>
+                  <a:spcPts val="0"/>
+                </a:spcAft>
+                <a:defRPr/>
+              </a:pPr>
               <a:endParaRPr/>
             </a:p>
           </p:txBody>
         </p:sp>
       </p:grpSp>
+      <p:sp>
+        <p:nvSpPr>
+          <p:cNvPr id="2" name="Title 1"/>
+          <p:cNvSpPr>
+            <a:spLocks noGrp="1"/>
+          </p:cNvSpPr>
+          <p:nvPr>
+            <p:ph type="title"/>
+          </p:nvPr>
+        </p:nvSpPr>
+        <p:spPr>
+          <a:xfrm>
+            <a:off x="914400" y="3762374"/>
+            <a:ext cx="7315200" cy="1162050"/>
+          </a:xfrm>
+        </p:spPr>
+        <p:txBody>
+          <a:bodyPr tIns="0" bIns="0" anchor="b"/>
+          <a:lstStyle>
+            <a:lvl1pPr algn="l">
+              <a:lnSpc>
+                <a:spcPts val="4600"/>
+              </a:lnSpc>
+              <a:defRPr sz="3600" b="1"/>
+            </a:lvl1pPr>
+          </a:lstStyle>
+          <a:p>
+            <a:r>
+              <a:rPr lang="en-US" smtClean="0"/>
+              <a:t>Click to edit Master title style</a:t>
+            </a:r>
+            <a:endParaRPr/>
+          </a:p>
+        </p:txBody>
+      </p:sp>
       <p:sp>
         <p:nvSpPr>
           <p:cNvPr id="4" name="Text Placeholder 3"/>
@@ -3373,71 +3816,6 @@
               <a:rPr lang="en-US" smtClean="0"/>
               <a:t>Click to edit Master text styles</a:t>
             </a:r>
-          </a:p>
-        </p:txBody>
-      </p:sp>
-      <p:sp>
-        <p:nvSpPr>
-          <p:cNvPr id="5" name="Date Placeholder 4"/>
-          <p:cNvSpPr>
-            <a:spLocks noGrp="1"/>
-          </p:cNvSpPr>
-          <p:nvPr>
-            <p:ph type="dt" sz="half" idx="10"/>
-          </p:nvPr>
-        </p:nvSpPr>
-        <p:spPr/>
-        <p:txBody>
-          <a:bodyPr/>
-          <a:lstStyle/>
-          <a:p>
-            <a:fld id="{2DF66AD8-BC4A-4004-9882-414398D930CA}" type="datetimeFigureOut">
-              <a:rPr lang="en-US" smtClean="0"/>
-              <a:t>6/8/13</a:t>
-            </a:fld>
-            <a:endParaRPr lang="en-US"/>
-          </a:p>
-        </p:txBody>
-      </p:sp>
-      <p:sp>
-        <p:nvSpPr>
-          <p:cNvPr id="6" name="Footer Placeholder 5"/>
-          <p:cNvSpPr>
-            <a:spLocks noGrp="1"/>
-          </p:cNvSpPr>
-          <p:nvPr>
-            <p:ph type="ftr" sz="quarter" idx="11"/>
-          </p:nvPr>
-        </p:nvSpPr>
-        <p:spPr/>
-        <p:txBody>
-          <a:bodyPr/>
-          <a:lstStyle/>
-          <a:p>
-            <a:endParaRPr lang="en-US"/>
-          </a:p>
-        </p:txBody>
-      </p:sp>
-      <p:sp>
-        <p:nvSpPr>
-          <p:cNvPr id="7" name="Slide Number Placeholder 6"/>
-          <p:cNvSpPr>
-            <a:spLocks noGrp="1"/>
-          </p:cNvSpPr>
-          <p:nvPr>
-            <p:ph type="sldNum" sz="quarter" idx="12"/>
-          </p:nvPr>
-        </p:nvSpPr>
-        <p:spPr/>
-        <p:txBody>
-          <a:bodyPr/>
-          <a:lstStyle/>
-          <a:p>
-            <a:fld id="{B9D2C864-9362-43C7-A136-D9C41D93A96D}" type="slidenum">
-              <a:rPr lang="en-US" smtClean="0"/>
-              <a:t>‹#›</a:t>
-            </a:fld>
-            <a:endParaRPr lang="en-US"/>
           </a:p>
         </p:txBody>
       </p:sp>
@@ -3463,19 +3841,114 @@
           </a:solidFill>
         </p:spPr>
         <p:txBody>
+          <a:bodyPr rtlCol="0">
+            <a:normAutofit/>
+          </a:bodyPr>
+          <a:lstStyle>
+            <a:lvl1pPr>
+              <a:buNone/>
+              <a:defRPr/>
+            </a:lvl1pPr>
+          </a:lstStyle>
+          <a:p>
+            <a:pPr lvl="0"/>
+            <a:r>
+              <a:rPr lang="en-US" noProof="0" smtClean="0"/>
+              <a:t>Drag picture to placeholder or click icon to add</a:t>
+            </a:r>
+            <a:endParaRPr noProof="0"/>
+          </a:p>
+        </p:txBody>
+      </p:sp>
+      <p:sp>
+        <p:nvSpPr>
+          <p:cNvPr id="8" name="Date Placeholder 4"/>
+          <p:cNvSpPr>
+            <a:spLocks noGrp="1"/>
+          </p:cNvSpPr>
+          <p:nvPr>
+            <p:ph type="dt" sz="half" idx="16"/>
+          </p:nvPr>
+        </p:nvSpPr>
+        <p:spPr/>
+        <p:txBody>
           <a:bodyPr/>
           <a:lstStyle>
             <a:lvl1pPr>
-              <a:buNone/>
-              <a:defRPr/>
-            </a:lvl1pPr>
-          </a:lstStyle>
-          <a:p>
-            <a:r>
-              <a:rPr lang="en-US" smtClean="0"/>
-              <a:t>Drag picture to placeholder or click icon to add</a:t>
-            </a:r>
-            <a:endParaRPr/>
+              <a:defRPr/>
+            </a:lvl1pPr>
+          </a:lstStyle>
+          <a:p>
+            <a:pPr>
+              <a:defRPr/>
+            </a:pPr>
+            <a:fld id="{8176C195-9BED-4E4A-88EB-8D51B271A875}" type="datetimeFigureOut">
+              <a:rPr lang="en-US"/>
+              <a:pPr>
+                <a:defRPr/>
+              </a:pPr>
+              <a:t>09-Jun-13</a:t>
+            </a:fld>
+            <a:endParaRPr lang="en-US"/>
+          </a:p>
+        </p:txBody>
+      </p:sp>
+      <p:sp>
+        <p:nvSpPr>
+          <p:cNvPr id="9" name="Footer Placeholder 5"/>
+          <p:cNvSpPr>
+            <a:spLocks noGrp="1"/>
+          </p:cNvSpPr>
+          <p:nvPr>
+            <p:ph type="ftr" sz="quarter" idx="17"/>
+          </p:nvPr>
+        </p:nvSpPr>
+        <p:spPr/>
+        <p:txBody>
+          <a:bodyPr/>
+          <a:lstStyle>
+            <a:lvl1pPr>
+              <a:defRPr/>
+            </a:lvl1pPr>
+          </a:lstStyle>
+          <a:p>
+            <a:pPr>
+              <a:defRPr/>
+            </a:pPr>
+            <a:endParaRPr lang="en-US"/>
+          </a:p>
+        </p:txBody>
+      </p:sp>
+      <p:sp>
+        <p:nvSpPr>
+          <p:cNvPr id="10" name="Slide Number Placeholder 6"/>
+          <p:cNvSpPr>
+            <a:spLocks noGrp="1"/>
+          </p:cNvSpPr>
+          <p:nvPr>
+            <p:ph type="sldNum" sz="quarter" idx="18"/>
+          </p:nvPr>
+        </p:nvSpPr>
+        <p:spPr/>
+        <p:txBody>
+          <a:bodyPr/>
+          <a:lstStyle>
+            <a:lvl1pPr>
+              <a:defRPr/>
+            </a:lvl1pPr>
+          </a:lstStyle>
+          <a:p>
+            <a:pPr>
+              <a:defRPr/>
+            </a:pPr>
+            <a:fld id="{25B53D9E-B36B-4EE6-ADDC-BA194F05BE6D}" type="slidenum">
+              <a:rPr lang="en-US"/>
+              <a:pPr>
+                <a:defRPr/>
+              </a:pPr>
+              <a:t>‹#›</a:t>
+            </a:fld>
+            <a:endParaRPr lang="en-US"/>
           </a:p>
         </p:txBody>
       </p:sp>
@@ -3504,65 +3977,32 @@
           <a:chExt cx="0" cy="0"/>
         </a:xfrm>
       </p:grpSpPr>
-      <p:sp>
-        <p:nvSpPr>
-          <p:cNvPr id="2" name="Title 1"/>
-          <p:cNvSpPr>
-            <a:spLocks noGrp="1"/>
-          </p:cNvSpPr>
-          <p:nvPr>
-            <p:ph type="title"/>
-          </p:nvPr>
-        </p:nvSpPr>
-        <p:spPr>
-          <a:xfrm>
-            <a:off x="914400" y="3762374"/>
-            <a:ext cx="7315200" cy="1162050"/>
-          </a:xfrm>
-        </p:spPr>
-        <p:txBody>
-          <a:bodyPr tIns="0" bIns="0" anchor="b"/>
-          <a:lstStyle>
-            <a:lvl1pPr algn="l">
-              <a:lnSpc>
-                <a:spcPts val="4600"/>
-              </a:lnSpc>
-              <a:defRPr sz="3600" b="1"/>
-            </a:lvl1pPr>
-          </a:lstStyle>
-          <a:p>
-            <a:r>
-              <a:rPr lang="en-US" smtClean="0"/>
-              <a:t>Click to edit Master title style</a:t>
-            </a:r>
-            <a:endParaRPr/>
-          </a:p>
-        </p:txBody>
-      </p:sp>
       <p:grpSp>
         <p:nvGrpSpPr>
-          <p:cNvPr id="3" name="Group 13"/>
-          <p:cNvGrpSpPr/>
+          <p:cNvPr id="6" name="Group 13"/>
+          <p:cNvGrpSpPr>
+            <a:grpSpLocks/>
+          </p:cNvGrpSpPr>
           <p:nvPr/>
         </p:nvGrpSpPr>
-        <p:grpSpPr>
-          <a:xfrm rot="21420000">
-            <a:off x="113687" y="116368"/>
-            <a:ext cx="3969060" cy="3705360"/>
+        <p:grpSpPr bwMode="auto">
+          <a:xfrm rot="-180000">
+            <a:off x="114300" y="115888"/>
+            <a:ext cx="3968750" cy="3705225"/>
             <a:chOff x="1524000" y="381000"/>
             <a:chExt cx="3657600" cy="4737978"/>
           </a:xfrm>
         </p:grpSpPr>
         <p:sp>
           <p:nvSpPr>
-            <p:cNvPr id="15" name="Rectangle 14"/>
+            <p:cNvPr id="7" name="Rectangle 14"/>
             <p:cNvSpPr/>
             <p:nvPr userDrawn="1"/>
           </p:nvSpPr>
           <p:spPr>
             <a:xfrm>
-              <a:off x="1524000" y="381000"/>
-              <a:ext cx="3657600" cy="4724400"/>
+              <a:off x="1522807" y="380904"/>
+              <a:ext cx="3657600" cy="4723767"/>
             </a:xfrm>
             <a:prstGeom prst="rect">
               <a:avLst/>
@@ -3600,17 +4040,25 @@
             </a:fontRef>
           </p:style>
           <p:txBody>
-            <a:bodyPr rtlCol="0" anchor="ctr"/>
+            <a:bodyPr anchor="ctr"/>
             <a:lstStyle/>
             <a:p>
-              <a:pPr algn="ctr"/>
+              <a:pPr algn="ctr" fontAlgn="auto">
+                <a:spcBef>
+                  <a:spcPts val="0"/>
+                </a:spcBef>
+                <a:spcAft>
+                  <a:spcPts val="0"/>
+                </a:spcAft>
+                <a:defRPr/>
+              </a:pPr>
               <a:endParaRPr/>
             </a:p>
           </p:txBody>
         </p:sp>
         <p:sp>
           <p:nvSpPr>
-            <p:cNvPr id="16" name="Rectangle 15"/>
+            <p:cNvPr id="8" name="Rectangle 15"/>
             <p:cNvSpPr/>
             <p:nvPr userDrawn="1"/>
           </p:nvSpPr>
@@ -3675,77 +4123,49 @@
             </a:fontRef>
           </p:style>
           <p:txBody>
-            <a:bodyPr rtlCol="0" anchor="ctr"/>
+            <a:bodyPr anchor="ctr"/>
             <a:lstStyle/>
             <a:p>
-              <a:pPr algn="ctr"/>
+              <a:pPr algn="ctr" fontAlgn="auto">
+                <a:spcBef>
+                  <a:spcPts val="0"/>
+                </a:spcBef>
+                <a:spcAft>
+                  <a:spcPts val="0"/>
+                </a:spcAft>
+                <a:defRPr/>
+              </a:pPr>
               <a:endParaRPr/>
             </a:p>
           </p:txBody>
         </p:sp>
       </p:grpSp>
-      <p:sp>
-        <p:nvSpPr>
-          <p:cNvPr id="17" name="Picture Placeholder 9"/>
-          <p:cNvSpPr>
-            <a:spLocks noGrp="1"/>
-          </p:cNvSpPr>
-          <p:nvPr>
-            <p:ph type="pic" sz="quarter" idx="17"/>
-          </p:nvPr>
-        </p:nvSpPr>
-        <p:spPr>
-          <a:xfrm rot="21420000">
-            <a:off x="299151" y="304998"/>
-            <a:ext cx="3598455" cy="3334235"/>
-          </a:xfrm>
-          <a:solidFill>
-            <a:schemeClr val="bg1">
-              <a:lumMod val="85000"/>
-            </a:schemeClr>
-          </a:solidFill>
-        </p:spPr>
-        <p:txBody>
-          <a:bodyPr/>
-          <a:lstStyle>
-            <a:lvl1pPr>
-              <a:buNone/>
-              <a:defRPr/>
-            </a:lvl1pPr>
-          </a:lstStyle>
-          <a:p>
-            <a:r>
-              <a:rPr lang="en-US" smtClean="0"/>
-              <a:t>Drag picture to placeholder or click icon to add</a:t>
-            </a:r>
-            <a:endParaRPr/>
-          </a:p>
-        </p:txBody>
-      </p:sp>
       <p:grpSp>
         <p:nvGrpSpPr>
-          <p:cNvPr id="8" name="Group 9"/>
-          <p:cNvGrpSpPr/>
+          <p:cNvPr id="9" name="Group 9"/>
+          <p:cNvGrpSpPr>
+            <a:grpSpLocks/>
+          </p:cNvGrpSpPr>
           <p:nvPr/>
         </p:nvGrpSpPr>
-        <p:grpSpPr>
+        <p:grpSpPr bwMode="auto">
           <a:xfrm rot="360000">
-            <a:off x="4165479" y="323141"/>
-            <a:ext cx="4792693" cy="3443312"/>
+            <a:off x="4165600" y="323850"/>
+            <a:ext cx="4792663" cy="3443288"/>
             <a:chOff x="1524000" y="381000"/>
             <a:chExt cx="3657600" cy="4737978"/>
           </a:xfrm>
         </p:grpSpPr>
         <p:sp>
           <p:nvSpPr>
-            <p:cNvPr id="11" name="Rectangle 10"/>
+            <p:cNvPr id="10" name="Rectangle 10"/>
             <p:cNvSpPr/>
             <p:nvPr userDrawn="1"/>
           </p:nvSpPr>
           <p:spPr>
             <a:xfrm>
-              <a:off x="1524000" y="381000"/>
-              <a:ext cx="3657600" cy="4724400"/>
+              <a:off x="1523620" y="381036"/>
+              <a:ext cx="3657600" cy="4724872"/>
             </a:xfrm>
             <a:prstGeom prst="rect">
               <a:avLst/>
@@ -3783,17 +4203,25 @@
             </a:fontRef>
           </p:style>
           <p:txBody>
-            <a:bodyPr rtlCol="0" anchor="ctr"/>
+            <a:bodyPr anchor="ctr"/>
             <a:lstStyle/>
             <a:p>
-              <a:pPr algn="ctr"/>
+              <a:pPr algn="ctr" fontAlgn="auto">
+                <a:spcBef>
+                  <a:spcPts val="0"/>
+                </a:spcBef>
+                <a:spcAft>
+                  <a:spcPts val="0"/>
+                </a:spcAft>
+                <a:defRPr/>
+              </a:pPr>
               <a:endParaRPr/>
             </a:p>
           </p:txBody>
         </p:sp>
         <p:sp>
           <p:nvSpPr>
-            <p:cNvPr id="12" name="Rectangle 11"/>
+            <p:cNvPr id="11" name="Rectangle 11"/>
             <p:cNvSpPr/>
             <p:nvPr userDrawn="1"/>
           </p:nvSpPr>
@@ -3858,15 +4286,99 @@
             </a:fontRef>
           </p:style>
           <p:txBody>
-            <a:bodyPr rtlCol="0" anchor="ctr"/>
+            <a:bodyPr anchor="ctr"/>
             <a:lstStyle/>
             <a:p>
-              <a:pPr algn="ctr"/>
+              <a:pPr algn="ctr" fontAlgn="auto">
+                <a:spcBef>
+                  <a:spcPts val="0"/>
+                </a:spcBef>
+                <a:spcAft>
+                  <a:spcPts val="0"/>
+                </a:spcAft>
+                <a:defRPr/>
+              </a:pPr>
               <a:endParaRPr/>
             </a:p>
           </p:txBody>
         </p:sp>
       </p:grpSp>
+      <p:sp>
+        <p:nvSpPr>
+          <p:cNvPr id="2" name="Title 1"/>
+          <p:cNvSpPr>
+            <a:spLocks noGrp="1"/>
+          </p:cNvSpPr>
+          <p:nvPr>
+            <p:ph type="title"/>
+          </p:nvPr>
+        </p:nvSpPr>
+        <p:spPr>
+          <a:xfrm>
+            <a:off x="914400" y="3762374"/>
+            <a:ext cx="7315200" cy="1162050"/>
+          </a:xfrm>
+        </p:spPr>
+        <p:txBody>
+          <a:bodyPr tIns="0" bIns="0" anchor="b"/>
+          <a:lstStyle>
+            <a:lvl1pPr algn="l">
+              <a:lnSpc>
+                <a:spcPts val="4600"/>
+              </a:lnSpc>
+              <a:defRPr sz="3600" b="1"/>
+            </a:lvl1pPr>
+          </a:lstStyle>
+          <a:p>
+            <a:r>
+              <a:rPr lang="en-US" smtClean="0"/>
+              <a:t>Click to edit Master title style</a:t>
+            </a:r>
+            <a:endParaRPr/>
+          </a:p>
+        </p:txBody>
+      </p:sp>
+      <p:sp>
+        <p:nvSpPr>
+          <p:cNvPr id="17" name="Picture Placeholder 9"/>
+          <p:cNvSpPr>
+            <a:spLocks noGrp="1"/>
+          </p:cNvSpPr>
+          <p:nvPr>
+            <p:ph type="pic" sz="quarter" idx="17"/>
+          </p:nvPr>
+        </p:nvSpPr>
+        <p:spPr>
+          <a:xfrm rot="21420000">
+            <a:off x="299151" y="304998"/>
+            <a:ext cx="3598455" cy="3334235"/>
+          </a:xfrm>
+          <a:solidFill>
+            <a:schemeClr val="bg1">
+              <a:lumMod val="85000"/>
+            </a:schemeClr>
+          </a:solidFill>
+        </p:spPr>
+        <p:txBody>
+          <a:bodyPr rtlCol="0">
+            <a:normAutofit/>
+          </a:bodyPr>
+          <a:lstStyle>
+            <a:lvl1pPr>
+              <a:buNone/>
+              <a:defRPr/>
+            </a:lvl1pPr>
+          </a:lstStyle>
+          <a:p>
+            <a:pPr lvl="0"/>
+            <a:r>
+              <a:rPr lang="en-US" noProof="0" smtClean="0"/>
+              <a:t>Drag picture to placeholder or click icon to add</a:t>
+            </a:r>
+            <a:endParaRPr noProof="0"/>
+          </a:p>
+        </p:txBody>
+      </p:sp>
       <p:sp>
         <p:nvSpPr>
           <p:cNvPr id="13" name="Picture Placeholder 9"/>
@@ -3889,7 +4401,9 @@
           </a:solidFill>
         </p:spPr>
         <p:txBody>
-          <a:bodyPr/>
+          <a:bodyPr rtlCol="0">
+            <a:normAutofit/>
+          </a:bodyPr>
           <a:lstStyle>
             <a:lvl1pPr>
               <a:buNone/>
@@ -3897,11 +4411,12 @@
             </a:lvl1pPr>
           </a:lstStyle>
           <a:p>
-            <a:r>
-              <a:rPr lang="en-US" smtClean="0"/>
+            <a:pPr lvl="0"/>
+            <a:r>
+              <a:rPr lang="en-US" noProof="0" smtClean="0"/>
               <a:t>Drag picture to placeholder or click icon to add</a:t>
             </a:r>
-            <a:endParaRPr/>
+            <a:endParaRPr noProof="0"/>
           </a:p>
         </p:txBody>
       </p:sp>
@@ -3975,22 +4490,32 @@
       </p:sp>
       <p:sp>
         <p:nvSpPr>
-          <p:cNvPr id="5" name="Date Placeholder 4"/>
-          <p:cNvSpPr>
-            <a:spLocks noGrp="1"/>
-          </p:cNvSpPr>
-          <p:nvPr>
-            <p:ph type="dt" sz="half" idx="10"/>
+          <p:cNvPr id="12" name="Date Placeholder 4"/>
+          <p:cNvSpPr>
+            <a:spLocks noGrp="1"/>
+          </p:cNvSpPr>
+          <p:nvPr>
+            <p:ph type="dt" sz="half" idx="18"/>
           </p:nvPr>
         </p:nvSpPr>
         <p:spPr/>
         <p:txBody>
           <a:bodyPr/>
-          <a:lstStyle/>
-          <a:p>
-            <a:fld id="{2DF66AD8-BC4A-4004-9882-414398D930CA}" type="datetimeFigureOut">
-              <a:rPr lang="en-US" smtClean="0"/>
-              <a:t>6/8/13</a:t>
+          <a:lstStyle>
+            <a:lvl1pPr>
+              <a:defRPr/>
+            </a:lvl1pPr>
+          </a:lstStyle>
+          <a:p>
+            <a:pPr>
+              <a:defRPr/>
+            </a:pPr>
+            <a:fld id="{23DE1F9D-33F2-4212-9FA7-9E2073B99FB2}" type="datetimeFigureOut">
+              <a:rPr lang="en-US"/>
+              <a:pPr>
+                <a:defRPr/>
+              </a:pPr>
+              <a:t>09-Jun-13</a:t>
             </a:fld>
             <a:endParaRPr lang="en-US"/>
           </a:p>
@@ -3998,40 +4523,57 @@
       </p:sp>
       <p:sp>
         <p:nvSpPr>
-          <p:cNvPr id="6" name="Footer Placeholder 5"/>
-          <p:cNvSpPr>
-            <a:spLocks noGrp="1"/>
-          </p:cNvSpPr>
-          <p:nvPr>
-            <p:ph type="ftr" sz="quarter" idx="11"/>
+          <p:cNvPr id="14" name="Footer Placeholder 5"/>
+          <p:cNvSpPr>
+            <a:spLocks noGrp="1"/>
+          </p:cNvSpPr>
+          <p:nvPr>
+            <p:ph type="ftr" sz="quarter" idx="19"/>
           </p:nvPr>
         </p:nvSpPr>
         <p:spPr/>
         <p:txBody>
           <a:bodyPr/>
-          <a:lstStyle/>
-          <a:p>
+          <a:lstStyle>
+            <a:lvl1pPr>
+              <a:defRPr/>
+            </a:lvl1pPr>
+          </a:lstStyle>
+          <a:p>
+            <a:pPr>
+              <a:defRPr/>
+            </a:pPr>
             <a:endParaRPr lang="en-US"/>
           </a:p>
         </p:txBody>
       </p:sp>
       <p:sp>
         <p:nvSpPr>
-          <p:cNvPr id="7" name="Slide Number Placeholder 6"/>
-          <p:cNvSpPr>
-            <a:spLocks noGrp="1"/>
-          </p:cNvSpPr>
-          <p:nvPr>
-            <p:ph type="sldNum" sz="quarter" idx="12"/>
+          <p:cNvPr id="15" name="Slide Number Placeholder 6"/>
+          <p:cNvSpPr>
+            <a:spLocks noGrp="1"/>
+          </p:cNvSpPr>
+          <p:nvPr>
+            <p:ph type="sldNum" sz="quarter" idx="20"/>
           </p:nvPr>
         </p:nvSpPr>
         <p:spPr/>
         <p:txBody>
           <a:bodyPr/>
-          <a:lstStyle/>
-          <a:p>
-            <a:fld id="{B9D2C864-9362-43C7-A136-D9C41D93A96D}" type="slidenum">
-              <a:rPr lang="en-US" smtClean="0"/>
+          <a:lstStyle>
+            <a:lvl1pPr>
+              <a:defRPr/>
+            </a:lvl1pPr>
+          </a:lstStyle>
+          <a:p>
+            <a:pPr>
+              <a:defRPr/>
+            </a:pPr>
+            <a:fld id="{56AF4B11-E1B8-4F24-9A7F-60A6D4792868}" type="slidenum">
+              <a:rPr lang="en-US"/>
+              <a:pPr>
+                <a:defRPr/>
+              </a:pPr>
               <a:t>‹#›</a:t>
             </a:fld>
             <a:endParaRPr lang="en-US"/>
@@ -4051,10 +4593,8 @@
   <p:cSld name="Title and Vertical Text">
     <p:bg>
       <p:bgPr>
-        <a:blipFill dpi="0" rotWithShape="1">
-          <a:blip r:embed="rId2">
-            <a:lum/>
-          </a:blip>
+        <a:blipFill dpi="0" rotWithShape="0">
+          <a:blip r:embed="rId2"/>
           <a:srcRect/>
           <a:stretch>
             <a:fillRect/>
@@ -4169,11 +4709,21 @@
         <p:spPr/>
         <p:txBody>
           <a:bodyPr/>
-          <a:lstStyle/>
-          <a:p>
-            <a:fld id="{2DF66AD8-BC4A-4004-9882-414398D930CA}" type="datetimeFigureOut">
-              <a:rPr lang="en-US" smtClean="0"/>
-              <a:t>6/8/13</a:t>
+          <a:lstStyle>
+            <a:lvl1pPr>
+              <a:defRPr/>
+            </a:lvl1pPr>
+          </a:lstStyle>
+          <a:p>
+            <a:pPr>
+              <a:defRPr/>
+            </a:pPr>
+            <a:fld id="{0EC86D9E-24C7-4AC2-A330-F660FADD1E49}" type="datetimeFigureOut">
+              <a:rPr lang="en-US"/>
+              <a:pPr>
+                <a:defRPr/>
+              </a:pPr>
+              <a:t>09-Jun-13</a:t>
             </a:fld>
             <a:endParaRPr lang="en-US"/>
           </a:p>
@@ -4192,8 +4742,15 @@
         <p:spPr/>
         <p:txBody>
           <a:bodyPr/>
-          <a:lstStyle/>
-          <a:p>
+          <a:lstStyle>
+            <a:lvl1pPr>
+              <a:defRPr/>
+            </a:lvl1pPr>
+          </a:lstStyle>
+          <a:p>
+            <a:pPr>
+              <a:defRPr/>
+            </a:pPr>
             <a:endParaRPr lang="en-US"/>
           </a:p>
         </p:txBody>
@@ -4211,10 +4768,20 @@
         <p:spPr/>
         <p:txBody>
           <a:bodyPr/>
-          <a:lstStyle/>
-          <a:p>
-            <a:fld id="{B9D2C864-9362-43C7-A136-D9C41D93A96D}" type="slidenum">
-              <a:rPr lang="en-US" smtClean="0"/>
+          <a:lstStyle>
+            <a:lvl1pPr>
+              <a:defRPr/>
+            </a:lvl1pPr>
+          </a:lstStyle>
+          <a:p>
+            <a:pPr>
+              <a:defRPr/>
+            </a:pPr>
+            <a:fld id="{03C64B75-6162-4108-AF47-81192BE0479C}" type="slidenum">
+              <a:rPr lang="en-US"/>
+              <a:pPr>
+                <a:defRPr/>
+              </a:pPr>
               <a:t>‹#›</a:t>
             </a:fld>
             <a:endParaRPr lang="en-US"/>
@@ -4338,11 +4905,21 @@
         <p:spPr/>
         <p:txBody>
           <a:bodyPr/>
-          <a:lstStyle/>
-          <a:p>
-            <a:fld id="{2DF66AD8-BC4A-4004-9882-414398D930CA}" type="datetimeFigureOut">
-              <a:rPr lang="en-US" smtClean="0"/>
-              <a:t>6/8/13</a:t>
+          <a:lstStyle>
+            <a:lvl1pPr>
+              <a:defRPr/>
+            </a:lvl1pPr>
+          </a:lstStyle>
+          <a:p>
+            <a:pPr>
+              <a:defRPr/>
+            </a:pPr>
+            <a:fld id="{391D264F-6B90-4EEE-9094-CE0B6F5B8A23}" type="datetimeFigureOut">
+              <a:rPr lang="en-US"/>
+              <a:pPr>
+                <a:defRPr/>
+              </a:pPr>
+              <a:t>09-Jun-13</a:t>
             </a:fld>
             <a:endParaRPr lang="en-US"/>
           </a:p>
@@ -4361,8 +4938,15 @@
         <p:spPr/>
         <p:txBody>
           <a:bodyPr/>
-          <a:lstStyle/>
-          <a:p>
+          <a:lstStyle>
+            <a:lvl1pPr>
+              <a:defRPr/>
+            </a:lvl1pPr>
+          </a:lstStyle>
+          <a:p>
+            <a:pPr>
+              <a:defRPr/>
+            </a:pPr>
             <a:endParaRPr lang="en-US"/>
           </a:p>
         </p:txBody>
@@ -4380,10 +4964,20 @@
         <p:spPr/>
         <p:txBody>
           <a:bodyPr/>
-          <a:lstStyle/>
-          <a:p>
-            <a:fld id="{B9D2C864-9362-43C7-A136-D9C41D93A96D}" type="slidenum">
-              <a:rPr lang="en-US" smtClean="0"/>
+          <a:lstStyle>
+            <a:lvl1pPr>
+              <a:defRPr/>
+            </a:lvl1pPr>
+          </a:lstStyle>
+          <a:p>
+            <a:pPr>
+              <a:defRPr/>
+            </a:pPr>
+            <a:fld id="{BE76C839-8071-4262-9B88-430823396BF8}" type="slidenum">
+              <a:rPr lang="en-US"/>
+              <a:pPr>
+                <a:defRPr/>
+              </a:pPr>
               <a:t>‹#›</a:t>
             </a:fld>
             <a:endParaRPr lang="en-US"/>
@@ -4403,10 +4997,8 @@
   <p:cSld name="Vertical Title and Text">
     <p:bg>
       <p:bgPr>
-        <a:blipFill dpi="0" rotWithShape="1">
-          <a:blip r:embed="rId2">
-            <a:lum/>
-          </a:blip>
+        <a:blipFill dpi="0" rotWithShape="0">
+          <a:blip r:embed="rId2"/>
           <a:srcRect/>
           <a:stretch>
             <a:fillRect/>
@@ -4446,7 +5038,7 @@
           </a:xfrm>
         </p:spPr>
         <p:txBody>
-          <a:bodyPr vert="eaVert" anchor="t" anchorCtr="0"/>
+          <a:bodyPr vert="eaVert" anchor="t"/>
           <a:lstStyle/>
           <a:p>
             <a:r>
@@ -4531,11 +5123,21 @@
         <p:spPr/>
         <p:txBody>
           <a:bodyPr/>
-          <a:lstStyle/>
-          <a:p>
-            <a:fld id="{2DF66AD8-BC4A-4004-9882-414398D930CA}" type="datetimeFigureOut">
-              <a:rPr lang="en-US" smtClean="0"/>
-              <a:t>6/8/13</a:t>
+          <a:lstStyle>
+            <a:lvl1pPr>
+              <a:defRPr/>
+            </a:lvl1pPr>
+          </a:lstStyle>
+          <a:p>
+            <a:pPr>
+              <a:defRPr/>
+            </a:pPr>
+            <a:fld id="{D4740A2A-DDE6-400F-A2EB-836A7916679D}" type="datetimeFigureOut">
+              <a:rPr lang="en-US"/>
+              <a:pPr>
+                <a:defRPr/>
+              </a:pPr>
+              <a:t>09-Jun-13</a:t>
             </a:fld>
             <a:endParaRPr lang="en-US"/>
           </a:p>
@@ -4554,8 +5156,15 @@
         <p:spPr/>
         <p:txBody>
           <a:bodyPr/>
-          <a:lstStyle/>
-          <a:p>
+          <a:lstStyle>
+            <a:lvl1pPr>
+              <a:defRPr/>
+            </a:lvl1pPr>
+          </a:lstStyle>
+          <a:p>
+            <a:pPr>
+              <a:defRPr/>
+            </a:pPr>
             <a:endParaRPr lang="en-US"/>
           </a:p>
         </p:txBody>
@@ -4573,10 +5182,20 @@
         <p:spPr/>
         <p:txBody>
           <a:bodyPr/>
-          <a:lstStyle/>
-          <a:p>
-            <a:fld id="{B9D2C864-9362-43C7-A136-D9C41D93A96D}" type="slidenum">
-              <a:rPr lang="en-US" smtClean="0"/>
+          <a:lstStyle>
+            <a:lvl1pPr>
+              <a:defRPr/>
+            </a:lvl1pPr>
+          </a:lstStyle>
+          <a:p>
+            <a:pPr>
+              <a:defRPr/>
+            </a:pPr>
+            <a:fld id="{8A798394-2B40-4F78-AC7B-7B7B0B66F00C}" type="slidenum">
+              <a:rPr lang="en-US"/>
+              <a:pPr>
+                <a:defRPr/>
+              </a:pPr>
               <a:t>‹#›</a:t>
             </a:fld>
             <a:endParaRPr lang="en-US"/>
@@ -4630,7 +5249,7 @@
           </a:xfrm>
         </p:spPr>
         <p:txBody>
-          <a:bodyPr wrap="none" lIns="0" tIns="0" rIns="0" bIns="0" anchor="ctr" anchorCtr="0">
+          <a:bodyPr wrap="none" lIns="0" tIns="0" rIns="0" bIns="0" anchor="ctr">
             <a:noAutofit/>
           </a:bodyPr>
           <a:lstStyle>
@@ -4781,7 +5400,7 @@
           </a:xfrm>
         </p:spPr>
         <p:txBody>
-          <a:bodyPr lIns="45720" tIns="0" rIns="45720" bIns="0" anchor="b" anchorCtr="0">
+          <a:bodyPr lIns="45720" tIns="0" rIns="45720" bIns="0" anchor="b">
             <a:noAutofit/>
           </a:bodyPr>
           <a:lstStyle>
@@ -4818,7 +5437,7 @@
           </a:xfrm>
         </p:spPr>
         <p:txBody>
-          <a:bodyPr lIns="91440" tIns="0" rIns="45720" bIns="0">
+          <a:bodyPr tIns="0" rIns="45720" bIns="0">
             <a:normAutofit/>
           </a:bodyPr>
           <a:lstStyle>
@@ -4928,17 +5547,17 @@
       </p:sp>
       <p:sp>
         <p:nvSpPr>
-          <p:cNvPr id="4" name="Date Placeholder 3"/>
-          <p:cNvSpPr>
-            <a:spLocks noGrp="1"/>
-          </p:cNvSpPr>
-          <p:nvPr>
-            <p:ph type="dt" sz="half" idx="10"/>
+          <p:cNvPr id="5" name="Date Placeholder 3"/>
+          <p:cNvSpPr>
+            <a:spLocks noGrp="1"/>
+          </p:cNvSpPr>
+          <p:nvPr>
+            <p:ph type="dt" sz="half" idx="14"/>
           </p:nvPr>
         </p:nvSpPr>
         <p:spPr>
           <a:xfrm>
-            <a:off x="457200" y="6298744"/>
+            <a:off x="457200" y="6299200"/>
             <a:ext cx="1981200" cy="273050"/>
           </a:xfrm>
         </p:spPr>
@@ -4946,15 +5565,21 @@
           <a:bodyPr/>
           <a:lstStyle>
             <a:lvl1pPr algn="l">
-              <a:defRPr sz="1100">
+              <a:defRPr sz="1100" smtClean="0">
                 <a:latin typeface="Rockwell" pitchFamily="18" charset="0"/>
               </a:defRPr>
             </a:lvl1pPr>
           </a:lstStyle>
           <a:p>
-            <a:fld id="{2DF66AD8-BC4A-4004-9882-414398D930CA}" type="datetimeFigureOut">
-              <a:rPr lang="en-US" smtClean="0"/>
-              <a:t>6/8/13</a:t>
+            <a:pPr>
+              <a:defRPr/>
+            </a:pPr>
+            <a:fld id="{C01DAC70-621B-42C7-91A0-F861BA43E1E9}" type="datetimeFigureOut">
+              <a:rPr lang="en-US"/>
+              <a:pPr>
+                <a:defRPr/>
+              </a:pPr>
+              <a:t>09-Jun-13</a:t>
             </a:fld>
             <a:endParaRPr lang="en-US"/>
           </a:p>
@@ -4962,17 +5587,17 @@
       </p:sp>
       <p:sp>
         <p:nvSpPr>
-          <p:cNvPr id="5" name="Footer Placeholder 4"/>
-          <p:cNvSpPr>
-            <a:spLocks noGrp="1"/>
-          </p:cNvSpPr>
-          <p:nvPr>
-            <p:ph type="ftr" sz="quarter" idx="11"/>
+          <p:cNvPr id="6" name="Footer Placeholder 4"/>
+          <p:cNvSpPr>
+            <a:spLocks noGrp="1"/>
+          </p:cNvSpPr>
+          <p:nvPr>
+            <p:ph type="ftr" sz="quarter" idx="15"/>
           </p:nvPr>
         </p:nvSpPr>
         <p:spPr>
           <a:xfrm>
-            <a:off x="3962400" y="6298744"/>
+            <a:off x="3962400" y="6299200"/>
             <a:ext cx="3810000" cy="273050"/>
           </a:xfrm>
         </p:spPr>
@@ -4984,31 +5609,34 @@
             </a:lvl1pPr>
           </a:lstStyle>
           <a:p>
+            <a:pPr>
+              <a:defRPr/>
+            </a:pPr>
             <a:endParaRPr lang="en-US"/>
           </a:p>
         </p:txBody>
       </p:sp>
       <p:sp>
         <p:nvSpPr>
-          <p:cNvPr id="6" name="Slide Number Placeholder 5"/>
-          <p:cNvSpPr>
-            <a:spLocks noGrp="1"/>
-          </p:cNvSpPr>
-          <p:nvPr>
-            <p:ph type="sldNum" sz="quarter" idx="12"/>
+          <p:cNvPr id="7" name="Slide Number Placeholder 5"/>
+          <p:cNvSpPr>
+            <a:spLocks noGrp="1"/>
+          </p:cNvSpPr>
+          <p:nvPr>
+            <p:ph type="sldNum" sz="quarter" idx="16"/>
           </p:nvPr>
         </p:nvSpPr>
         <p:spPr>
           <a:xfrm>
-            <a:off x="8264856" y="6312392"/>
-            <a:ext cx="685800" cy="265089"/>
+            <a:off x="8264525" y="6311900"/>
+            <a:ext cx="685800" cy="265113"/>
           </a:xfrm>
         </p:spPr>
         <p:txBody>
           <a:bodyPr/>
           <a:lstStyle>
             <a:lvl1pPr>
-              <a:defRPr sz="1100">
+              <a:defRPr sz="1100" smtClean="0">
                 <a:solidFill>
                   <a:schemeClr val="tx1"/>
                 </a:solidFill>
@@ -5017,8 +5645,14 @@
             </a:lvl1pPr>
           </a:lstStyle>
           <a:p>
-            <a:fld id="{B9D2C864-9362-43C7-A136-D9C41D93A96D}" type="slidenum">
-              <a:rPr lang="en-US" smtClean="0"/>
+            <a:pPr>
+              <a:defRPr/>
+            </a:pPr>
+            <a:fld id="{6E3FEBCA-D096-432D-9917-E451AF58D261}" type="slidenum">
+              <a:rPr lang="en-US"/>
+              <a:pPr>
+                <a:defRPr/>
+              </a:pPr>
               <a:t>‹#›</a:t>
             </a:fld>
             <a:endParaRPr lang="en-US"/>
@@ -5072,7 +5706,7 @@
           </a:xfrm>
         </p:spPr>
         <p:txBody>
-          <a:bodyPr vert="horz" lIns="45720" tIns="0" rIns="45720" bIns="0" rtlCol="0" anchor="b" anchorCtr="0">
+          <a:bodyPr lIns="45720" tIns="0" rIns="45720" bIns="0" rtlCol="0" anchor="b">
             <a:noAutofit/>
           </a:bodyPr>
           <a:lstStyle>
@@ -5120,7 +5754,7 @@
           </a:xfrm>
         </p:spPr>
         <p:txBody>
-          <a:bodyPr vert="horz" lIns="91440" tIns="0" rIns="45720" bIns="0" rtlCol="0" anchor="t" anchorCtr="0">
+          <a:bodyPr tIns="0" rIns="45720" bIns="0" rtlCol="0">
             <a:normAutofit/>
           </a:bodyPr>
           <a:lstStyle>
@@ -5220,39 +5854,42 @@
             </a:lvl9pPr>
           </a:lstStyle>
           <a:p>
-            <a:pPr marL="0" lvl="0" indent="0" algn="l" defTabSz="914400" rtl="0" eaLnBrk="1" latinLnBrk="0" hangingPunct="1">
-              <a:spcBef>
-                <a:spcPts val="2000"/>
-              </a:spcBef>
-              <a:buSzPct val="90000"/>
-              <a:buFontTx/>
-              <a:buNone/>
+            <a:pPr lvl="0"/>
+            <a:r>
+              <a:rPr lang="en-US" smtClean="0"/>
+              <a:t>Click to edit Master text styles</a:t>
+            </a:r>
+          </a:p>
+        </p:txBody>
+      </p:sp>
+      <p:sp>
+        <p:nvSpPr>
+          <p:cNvPr id="4" name="Date Placeholder 3"/>
+          <p:cNvSpPr>
+            <a:spLocks noGrp="1"/>
+          </p:cNvSpPr>
+          <p:nvPr>
+            <p:ph type="dt" sz="half" idx="10"/>
+          </p:nvPr>
+        </p:nvSpPr>
+        <p:spPr/>
+        <p:txBody>
+          <a:bodyPr/>
+          <a:lstStyle>
+            <a:lvl1pPr>
+              <a:defRPr/>
+            </a:lvl1pPr>
+          </a:lstStyle>
+          <a:p>
+            <a:pPr>
+              <a:defRPr/>
             </a:pPr>
-            <a:r>
-              <a:rPr lang="en-US" smtClean="0"/>
-              <a:t>Click to edit Master text styles</a:t>
-            </a:r>
-          </a:p>
-        </p:txBody>
-      </p:sp>
-      <p:sp>
-        <p:nvSpPr>
-          <p:cNvPr id="4" name="Date Placeholder 3"/>
-          <p:cNvSpPr>
-            <a:spLocks noGrp="1"/>
-          </p:cNvSpPr>
-          <p:nvPr>
-            <p:ph type="dt" sz="half" idx="10"/>
-          </p:nvPr>
-        </p:nvSpPr>
-        <p:spPr/>
-        <p:txBody>
-          <a:bodyPr/>
-          <a:lstStyle/>
-          <a:p>
-            <a:fld id="{2DF66AD8-BC4A-4004-9882-414398D930CA}" type="datetimeFigureOut">
-              <a:rPr lang="en-US" smtClean="0"/>
-              <a:t>6/8/13</a:t>
+            <a:fld id="{CBF7156E-7854-4CD0-8498-6FD3C7798DD2}" type="datetimeFigureOut">
+              <a:rPr lang="en-US"/>
+              <a:pPr>
+                <a:defRPr/>
+              </a:pPr>
+              <a:t>09-Jun-13</a:t>
             </a:fld>
             <a:endParaRPr lang="en-US"/>
           </a:p>
@@ -5271,8 +5908,15 @@
         <p:spPr/>
         <p:txBody>
           <a:bodyPr/>
-          <a:lstStyle/>
-          <a:p>
+          <a:lstStyle>
+            <a:lvl1pPr>
+              <a:defRPr/>
+            </a:lvl1pPr>
+          </a:lstStyle>
+          <a:p>
+            <a:pPr>
+              <a:defRPr/>
+            </a:pPr>
             <a:endParaRPr lang="en-US"/>
           </a:p>
         </p:txBody>
@@ -5290,10 +5934,20 @@
         <p:spPr/>
         <p:txBody>
           <a:bodyPr/>
-          <a:lstStyle/>
-          <a:p>
-            <a:fld id="{B9D2C864-9362-43C7-A136-D9C41D93A96D}" type="slidenum">
-              <a:rPr lang="en-US" smtClean="0"/>
+          <a:lstStyle>
+            <a:lvl1pPr>
+              <a:defRPr/>
+            </a:lvl1pPr>
+          </a:lstStyle>
+          <a:p>
+            <a:pPr>
+              <a:defRPr/>
+            </a:pPr>
+            <a:fld id="{81A384D9-9C04-47C6-9EDB-D1830EC1CE20}" type="slidenum">
+              <a:rPr lang="en-US"/>
+              <a:pPr>
+                <a:defRPr/>
+              </a:pPr>
               <a:t>‹#›</a:t>
             </a:fld>
             <a:endParaRPr lang="en-US"/>
@@ -5347,7 +6001,7 @@
           </a:xfrm>
         </p:spPr>
         <p:txBody>
-          <a:bodyPr wrap="none" lIns="0" tIns="0" rIns="0" bIns="0" anchor="ctr" anchorCtr="0">
+          <a:bodyPr wrap="none" lIns="0" tIns="0" rIns="0" bIns="0" anchor="ctr">
             <a:noAutofit/>
           </a:bodyPr>
           <a:lstStyle>
@@ -5498,7 +6152,7 @@
           </a:xfrm>
         </p:spPr>
         <p:txBody>
-          <a:bodyPr lIns="45720" tIns="0" rIns="45720" bIns="0" anchor="b" anchorCtr="0"/>
+          <a:bodyPr lIns="45720" tIns="0" rIns="45720" bIns="0" anchor="b"/>
           <a:lstStyle>
             <a:lvl1pPr algn="l">
               <a:lnSpc>
@@ -5533,7 +6187,7 @@
           </a:xfrm>
         </p:spPr>
         <p:txBody>
-          <a:bodyPr tIns="0" rIns="45720" bIns="0" anchor="t" anchorCtr="0"/>
+          <a:bodyPr tIns="0" rIns="45720" bIns="0"/>
           <a:lstStyle>
             <a:lvl1pPr marL="0" indent="0">
               <a:spcBef>
@@ -5638,22 +6292,32 @@
       </p:sp>
       <p:sp>
         <p:nvSpPr>
-          <p:cNvPr id="4" name="Date Placeholder 3"/>
-          <p:cNvSpPr>
-            <a:spLocks noGrp="1"/>
-          </p:cNvSpPr>
-          <p:nvPr>
-            <p:ph type="dt" sz="half" idx="10"/>
+          <p:cNvPr id="5" name="Date Placeholder 3"/>
+          <p:cNvSpPr>
+            <a:spLocks noGrp="1"/>
+          </p:cNvSpPr>
+          <p:nvPr>
+            <p:ph type="dt" sz="half" idx="14"/>
           </p:nvPr>
         </p:nvSpPr>
         <p:spPr/>
         <p:txBody>
           <a:bodyPr/>
-          <a:lstStyle/>
-          <a:p>
-            <a:fld id="{2DF66AD8-BC4A-4004-9882-414398D930CA}" type="datetimeFigureOut">
-              <a:rPr lang="en-US" smtClean="0"/>
-              <a:t>6/8/13</a:t>
+          <a:lstStyle>
+            <a:lvl1pPr>
+              <a:defRPr/>
+            </a:lvl1pPr>
+          </a:lstStyle>
+          <a:p>
+            <a:pPr>
+              <a:defRPr/>
+            </a:pPr>
+            <a:fld id="{01F16C0A-4F67-41FF-8BC2-B00B7A86C3C0}" type="datetimeFigureOut">
+              <a:rPr lang="en-US"/>
+              <a:pPr>
+                <a:defRPr/>
+              </a:pPr>
+              <a:t>09-Jun-13</a:t>
             </a:fld>
             <a:endParaRPr lang="en-US"/>
           </a:p>
@@ -5661,40 +6325,57 @@
       </p:sp>
       <p:sp>
         <p:nvSpPr>
-          <p:cNvPr id="5" name="Footer Placeholder 4"/>
-          <p:cNvSpPr>
-            <a:spLocks noGrp="1"/>
-          </p:cNvSpPr>
-          <p:nvPr>
-            <p:ph type="ftr" sz="quarter" idx="11"/>
+          <p:cNvPr id="6" name="Footer Placeholder 4"/>
+          <p:cNvSpPr>
+            <a:spLocks noGrp="1"/>
+          </p:cNvSpPr>
+          <p:nvPr>
+            <p:ph type="ftr" sz="quarter" idx="15"/>
           </p:nvPr>
         </p:nvSpPr>
         <p:spPr/>
         <p:txBody>
           <a:bodyPr/>
-          <a:lstStyle/>
-          <a:p>
+          <a:lstStyle>
+            <a:lvl1pPr>
+              <a:defRPr/>
+            </a:lvl1pPr>
+          </a:lstStyle>
+          <a:p>
+            <a:pPr>
+              <a:defRPr/>
+            </a:pPr>
             <a:endParaRPr lang="en-US"/>
           </a:p>
         </p:txBody>
       </p:sp>
       <p:sp>
         <p:nvSpPr>
-          <p:cNvPr id="6" name="Slide Number Placeholder 5"/>
-          <p:cNvSpPr>
-            <a:spLocks noGrp="1"/>
-          </p:cNvSpPr>
-          <p:nvPr>
-            <p:ph type="sldNum" sz="quarter" idx="12"/>
+          <p:cNvPr id="8" name="Slide Number Placeholder 5"/>
+          <p:cNvSpPr>
+            <a:spLocks noGrp="1"/>
+          </p:cNvSpPr>
+          <p:nvPr>
+            <p:ph type="sldNum" sz="quarter" idx="16"/>
           </p:nvPr>
         </p:nvSpPr>
         <p:spPr/>
         <p:txBody>
           <a:bodyPr/>
-          <a:lstStyle/>
-          <a:p>
-            <a:fld id="{B9D2C864-9362-43C7-A136-D9C41D93A96D}" type="slidenum">
-              <a:rPr lang="en-US" smtClean="0"/>
+          <a:lstStyle>
+            <a:lvl1pPr>
+              <a:defRPr/>
+            </a:lvl1pPr>
+          </a:lstStyle>
+          <a:p>
+            <a:pPr>
+              <a:defRPr/>
+            </a:pPr>
+            <a:fld id="{08AA9078-543E-4A25-9CB1-E1ABF15ACBEE}" type="slidenum">
+              <a:rPr lang="en-US"/>
+              <a:pPr>
+                <a:defRPr/>
+              </a:pPr>
               <a:t>‹#›</a:t>
             </a:fld>
             <a:endParaRPr lang="en-US"/>
@@ -5740,65 +6421,32 @@
           <a:chExt cx="0" cy="0"/>
         </a:xfrm>
       </p:grpSpPr>
-      <p:sp>
-        <p:nvSpPr>
-          <p:cNvPr id="2" name="Title 1"/>
-          <p:cNvSpPr>
-            <a:spLocks noGrp="1"/>
-          </p:cNvSpPr>
-          <p:nvPr>
-            <p:ph type="title"/>
-          </p:nvPr>
-        </p:nvSpPr>
-        <p:spPr>
-          <a:xfrm>
-            <a:off x="3152775" y="4069804"/>
-            <a:ext cx="5538788" cy="1162050"/>
-          </a:xfrm>
-        </p:spPr>
-        <p:txBody>
-          <a:bodyPr tIns="0" bIns="0" anchor="b"/>
-          <a:lstStyle>
-            <a:lvl1pPr algn="l">
-              <a:lnSpc>
-                <a:spcPts val="4600"/>
-              </a:lnSpc>
-              <a:defRPr sz="4600" b="1"/>
-            </a:lvl1pPr>
-          </a:lstStyle>
-          <a:p>
-            <a:r>
-              <a:rPr lang="en-US" smtClean="0"/>
-              <a:t>Click to edit Master title style</a:t>
-            </a:r>
-            <a:endParaRPr/>
-          </a:p>
-        </p:txBody>
-      </p:sp>
       <p:grpSp>
         <p:nvGrpSpPr>
-          <p:cNvPr id="3" name="Group 8"/>
-          <p:cNvGrpSpPr/>
+          <p:cNvPr id="5" name="Group 8"/>
+          <p:cNvGrpSpPr>
+            <a:grpSpLocks/>
+          </p:cNvGrpSpPr>
           <p:nvPr/>
         </p:nvGrpSpPr>
-        <p:grpSpPr>
-          <a:xfrm rot="21240000">
-            <a:off x="654352" y="445180"/>
-            <a:ext cx="5416247" cy="3630168"/>
+        <p:grpSpPr bwMode="auto">
+          <a:xfrm rot="-360000">
+            <a:off x="654050" y="444500"/>
+            <a:ext cx="5416550" cy="3630613"/>
             <a:chOff x="1524000" y="381000"/>
             <a:chExt cx="3657600" cy="4737978"/>
           </a:xfrm>
         </p:grpSpPr>
         <p:sp>
           <p:nvSpPr>
-            <p:cNvPr id="10" name="Rectangle 9"/>
+            <p:cNvPr id="6" name="Rectangle 9"/>
             <p:cNvSpPr/>
             <p:nvPr userDrawn="1"/>
           </p:nvSpPr>
           <p:spPr>
             <a:xfrm>
-              <a:off x="1524000" y="381000"/>
-              <a:ext cx="3657600" cy="4724400"/>
+              <a:off x="1523326" y="380823"/>
+              <a:ext cx="3657600" cy="4723475"/>
             </a:xfrm>
             <a:prstGeom prst="rect">
               <a:avLst/>
@@ -5836,17 +6484,25 @@
             </a:fontRef>
           </p:style>
           <p:txBody>
-            <a:bodyPr rtlCol="0" anchor="ctr"/>
+            <a:bodyPr anchor="ctr"/>
             <a:lstStyle/>
             <a:p>
-              <a:pPr algn="ctr"/>
+              <a:pPr algn="ctr" fontAlgn="auto">
+                <a:spcBef>
+                  <a:spcPts val="0"/>
+                </a:spcBef>
+                <a:spcAft>
+                  <a:spcPts val="0"/>
+                </a:spcAft>
+                <a:defRPr/>
+              </a:pPr>
               <a:endParaRPr/>
             </a:p>
           </p:txBody>
         </p:sp>
         <p:sp>
           <p:nvSpPr>
-            <p:cNvPr id="11" name="Rectangle 10"/>
+            <p:cNvPr id="7" name="Rectangle 10"/>
             <p:cNvSpPr/>
             <p:nvPr userDrawn="1"/>
           </p:nvSpPr>
@@ -5911,15 +6567,58 @@
             </a:fontRef>
           </p:style>
           <p:txBody>
-            <a:bodyPr rtlCol="0" anchor="ctr"/>
+            <a:bodyPr anchor="ctr"/>
             <a:lstStyle/>
             <a:p>
-              <a:pPr algn="ctr"/>
+              <a:pPr algn="ctr" fontAlgn="auto">
+                <a:spcBef>
+                  <a:spcPts val="0"/>
+                </a:spcBef>
+                <a:spcAft>
+                  <a:spcPts val="0"/>
+                </a:spcAft>
+                <a:defRPr/>
+              </a:pPr>
               <a:endParaRPr/>
             </a:p>
           </p:txBody>
         </p:sp>
       </p:grpSp>
+      <p:sp>
+        <p:nvSpPr>
+          <p:cNvPr id="2" name="Title 1"/>
+          <p:cNvSpPr>
+            <a:spLocks noGrp="1"/>
+          </p:cNvSpPr>
+          <p:nvPr>
+            <p:ph type="title"/>
+          </p:nvPr>
+        </p:nvSpPr>
+        <p:spPr>
+          <a:xfrm>
+            <a:off x="3152775" y="4069804"/>
+            <a:ext cx="5538788" cy="1162050"/>
+          </a:xfrm>
+        </p:spPr>
+        <p:txBody>
+          <a:bodyPr tIns="0" bIns="0" anchor="b"/>
+          <a:lstStyle>
+            <a:lvl1pPr algn="l">
+              <a:lnSpc>
+                <a:spcPts val="4600"/>
+              </a:lnSpc>
+              <a:defRPr sz="4600" b="1"/>
+            </a:lvl1pPr>
+          </a:lstStyle>
+          <a:p>
+            <a:r>
+              <a:rPr lang="en-US" smtClean="0"/>
+              <a:t>Click to edit Master title style</a:t>
+            </a:r>
+            <a:endParaRPr/>
+          </a:p>
+        </p:txBody>
+      </p:sp>
       <p:sp>
         <p:nvSpPr>
           <p:cNvPr id="12" name="Picture Placeholder 9"/>
@@ -5942,7 +6641,9 @@
           </a:solidFill>
         </p:spPr>
         <p:txBody>
-          <a:bodyPr/>
+          <a:bodyPr rtlCol="0">
+            <a:normAutofit/>
+          </a:bodyPr>
           <a:lstStyle>
             <a:lvl1pPr>
               <a:buNone/>
@@ -5950,11 +6651,12 @@
             </a:lvl1pPr>
           </a:lstStyle>
           <a:p>
-            <a:r>
-              <a:rPr lang="en-US" smtClean="0"/>
+            <a:pPr lvl="0"/>
+            <a:r>
+              <a:rPr lang="en-US" noProof="0" smtClean="0"/>
               <a:t>Drag picture to placeholder or click icon to add</a:t>
             </a:r>
-            <a:endParaRPr/>
+            <a:endParaRPr noProof="0"/>
           </a:p>
         </p:txBody>
       </p:sp>
@@ -6028,22 +6730,32 @@
       </p:sp>
       <p:sp>
         <p:nvSpPr>
-          <p:cNvPr id="5" name="Date Placeholder 4"/>
-          <p:cNvSpPr>
-            <a:spLocks noGrp="1"/>
-          </p:cNvSpPr>
-          <p:nvPr>
-            <p:ph type="dt" sz="half" idx="10"/>
+          <p:cNvPr id="8" name="Date Placeholder 4"/>
+          <p:cNvSpPr>
+            <a:spLocks noGrp="1"/>
+          </p:cNvSpPr>
+          <p:nvPr>
+            <p:ph type="dt" sz="half" idx="16"/>
           </p:nvPr>
         </p:nvSpPr>
         <p:spPr/>
         <p:txBody>
           <a:bodyPr/>
-          <a:lstStyle/>
-          <a:p>
-            <a:fld id="{2DF66AD8-BC4A-4004-9882-414398D930CA}" type="datetimeFigureOut">
-              <a:rPr lang="en-US" smtClean="0"/>
-              <a:t>6/8/13</a:t>
+          <a:lstStyle>
+            <a:lvl1pPr>
+              <a:defRPr/>
+            </a:lvl1pPr>
+          </a:lstStyle>
+          <a:p>
+            <a:pPr>
+              <a:defRPr/>
+            </a:pPr>
+            <a:fld id="{F47FF630-F7F1-4232-B349-EBB390821945}" type="datetimeFigureOut">
+              <a:rPr lang="en-US"/>
+              <a:pPr>
+                <a:defRPr/>
+              </a:pPr>
+              <a:t>09-Jun-13</a:t>
             </a:fld>
             <a:endParaRPr lang="en-US"/>
           </a:p>
@@ -6051,40 +6763,57 @@
       </p:sp>
       <p:sp>
         <p:nvSpPr>
-          <p:cNvPr id="6" name="Footer Placeholder 5"/>
-          <p:cNvSpPr>
-            <a:spLocks noGrp="1"/>
-          </p:cNvSpPr>
-          <p:nvPr>
-            <p:ph type="ftr" sz="quarter" idx="11"/>
+          <p:cNvPr id="9" name="Footer Placeholder 5"/>
+          <p:cNvSpPr>
+            <a:spLocks noGrp="1"/>
+          </p:cNvSpPr>
+          <p:nvPr>
+            <p:ph type="ftr" sz="quarter" idx="17"/>
           </p:nvPr>
         </p:nvSpPr>
         <p:spPr/>
         <p:txBody>
           <a:bodyPr/>
-          <a:lstStyle/>
-          <a:p>
+          <a:lstStyle>
+            <a:lvl1pPr>
+              <a:defRPr/>
+            </a:lvl1pPr>
+          </a:lstStyle>
+          <a:p>
+            <a:pPr>
+              <a:defRPr/>
+            </a:pPr>
             <a:endParaRPr lang="en-US"/>
           </a:p>
         </p:txBody>
       </p:sp>
       <p:sp>
         <p:nvSpPr>
-          <p:cNvPr id="7" name="Slide Number Placeholder 6"/>
-          <p:cNvSpPr>
-            <a:spLocks noGrp="1"/>
-          </p:cNvSpPr>
-          <p:nvPr>
-            <p:ph type="sldNum" sz="quarter" idx="12"/>
+          <p:cNvPr id="10" name="Slide Number Placeholder 6"/>
+          <p:cNvSpPr>
+            <a:spLocks noGrp="1"/>
+          </p:cNvSpPr>
+          <p:nvPr>
+            <p:ph type="sldNum" sz="quarter" idx="18"/>
           </p:nvPr>
         </p:nvSpPr>
         <p:spPr/>
         <p:txBody>
           <a:bodyPr/>
-          <a:lstStyle/>
-          <a:p>
-            <a:fld id="{B9D2C864-9362-43C7-A136-D9C41D93A96D}" type="slidenum">
-              <a:rPr lang="en-US" smtClean="0"/>
+          <a:lstStyle>
+            <a:lvl1pPr>
+              <a:defRPr/>
+            </a:lvl1pPr>
+          </a:lstStyle>
+          <a:p>
+            <a:pPr>
+              <a:defRPr/>
+            </a:pPr>
+            <a:fld id="{1089C700-3A43-43E9-80D4-1A7E00197595}" type="slidenum">
+              <a:rPr lang="en-US"/>
+              <a:pPr>
+                <a:defRPr/>
+              </a:pPr>
               <a:t>‹#›</a:t>
             </a:fld>
             <a:endParaRPr lang="en-US"/>
@@ -6311,7 +7040,7 @@
       </p:sp>
       <p:sp>
         <p:nvSpPr>
-          <p:cNvPr id="5" name="Date Placeholder 4"/>
+          <p:cNvPr id="5" name="Date Placeholder 3"/>
           <p:cNvSpPr>
             <a:spLocks noGrp="1"/>
           </p:cNvSpPr>
@@ -6322,11 +7051,21 @@
         <p:spPr/>
         <p:txBody>
           <a:bodyPr/>
-          <a:lstStyle/>
-          <a:p>
-            <a:fld id="{2DF66AD8-BC4A-4004-9882-414398D930CA}" type="datetimeFigureOut">
-              <a:rPr lang="en-US" smtClean="0"/>
-              <a:t>6/8/13</a:t>
+          <a:lstStyle>
+            <a:lvl1pPr>
+              <a:defRPr/>
+            </a:lvl1pPr>
+          </a:lstStyle>
+          <a:p>
+            <a:pPr>
+              <a:defRPr/>
+            </a:pPr>
+            <a:fld id="{801E1241-02E3-465D-B8F8-917D99CB9AE3}" type="datetimeFigureOut">
+              <a:rPr lang="en-US"/>
+              <a:pPr>
+                <a:defRPr/>
+              </a:pPr>
+              <a:t>09-Jun-13</a:t>
             </a:fld>
             <a:endParaRPr lang="en-US"/>
           </a:p>
@@ -6334,7 +7073,7 @@
       </p:sp>
       <p:sp>
         <p:nvSpPr>
-          <p:cNvPr id="6" name="Footer Placeholder 5"/>
+          <p:cNvPr id="6" name="Footer Placeholder 4"/>
           <p:cNvSpPr>
             <a:spLocks noGrp="1"/>
           </p:cNvSpPr>
@@ -6345,15 +7084,22 @@
         <p:spPr/>
         <p:txBody>
           <a:bodyPr/>
-          <a:lstStyle/>
-          <a:p>
+          <a:lstStyle>
+            <a:lvl1pPr>
+              <a:defRPr/>
+            </a:lvl1pPr>
+          </a:lstStyle>
+          <a:p>
+            <a:pPr>
+              <a:defRPr/>
+            </a:pPr>
             <a:endParaRPr lang="en-US"/>
           </a:p>
         </p:txBody>
       </p:sp>
       <p:sp>
         <p:nvSpPr>
-          <p:cNvPr id="7" name="Slide Number Placeholder 6"/>
+          <p:cNvPr id="7" name="Slide Number Placeholder 5"/>
           <p:cNvSpPr>
             <a:spLocks noGrp="1"/>
           </p:cNvSpPr>
@@ -6364,10 +7110,20 @@
         <p:spPr/>
         <p:txBody>
           <a:bodyPr/>
-          <a:lstStyle/>
-          <a:p>
-            <a:fld id="{B9D2C864-9362-43C7-A136-D9C41D93A96D}" type="slidenum">
-              <a:rPr lang="en-US" smtClean="0"/>
+          <a:lstStyle>
+            <a:lvl1pPr>
+              <a:defRPr/>
+            </a:lvl1pPr>
+          </a:lstStyle>
+          <a:p>
+            <a:pPr>
+              <a:defRPr/>
+            </a:pPr>
+            <a:fld id="{6B46C467-04E5-4E71-A01A-C34E94BAD29E}" type="slidenum">
+              <a:rPr lang="en-US"/>
+              <a:pPr>
+                <a:defRPr/>
+              </a:pPr>
               <a:t>‹#›</a:t>
             </a:fld>
             <a:endParaRPr lang="en-US"/>
@@ -6399,6 +7155,134 @@
           <a:chExt cx="0" cy="0"/>
         </a:xfrm>
       </p:grpSpPr>
+      <p:pic>
+        <p:nvPicPr>
+          <p:cNvPr id="7" name="Picture 10" descr="Comparison-Underline.png"/>
+          <p:cNvPicPr>
+            <a:picLocks noChangeAspect="1"/>
+          </p:cNvPicPr>
+          <p:nvPr/>
+        </p:nvPicPr>
+        <p:blipFill>
+          <a:blip r:embed="rId2"/>
+          <a:srcRect/>
+          <a:stretch>
+            <a:fillRect/>
+          </a:stretch>
+        </p:blipFill>
+        <p:spPr bwMode="auto">
+          <a:xfrm>
+            <a:off x="957263" y="1897063"/>
+            <a:ext cx="3228975" cy="142875"/>
+          </a:xfrm>
+          <a:prstGeom prst="rect">
+            <a:avLst/>
+          </a:prstGeom>
+          <a:noFill/>
+          <a:ln w="9525">
+            <a:noFill/>
+            <a:miter lim="800000"/>
+            <a:headEnd/>
+            <a:tailEnd/>
+          </a:ln>
+        </p:spPr>
+      </p:pic>
+      <p:pic>
+        <p:nvPicPr>
+          <p:cNvPr id="8" name="Picture 12" descr="Comparison-Underline.png"/>
+          <p:cNvPicPr>
+            <a:picLocks noChangeAspect="1"/>
+          </p:cNvPicPr>
+          <p:nvPr/>
+        </p:nvPicPr>
+        <p:blipFill>
+          <a:blip r:embed="rId2"/>
+          <a:srcRect/>
+          <a:stretch>
+            <a:fillRect/>
+          </a:stretch>
+        </p:blipFill>
+        <p:spPr bwMode="auto">
+          <a:xfrm>
+            <a:off x="4916488" y="1897063"/>
+            <a:ext cx="3228975" cy="142875"/>
+          </a:xfrm>
+          <a:prstGeom prst="rect">
+            <a:avLst/>
+          </a:prstGeom>
+          <a:noFill/>
+          <a:ln w="9525">
+            <a:noFill/>
+            <a:miter lim="800000"/>
+            <a:headEnd/>
+            <a:tailEnd/>
+          </a:ln>
+        </p:spPr>
+      </p:pic>
+      <p:pic>
+        <p:nvPicPr>
+          <p:cNvPr id="9" name="Picture 11" descr="Comparison-Underline.png"/>
+          <p:cNvPicPr>
+            <a:picLocks noChangeAspect="1"/>
+          </p:cNvPicPr>
+          <p:nvPr/>
+        </p:nvPicPr>
+        <p:blipFill>
+          <a:blip r:embed="rId2"/>
+          <a:srcRect/>
+          <a:stretch>
+            <a:fillRect/>
+          </a:stretch>
+        </p:blipFill>
+        <p:spPr bwMode="auto">
+          <a:xfrm>
+            <a:off x="957263" y="1897063"/>
+            <a:ext cx="3228975" cy="142875"/>
+          </a:xfrm>
+          <a:prstGeom prst="rect">
+            <a:avLst/>
+          </a:prstGeom>
+          <a:noFill/>
+          <a:ln w="9525">
+            <a:noFill/>
+            <a:miter lim="800000"/>
+            <a:headEnd/>
+            <a:tailEnd/>
+          </a:ln>
+        </p:spPr>
+      </p:pic>
+      <p:pic>
+        <p:nvPicPr>
+          <p:cNvPr id="10" name="Picture 13" descr="Comparison-Underline.png"/>
+          <p:cNvPicPr>
+            <a:picLocks noChangeAspect="1"/>
+          </p:cNvPicPr>
+          <p:nvPr/>
+        </p:nvPicPr>
+        <p:blipFill>
+          <a:blip r:embed="rId2"/>
+          <a:srcRect/>
+          <a:stretch>
+            <a:fillRect/>
+          </a:stretch>
+        </p:blipFill>
+        <p:spPr bwMode="auto">
+          <a:xfrm>
+            <a:off x="4916488" y="1897063"/>
+            <a:ext cx="3228975" cy="142875"/>
+          </a:xfrm>
+          <a:prstGeom prst="rect">
+            <a:avLst/>
+          </a:prstGeom>
+          <a:noFill/>
+          <a:ln w="9525">
+            <a:noFill/>
+            <a:miter lim="800000"/>
+            <a:headEnd/>
+            <a:tailEnd/>
+          </a:ln>
+        </p:spPr>
+      </p:pic>
       <p:sp>
         <p:nvSpPr>
           <p:cNvPr id="2" name="Title 1"/>
@@ -6750,7 +7634,7 @@
       </p:sp>
       <p:sp>
         <p:nvSpPr>
-          <p:cNvPr id="7" name="Date Placeholder 6"/>
+          <p:cNvPr id="11" name="Date Placeholder 6"/>
           <p:cNvSpPr>
             <a:spLocks noGrp="1"/>
           </p:cNvSpPr>
@@ -6761,11 +7645,21 @@
         <p:spPr/>
         <p:txBody>
           <a:bodyPr/>
-          <a:lstStyle/>
-          <a:p>
-            <a:fld id="{2DF66AD8-BC4A-4004-9882-414398D930CA}" type="datetimeFigureOut">
-              <a:rPr lang="en-US" smtClean="0"/>
-              <a:t>6/8/13</a:t>
+          <a:lstStyle>
+            <a:lvl1pPr>
+              <a:defRPr/>
+            </a:lvl1pPr>
+          </a:lstStyle>
+          <a:p>
+            <a:pPr>
+              <a:defRPr/>
+            </a:pPr>
+            <a:fld id="{4FB322E7-7645-4A02-9704-73DEE9296654}" type="datetimeFigureOut">
+              <a:rPr lang="en-US"/>
+              <a:pPr>
+                <a:defRPr/>
+              </a:pPr>
+              <a:t>09-Jun-13</a:t>
             </a:fld>
             <a:endParaRPr lang="en-US"/>
           </a:p>
@@ -6773,7 +7667,7 @@
       </p:sp>
       <p:sp>
         <p:nvSpPr>
-          <p:cNvPr id="8" name="Footer Placeholder 7"/>
+          <p:cNvPr id="12" name="Footer Placeholder 7"/>
           <p:cNvSpPr>
             <a:spLocks noGrp="1"/>
           </p:cNvSpPr>
@@ -6784,15 +7678,22 @@
         <p:spPr/>
         <p:txBody>
           <a:bodyPr/>
-          <a:lstStyle/>
-          <a:p>
+          <a:lstStyle>
+            <a:lvl1pPr>
+              <a:defRPr/>
+            </a:lvl1pPr>
+          </a:lstStyle>
+          <a:p>
+            <a:pPr>
+              <a:defRPr/>
+            </a:pPr>
             <a:endParaRPr lang="en-US"/>
           </a:p>
         </p:txBody>
       </p:sp>
       <p:sp>
         <p:nvSpPr>
-          <p:cNvPr id="9" name="Slide Number Placeholder 8"/>
+          <p:cNvPr id="13" name="Slide Number Placeholder 8"/>
           <p:cNvSpPr>
             <a:spLocks noGrp="1"/>
           </p:cNvSpPr>
@@ -6803,112 +7704,26 @@
         <p:spPr/>
         <p:txBody>
           <a:bodyPr/>
-          <a:lstStyle/>
-          <a:p>
-            <a:fld id="{B9D2C864-9362-43C7-A136-D9C41D93A96D}" type="slidenum">
-              <a:rPr lang="en-US" smtClean="0"/>
+          <a:lstStyle>
+            <a:lvl1pPr>
+              <a:defRPr/>
+            </a:lvl1pPr>
+          </a:lstStyle>
+          <a:p>
+            <a:pPr>
+              <a:defRPr/>
+            </a:pPr>
+            <a:fld id="{3CA3F03D-1FBF-4BBB-A109-B4299AE9E644}" type="slidenum">
+              <a:rPr lang="en-US"/>
+              <a:pPr>
+                <a:defRPr/>
+              </a:pPr>
               <a:t>‹#›</a:t>
             </a:fld>
             <a:endParaRPr lang="en-US"/>
           </a:p>
         </p:txBody>
       </p:sp>
-      <p:pic>
-        <p:nvPicPr>
-          <p:cNvPr id="11" name="Picture 10" descr="Comparison-Underline.png"/>
-          <p:cNvPicPr>
-            <a:picLocks noChangeAspect="1"/>
-          </p:cNvPicPr>
-          <p:nvPr/>
-        </p:nvPicPr>
-        <p:blipFill>
-          <a:blip r:embed="rId2"/>
-          <a:stretch>
-            <a:fillRect/>
-          </a:stretch>
-        </p:blipFill>
-        <p:spPr>
-          <a:xfrm>
-            <a:off x="957039" y="1897040"/>
-            <a:ext cx="3228975" cy="142875"/>
-          </a:xfrm>
-          <a:prstGeom prst="rect">
-            <a:avLst/>
-          </a:prstGeom>
-        </p:spPr>
-      </p:pic>
-      <p:pic>
-        <p:nvPicPr>
-          <p:cNvPr id="13" name="Picture 12" descr="Comparison-Underline.png"/>
-          <p:cNvPicPr>
-            <a:picLocks noChangeAspect="1"/>
-          </p:cNvPicPr>
-          <p:nvPr/>
-        </p:nvPicPr>
-        <p:blipFill>
-          <a:blip r:embed="rId2"/>
-          <a:stretch>
-            <a:fillRect/>
-          </a:stretch>
-        </p:blipFill>
-        <p:spPr>
-          <a:xfrm>
-            <a:off x="4915960" y="1897040"/>
-            <a:ext cx="3228975" cy="142875"/>
-          </a:xfrm>
-          <a:prstGeom prst="rect">
-            <a:avLst/>
-          </a:prstGeom>
-        </p:spPr>
-      </p:pic>
-      <p:pic>
-        <p:nvPicPr>
-          <p:cNvPr id="12" name="Picture 11" descr="Comparison-Underline.png"/>
-          <p:cNvPicPr>
-            <a:picLocks noChangeAspect="1"/>
-          </p:cNvPicPr>
-          <p:nvPr/>
-        </p:nvPicPr>
-        <p:blipFill>
-          <a:blip r:embed="rId2"/>
-          <a:stretch>
-            <a:fillRect/>
-          </a:stretch>
-        </p:blipFill>
-        <p:spPr>
-          <a:xfrm>
-            <a:off x="957039" y="1897040"/>
-            <a:ext cx="3228975" cy="142875"/>
-          </a:xfrm>
-          <a:prstGeom prst="rect">
-            <a:avLst/>
-          </a:prstGeom>
-        </p:spPr>
-      </p:pic>
-      <p:pic>
-        <p:nvPicPr>
-          <p:cNvPr id="14" name="Picture 13" descr="Comparison-Underline.png"/>
-          <p:cNvPicPr>
-            <a:picLocks noChangeAspect="1"/>
-          </p:cNvPicPr>
-          <p:nvPr/>
-        </p:nvPicPr>
-        <p:blipFill>
-          <a:blip r:embed="rId2"/>
-          <a:stretch>
-            <a:fillRect/>
-          </a:stretch>
-        </p:blipFill>
-        <p:spPr>
-          <a:xfrm>
-            <a:off x="4915960" y="1897040"/>
-            <a:ext cx="3228975" cy="142875"/>
-          </a:xfrm>
-          <a:prstGeom prst="rect">
-            <a:avLst/>
-          </a:prstGeom>
-        </p:spPr>
-      </p:pic>
     </p:spTree>
   </p:cSld>
   <p:clrMapOvr>
@@ -7044,71 +7859,6 @@
       </p:sp>
       <p:sp>
         <p:nvSpPr>
-          <p:cNvPr id="5" name="Date Placeholder 4"/>
-          <p:cNvSpPr>
-            <a:spLocks noGrp="1"/>
-          </p:cNvSpPr>
-          <p:nvPr>
-            <p:ph type="dt" sz="half" idx="10"/>
-          </p:nvPr>
-        </p:nvSpPr>
-        <p:spPr/>
-        <p:txBody>
-          <a:bodyPr/>
-          <a:lstStyle/>
-          <a:p>
-            <a:fld id="{2DF66AD8-BC4A-4004-9882-414398D930CA}" type="datetimeFigureOut">
-              <a:rPr lang="en-US" smtClean="0"/>
-              <a:t>6/8/13</a:t>
-            </a:fld>
-            <a:endParaRPr lang="en-US"/>
-          </a:p>
-        </p:txBody>
-      </p:sp>
-      <p:sp>
-        <p:nvSpPr>
-          <p:cNvPr id="6" name="Footer Placeholder 5"/>
-          <p:cNvSpPr>
-            <a:spLocks noGrp="1"/>
-          </p:cNvSpPr>
-          <p:nvPr>
-            <p:ph type="ftr" sz="quarter" idx="11"/>
-          </p:nvPr>
-        </p:nvSpPr>
-        <p:spPr/>
-        <p:txBody>
-          <a:bodyPr/>
-          <a:lstStyle/>
-          <a:p>
-            <a:endParaRPr lang="en-US"/>
-          </a:p>
-        </p:txBody>
-      </p:sp>
-      <p:sp>
-        <p:nvSpPr>
-          <p:cNvPr id="7" name="Slide Number Placeholder 6"/>
-          <p:cNvSpPr>
-            <a:spLocks noGrp="1"/>
-          </p:cNvSpPr>
-          <p:nvPr>
-            <p:ph type="sldNum" sz="quarter" idx="12"/>
-          </p:nvPr>
-        </p:nvSpPr>
-        <p:spPr/>
-        <p:txBody>
-          <a:bodyPr/>
-          <a:lstStyle/>
-          <a:p>
-            <a:fld id="{B9D2C864-9362-43C7-A136-D9C41D93A96D}" type="slidenum">
-              <a:rPr lang="en-US" smtClean="0"/>
-              <a:t>‹#›</a:t>
-            </a:fld>
-            <a:endParaRPr lang="en-US"/>
-          </a:p>
-        </p:txBody>
-      </p:sp>
-      <p:sp>
-        <p:nvSpPr>
           <p:cNvPr id="8" name="Content Placeholder 2"/>
           <p:cNvSpPr>
             <a:spLocks noGrp="1"/>
@@ -7189,6 +7939,98 @@
               <a:t>Fifth level</a:t>
             </a:r>
             <a:endParaRPr dirty="0"/>
+          </a:p>
+        </p:txBody>
+      </p:sp>
+      <p:sp>
+        <p:nvSpPr>
+          <p:cNvPr id="5" name="Date Placeholder 3"/>
+          <p:cNvSpPr>
+            <a:spLocks noGrp="1"/>
+          </p:cNvSpPr>
+          <p:nvPr>
+            <p:ph type="dt" sz="half" idx="14"/>
+          </p:nvPr>
+        </p:nvSpPr>
+        <p:spPr/>
+        <p:txBody>
+          <a:bodyPr/>
+          <a:lstStyle>
+            <a:lvl1pPr>
+              <a:defRPr/>
+            </a:lvl1pPr>
+          </a:lstStyle>
+          <a:p>
+            <a:pPr>
+              <a:defRPr/>
+            </a:pPr>
+            <a:fld id="{335E1A08-69AC-4627-BD30-F08C97317636}" type="datetimeFigureOut">
+              <a:rPr lang="en-US"/>
+              <a:pPr>
+                <a:defRPr/>
+              </a:pPr>
+              <a:t>09-Jun-13</a:t>
+            </a:fld>
+            <a:endParaRPr lang="en-US"/>
+          </a:p>
+        </p:txBody>
+      </p:sp>
+      <p:sp>
+        <p:nvSpPr>
+          <p:cNvPr id="6" name="Footer Placeholder 4"/>
+          <p:cNvSpPr>
+            <a:spLocks noGrp="1"/>
+          </p:cNvSpPr>
+          <p:nvPr>
+            <p:ph type="ftr" sz="quarter" idx="15"/>
+          </p:nvPr>
+        </p:nvSpPr>
+        <p:spPr/>
+        <p:txBody>
+          <a:bodyPr/>
+          <a:lstStyle>
+            <a:lvl1pPr>
+              <a:defRPr/>
+            </a:lvl1pPr>
+          </a:lstStyle>
+          <a:p>
+            <a:pPr>
+              <a:defRPr/>
+            </a:pPr>
+            <a:endParaRPr lang="en-US"/>
+          </a:p>
+        </p:txBody>
+      </p:sp>
+      <p:sp>
+        <p:nvSpPr>
+          <p:cNvPr id="7" name="Slide Number Placeholder 5"/>
+          <p:cNvSpPr>
+            <a:spLocks noGrp="1"/>
+          </p:cNvSpPr>
+          <p:nvPr>
+            <p:ph type="sldNum" sz="quarter" idx="16"/>
+          </p:nvPr>
+        </p:nvSpPr>
+        <p:spPr/>
+        <p:txBody>
+          <a:bodyPr/>
+          <a:lstStyle>
+            <a:lvl1pPr>
+              <a:defRPr/>
+            </a:lvl1pPr>
+          </a:lstStyle>
+          <a:p>
+            <a:pPr>
+              <a:defRPr/>
+            </a:pPr>
+            <a:fld id="{C14604D2-1BD9-4FB8-A572-E34778405F2A}" type="slidenum">
+              <a:rPr lang="en-US"/>
+              <a:pPr>
+                <a:defRPr/>
+              </a:pPr>
+              <a:t>‹#›</a:t>
+            </a:fld>
+            <a:endParaRPr lang="en-US"/>
           </a:p>
         </p:txBody>
       </p:sp>
@@ -7224,7 +8066,7 @@
       </p:grpSpPr>
       <p:sp>
         <p:nvSpPr>
-          <p:cNvPr id="2" name="Title Placeholder 1"/>
+          <p:cNvPr id="1026" name="Title Placeholder 1"/>
           <p:cNvSpPr>
             <a:spLocks noGrp="1"/>
           </p:cNvSpPr>
@@ -7232,7 +8074,7 @@
             <p:ph type="title"/>
           </p:nvPr>
         </p:nvSpPr>
-        <p:spPr>
+        <p:spPr bwMode="auto">
           <a:xfrm>
             <a:off x="914400" y="503238"/>
             <a:ext cx="7313613" cy="868362"/>
@@ -7240,24 +8082,33 @@
           <a:prstGeom prst="rect">
             <a:avLst/>
           </a:prstGeom>
+          <a:noFill/>
+          <a:ln w="9525">
+            <a:noFill/>
+            <a:miter lim="800000"/>
+            <a:headEnd/>
+            <a:tailEnd/>
+          </a:ln>
         </p:spPr>
         <p:txBody>
-          <a:bodyPr vert="horz" lIns="91440" tIns="45720" rIns="91440" bIns="45720" rtlCol="0" anchor="ctr">
-            <a:noAutofit/>
+          <a:bodyPr vert="horz" wrap="square" lIns="91440" tIns="45720" rIns="91440" bIns="45720" numCol="1" anchor="ctr" anchorCtr="0" compatLnSpc="1">
+            <a:prstTxWarp prst="textNoShape">
+              <a:avLst/>
+            </a:prstTxWarp>
           </a:bodyPr>
           <a:lstStyle/>
           <a:p>
+            <a:pPr lvl="0"/>
             <a:r>
               <a:rPr lang="en-US" smtClean="0"/>
               <a:t>Click to edit Master title style</a:t>
             </a:r>
-            <a:endParaRPr/>
-          </a:p>
-        </p:txBody>
-      </p:sp>
-      <p:sp>
-        <p:nvSpPr>
-          <p:cNvPr id="3" name="Text Placeholder 2"/>
+          </a:p>
+        </p:txBody>
+      </p:sp>
+      <p:sp>
+        <p:nvSpPr>
+          <p:cNvPr id="1027" name="Text Placeholder 2"/>
           <p:cNvSpPr>
             <a:spLocks noGrp="1"/>
           </p:cNvSpPr>
@@ -7265,7 +8116,7 @@
             <p:ph type="body" idx="1"/>
           </p:nvPr>
         </p:nvSpPr>
-        <p:spPr>
+        <p:spPr bwMode="auto">
           <a:xfrm>
             <a:off x="914400" y="1735138"/>
             <a:ext cx="7313613" cy="4056062"/>
@@ -7273,10 +8124,19 @@
           <a:prstGeom prst="rect">
             <a:avLst/>
           </a:prstGeom>
+          <a:noFill/>
+          <a:ln w="9525">
+            <a:noFill/>
+            <a:miter lim="800000"/>
+            <a:headEnd/>
+            <a:tailEnd/>
+          </a:ln>
         </p:spPr>
         <p:txBody>
-          <a:bodyPr vert="horz" lIns="91440" tIns="45720" rIns="91440" bIns="45720" rtlCol="0">
-            <a:normAutofit/>
+          <a:bodyPr vert="horz" wrap="square" lIns="91440" tIns="45720" rIns="91440" bIns="45720" numCol="1" anchor="t" anchorCtr="0" compatLnSpc="1">
+            <a:prstTxWarp prst="textNoShape">
+              <a:avLst/>
+            </a:prstTxWarp>
           </a:bodyPr>
           <a:lstStyle/>
           <a:p>
@@ -7313,7 +8173,6 @@
               <a:rPr lang="en-US" smtClean="0"/>
               <a:t>Fifth level</a:t>
             </a:r>
-            <a:endParaRPr dirty="0"/>
           </a:p>
         </p:txBody>
       </p:sp>
@@ -7329,8 +8188,8 @@
         </p:nvSpPr>
         <p:spPr>
           <a:xfrm>
-            <a:off x="7663438" y="6314461"/>
-            <a:ext cx="1295400" cy="265089"/>
+            <a:off x="7662863" y="6315075"/>
+            <a:ext cx="1295400" cy="265113"/>
           </a:xfrm>
           <a:prstGeom prst="rect">
             <a:avLst/>
@@ -7339,38 +8198,97 @@
         <p:txBody>
           <a:bodyPr vert="horz" lIns="91440" tIns="45720" rIns="91440" bIns="45720" rtlCol="0" anchor="ctr"/>
           <a:lstStyle>
-            <a:lvl1pPr algn="r">
+            <a:lvl1pPr algn="r" fontAlgn="auto">
+              <a:spcBef>
+                <a:spcPts val="0"/>
+              </a:spcBef>
+              <a:spcAft>
+                <a:spcPts val="0"/>
+              </a:spcAft>
+              <a:defRPr sz="1100" smtClean="0">
+                <a:solidFill>
+                  <a:schemeClr val="tx1"/>
+                </a:solidFill>
+                <a:latin typeface="Rockwell" pitchFamily="18" charset="0"/>
+                <a:cs typeface="+mn-cs"/>
+              </a:defRPr>
+            </a:lvl1pPr>
+          </a:lstStyle>
+          <a:p>
+            <a:pPr>
+              <a:defRPr/>
+            </a:pPr>
+            <a:fld id="{FF81EECE-EA14-41A0-BE9F-B470A083CF35}" type="datetimeFigureOut">
+              <a:rPr lang="en-US"/>
+              <a:pPr>
+                <a:defRPr/>
+              </a:pPr>
+              <a:t>09-Jun-13</a:t>
+            </a:fld>
+            <a:endParaRPr lang="en-US"/>
+          </a:p>
+        </p:txBody>
+      </p:sp>
+      <p:sp>
+        <p:nvSpPr>
+          <p:cNvPr id="5" name="Footer Placeholder 4"/>
+          <p:cNvSpPr>
+            <a:spLocks noGrp="1"/>
+          </p:cNvSpPr>
+          <p:nvPr>
+            <p:ph type="ftr" sz="quarter" idx="3"/>
+          </p:nvPr>
+        </p:nvSpPr>
+        <p:spPr>
+          <a:xfrm>
+            <a:off x="3943350" y="6305550"/>
+            <a:ext cx="3717925" cy="258763"/>
+          </a:xfrm>
+          <a:prstGeom prst="rect">
+            <a:avLst/>
+          </a:prstGeom>
+        </p:spPr>
+        <p:txBody>
+          <a:bodyPr vert="horz" lIns="91440" tIns="45720" rIns="91440" bIns="45720" rtlCol="0" anchor="ctr"/>
+          <a:lstStyle>
+            <a:lvl1pPr algn="r" fontAlgn="auto">
+              <a:spcBef>
+                <a:spcPts val="0"/>
+              </a:spcBef>
+              <a:spcAft>
+                <a:spcPts val="0"/>
+              </a:spcAft>
               <a:defRPr sz="1100">
                 <a:solidFill>
                   <a:schemeClr val="tx1"/>
                 </a:solidFill>
                 <a:latin typeface="Rockwell" pitchFamily="18" charset="0"/>
+                <a:cs typeface="+mn-cs"/>
               </a:defRPr>
             </a:lvl1pPr>
           </a:lstStyle>
           <a:p>
-            <a:fld id="{2DF66AD8-BC4A-4004-9882-414398D930CA}" type="datetimeFigureOut">
-              <a:rPr lang="en-US" smtClean="0"/>
-              <a:t>6/8/13</a:t>
-            </a:fld>
+            <a:pPr>
+              <a:defRPr/>
+            </a:pPr>
             <a:endParaRPr lang="en-US"/>
           </a:p>
         </p:txBody>
       </p:sp>
       <p:sp>
         <p:nvSpPr>
-          <p:cNvPr id="5" name="Footer Placeholder 4"/>
-          <p:cNvSpPr>
-            <a:spLocks noGrp="1"/>
-          </p:cNvSpPr>
-          <p:nvPr>
-            <p:ph type="ftr" sz="quarter" idx="3"/>
+          <p:cNvPr id="6" name="Slide Number Placeholder 5"/>
+          <p:cNvSpPr>
+            <a:spLocks noGrp="1"/>
+          </p:cNvSpPr>
+          <p:nvPr>
+            <p:ph type="sldNum" sz="quarter" idx="4"/>
           </p:nvPr>
         </p:nvSpPr>
         <p:spPr>
           <a:xfrm>
-            <a:off x="3942607" y="6305797"/>
-            <a:ext cx="3717967" cy="259278"/>
+            <a:off x="7521575" y="5476875"/>
+            <a:ext cx="1482725" cy="850900"/>
           </a:xfrm>
           <a:prstGeom prst="rect">
             <a:avLst/>
@@ -7379,44 +8297,14 @@
         <p:txBody>
           <a:bodyPr vert="horz" lIns="91440" tIns="45720" rIns="91440" bIns="45720" rtlCol="0" anchor="ctr"/>
           <a:lstStyle>
-            <a:lvl1pPr algn="r">
-              <a:defRPr sz="1100">
-                <a:solidFill>
-                  <a:schemeClr val="tx1"/>
-                </a:solidFill>
-                <a:latin typeface="Rockwell" pitchFamily="18" charset="0"/>
-              </a:defRPr>
-            </a:lvl1pPr>
-          </a:lstStyle>
-          <a:p>
-            <a:endParaRPr lang="en-US"/>
-          </a:p>
-        </p:txBody>
-      </p:sp>
-      <p:sp>
-        <p:nvSpPr>
-          <p:cNvPr id="6" name="Slide Number Placeholder 5"/>
-          <p:cNvSpPr>
-            <a:spLocks noGrp="1"/>
-          </p:cNvSpPr>
-          <p:nvPr>
-            <p:ph type="sldNum" sz="quarter" idx="4"/>
-          </p:nvPr>
-        </p:nvSpPr>
-        <p:spPr>
-          <a:xfrm>
-            <a:off x="7521388" y="5476097"/>
-            <a:ext cx="1483056" cy="851848"/>
-          </a:xfrm>
-          <a:prstGeom prst="rect">
-            <a:avLst/>
-          </a:prstGeom>
-        </p:spPr>
-        <p:txBody>
-          <a:bodyPr vert="horz" lIns="91440" tIns="45720" rIns="91440" bIns="45720" rtlCol="0" anchor="ctr"/>
-          <a:lstStyle>
-            <a:lvl1pPr algn="r">
-              <a:defRPr sz="8200">
+            <a:lvl1pPr algn="r" fontAlgn="auto">
+              <a:spcBef>
+                <a:spcPts val="0"/>
+              </a:spcBef>
+              <a:spcAft>
+                <a:spcPts val="0"/>
+              </a:spcAft>
+              <a:defRPr sz="8200" smtClean="0">
                 <a:gradFill>
                   <a:gsLst>
                     <a:gs pos="0">
@@ -7433,12 +8321,19 @@
                   <a:lin ang="5400000" scaled="0"/>
                 </a:gradFill>
                 <a:latin typeface="Impact" pitchFamily="34" charset="0"/>
+                <a:cs typeface="+mn-cs"/>
               </a:defRPr>
             </a:lvl1pPr>
           </a:lstStyle>
           <a:p>
-            <a:fld id="{B9D2C864-9362-43C7-A136-D9C41D93A96D}" type="slidenum">
-              <a:rPr lang="en-US" smtClean="0"/>
+            <a:pPr>
+              <a:defRPr/>
+            </a:pPr>
+            <a:fld id="{22F15958-8C68-4F0A-A3BD-BC9FA1DE99B3}" type="slidenum">
+              <a:rPr lang="en-US"/>
+              <a:pPr>
+                <a:defRPr/>
+              </a:pPr>
               <a:t>‹#›</a:t>
             </a:fld>
             <a:endParaRPr lang="en-US"/>
@@ -7449,34 +8344,36 @@
   </p:cSld>
   <p:clrMap bg1="lt1" tx1="dk1" bg2="lt2" tx2="dk2" accent1="accent1" accent2="accent2" accent3="accent3" accent4="accent4" accent5="accent5" accent6="accent6" hlink="hlink" folHlink="folHlink"/>
   <p:sldLayoutIdLst>
-    <p:sldLayoutId id="2147483661" r:id="rId1"/>
-    <p:sldLayoutId id="2147483662" r:id="rId2"/>
-    <p:sldLayoutId id="2147483663" r:id="rId3"/>
-    <p:sldLayoutId id="2147483664" r:id="rId4"/>
-    <p:sldLayoutId id="2147483665" r:id="rId5"/>
-    <p:sldLayoutId id="2147483666" r:id="rId6"/>
-    <p:sldLayoutId id="2147483667" r:id="rId7"/>
-    <p:sldLayoutId id="2147483668" r:id="rId8"/>
-    <p:sldLayoutId id="2147483669" r:id="rId9"/>
-    <p:sldLayoutId id="2147483670" r:id="rId10"/>
-    <p:sldLayoutId id="2147483671" r:id="rId11"/>
-    <p:sldLayoutId id="2147483672" r:id="rId12"/>
-    <p:sldLayoutId id="2147483673" r:id="rId13"/>
-    <p:sldLayoutId id="2147483674" r:id="rId14"/>
-    <p:sldLayoutId id="2147483675" r:id="rId15"/>
-    <p:sldLayoutId id="2147483676" r:id="rId16"/>
-    <p:sldLayoutId id="2147483677" r:id="rId17"/>
-    <p:sldLayoutId id="2147483678" r:id="rId18"/>
-    <p:sldLayoutId id="2147483679" r:id="rId19"/>
-    <p:sldLayoutId id="2147483680" r:id="rId20"/>
+    <p:sldLayoutId id="2147483681" r:id="rId1"/>
+    <p:sldLayoutId id="2147483680" r:id="rId2"/>
+    <p:sldLayoutId id="2147483682" r:id="rId3"/>
+    <p:sldLayoutId id="2147483683" r:id="rId4"/>
+    <p:sldLayoutId id="2147483684" r:id="rId5"/>
+    <p:sldLayoutId id="2147483685" r:id="rId6"/>
+    <p:sldLayoutId id="2147483679" r:id="rId7"/>
+    <p:sldLayoutId id="2147483686" r:id="rId8"/>
+    <p:sldLayoutId id="2147483678" r:id="rId9"/>
+    <p:sldLayoutId id="2147483677" r:id="rId10"/>
+    <p:sldLayoutId id="2147483676" r:id="rId11"/>
+    <p:sldLayoutId id="2147483675" r:id="rId12"/>
+    <p:sldLayoutId id="2147483674" r:id="rId13"/>
+    <p:sldLayoutId id="2147483673" r:id="rId14"/>
+    <p:sldLayoutId id="2147483687" r:id="rId15"/>
+    <p:sldLayoutId id="2147483688" r:id="rId16"/>
+    <p:sldLayoutId id="2147483689" r:id="rId17"/>
+    <p:sldLayoutId id="2147483690" r:id="rId18"/>
+    <p:sldLayoutId id="2147483691" r:id="rId19"/>
+    <p:sldLayoutId id="2147483692" r:id="rId20"/>
   </p:sldLayoutIdLst>
   <p:txStyles>
     <p:titleStyle>
-      <a:lvl1pPr algn="ctr" defTabSz="914400" rtl="0" eaLnBrk="1" latinLnBrk="0" hangingPunct="1">
+      <a:lvl1pPr algn="ctr" rtl="0" fontAlgn="base">
         <a:spcBef>
           <a:spcPct val="0"/>
         </a:spcBef>
-        <a:buNone/>
+        <a:spcAft>
+          <a:spcPct val="0"/>
+        </a:spcAft>
         <a:defRPr sz="4600" kern="1200">
           <a:solidFill>
             <a:schemeClr val="tx1"/>
@@ -7486,14 +8383,128 @@
           <a:cs typeface="+mj-cs"/>
         </a:defRPr>
       </a:lvl1pPr>
+      <a:lvl2pPr algn="ctr" rtl="0" fontAlgn="base">
+        <a:spcBef>
+          <a:spcPct val="0"/>
+        </a:spcBef>
+        <a:spcAft>
+          <a:spcPct val="0"/>
+        </a:spcAft>
+        <a:defRPr sz="4600">
+          <a:solidFill>
+            <a:schemeClr val="tx1"/>
+          </a:solidFill>
+          <a:latin typeface="Goudy Old Style"/>
+        </a:defRPr>
+      </a:lvl2pPr>
+      <a:lvl3pPr algn="ctr" rtl="0" fontAlgn="base">
+        <a:spcBef>
+          <a:spcPct val="0"/>
+        </a:spcBef>
+        <a:spcAft>
+          <a:spcPct val="0"/>
+        </a:spcAft>
+        <a:defRPr sz="4600">
+          <a:solidFill>
+            <a:schemeClr val="tx1"/>
+          </a:solidFill>
+          <a:latin typeface="Goudy Old Style"/>
+        </a:defRPr>
+      </a:lvl3pPr>
+      <a:lvl4pPr algn="ctr" rtl="0" fontAlgn="base">
+        <a:spcBef>
+          <a:spcPct val="0"/>
+        </a:spcBef>
+        <a:spcAft>
+          <a:spcPct val="0"/>
+        </a:spcAft>
+        <a:defRPr sz="4600">
+          <a:solidFill>
+            <a:schemeClr val="tx1"/>
+          </a:solidFill>
+          <a:latin typeface="Goudy Old Style"/>
+        </a:defRPr>
+      </a:lvl4pPr>
+      <a:lvl5pPr algn="ctr" rtl="0" fontAlgn="base">
+        <a:spcBef>
+          <a:spcPct val="0"/>
+        </a:spcBef>
+        <a:spcAft>
+          <a:spcPct val="0"/>
+        </a:spcAft>
+        <a:defRPr sz="4600">
+          <a:solidFill>
+            <a:schemeClr val="tx1"/>
+          </a:solidFill>
+          <a:latin typeface="Goudy Old Style"/>
+        </a:defRPr>
+      </a:lvl5pPr>
+      <a:lvl6pPr marL="457200" algn="ctr" rtl="0" fontAlgn="base">
+        <a:spcBef>
+          <a:spcPct val="0"/>
+        </a:spcBef>
+        <a:spcAft>
+          <a:spcPct val="0"/>
+        </a:spcAft>
+        <a:defRPr sz="4600">
+          <a:solidFill>
+            <a:schemeClr val="tx1"/>
+          </a:solidFill>
+          <a:latin typeface="Goudy Old Style"/>
+        </a:defRPr>
+      </a:lvl6pPr>
+      <a:lvl7pPr marL="914400" algn="ctr" rtl="0" fontAlgn="base">
+        <a:spcBef>
+          <a:spcPct val="0"/>
+        </a:spcBef>
+        <a:spcAft>
+          <a:spcPct val="0"/>
+        </a:spcAft>
+        <a:defRPr sz="4600">
+          <a:solidFill>
+            <a:schemeClr val="tx1"/>
+          </a:solidFill>
+          <a:latin typeface="Goudy Old Style"/>
+        </a:defRPr>
+      </a:lvl7pPr>
+      <a:lvl8pPr marL="1371600" algn="ctr" rtl="0" fontAlgn="base">
+        <a:spcBef>
+          <a:spcPct val="0"/>
+        </a:spcBef>
+        <a:spcAft>
+          <a:spcPct val="0"/>
+        </a:spcAft>
+        <a:defRPr sz="4600">
+          <a:solidFill>
+            <a:schemeClr val="tx1"/>
+          </a:solidFill>
+          <a:latin typeface="Goudy Old Style"/>
+        </a:defRPr>
+      </a:lvl8pPr>
+      <a:lvl9pPr marL="1828800" algn="ctr" rtl="0" fontAlgn="base">
+        <a:spcBef>
+          <a:spcPct val="0"/>
+        </a:spcBef>
+        <a:spcAft>
+          <a:spcPct val="0"/>
+        </a:spcAft>
+        <a:defRPr sz="4600">
+          <a:solidFill>
+            <a:schemeClr val="tx1"/>
+          </a:solidFill>
+          <a:latin typeface="Goudy Old Style"/>
+        </a:defRPr>
+      </a:lvl9pPr>
     </p:titleStyle>
     <p:bodyStyle>
-      <a:lvl1pPr marL="463550" indent="-463550" algn="l" defTabSz="914400" rtl="0" eaLnBrk="1" latinLnBrk="0" hangingPunct="1">
+      <a:lvl1pPr marL="463550" indent="-463550" algn="l" rtl="0" fontAlgn="base">
         <a:spcBef>
           <a:spcPts val="2000"/>
         </a:spcBef>
+        <a:spcAft>
+          <a:spcPct val="0"/>
+        </a:spcAft>
         <a:buSzPct val="90000"/>
-        <a:buFontTx/>
         <a:buBlip>
           <a:blip r:embed="rId22"/>
         </a:buBlip>
@@ -7506,12 +8517,14 @@
           <a:cs typeface="+mn-cs"/>
         </a:defRPr>
       </a:lvl1pPr>
-      <a:lvl2pPr marL="914400" indent="-457200" algn="l" defTabSz="914400" rtl="0" eaLnBrk="1" latinLnBrk="0" hangingPunct="1">
+      <a:lvl2pPr marL="914400" indent="-457200" algn="l" rtl="0" fontAlgn="base">
         <a:spcBef>
           <a:spcPts val="600"/>
         </a:spcBef>
+        <a:spcAft>
+          <a:spcPct val="0"/>
+        </a:spcAft>
         <a:buSzPct val="90000"/>
-        <a:buFontTx/>
         <a:buBlip>
           <a:blip r:embed="rId23"/>
         </a:buBlip>
@@ -7524,12 +8537,14 @@
           <a:cs typeface="+mn-cs"/>
         </a:defRPr>
       </a:lvl2pPr>
-      <a:lvl3pPr marL="1255713" indent="-341313" algn="l" defTabSz="914400" rtl="0" eaLnBrk="1" latinLnBrk="0" hangingPunct="1">
+      <a:lvl3pPr marL="1255713" indent="-341313" algn="l" rtl="0" fontAlgn="base">
         <a:spcBef>
           <a:spcPts val="600"/>
         </a:spcBef>
+        <a:spcAft>
+          <a:spcPct val="0"/>
+        </a:spcAft>
         <a:buSzPct val="90000"/>
-        <a:buFontTx/>
         <a:buBlip>
           <a:blip r:embed="rId24"/>
         </a:buBlip>
@@ -7542,16 +8557,18 @@
           <a:cs typeface="+mn-cs"/>
         </a:defRPr>
       </a:lvl3pPr>
-      <a:lvl4pPr marL="1597025" indent="-341313" algn="l" defTabSz="914400" rtl="0" eaLnBrk="1" latinLnBrk="0" hangingPunct="1">
+      <a:lvl4pPr marL="1597025" indent="-341313" algn="l" rtl="0" fontAlgn="base">
         <a:spcBef>
           <a:spcPts val="600"/>
         </a:spcBef>
+        <a:spcAft>
+          <a:spcPct val="0"/>
+        </a:spcAft>
         <a:buSzPct val="90000"/>
-        <a:buFontTx/>
         <a:buBlip>
           <a:blip r:embed="rId24"/>
         </a:buBlip>
-        <a:defRPr sz="1800" kern="1200">
+        <a:defRPr kern="1200">
           <a:solidFill>
             <a:schemeClr val="tx1"/>
           </a:solidFill>
@@ -7560,16 +8577,18 @@
           <a:cs typeface="+mn-cs"/>
         </a:defRPr>
       </a:lvl4pPr>
-      <a:lvl5pPr marL="1938338" indent="-341313" algn="l" defTabSz="914400" rtl="0" eaLnBrk="1" latinLnBrk="0" hangingPunct="1">
+      <a:lvl5pPr marL="1938338" indent="-341313" algn="l" rtl="0" fontAlgn="base">
         <a:spcBef>
           <a:spcPts val="600"/>
         </a:spcBef>
+        <a:spcAft>
+          <a:spcPct val="0"/>
+        </a:spcAft>
         <a:buSzPct val="90000"/>
-        <a:buFontTx/>
         <a:buBlip>
           <a:blip r:embed="rId24"/>
         </a:buBlip>
-        <a:defRPr sz="1800" kern="1200">
+        <a:defRPr kern="1200">
           <a:solidFill>
             <a:schemeClr val="tx1"/>
           </a:solidFill>
@@ -7769,7 +8788,7 @@
       </p:grpSpPr>
       <p:sp>
         <p:nvSpPr>
-          <p:cNvPr id="2" name="Title 1"/>
+          <p:cNvPr id="23553" name="Title 1"/>
           <p:cNvSpPr>
             <a:spLocks noGrp="1"/>
           </p:cNvSpPr>
@@ -7777,22 +8796,26 @@
             <p:ph type="ctrTitle"/>
           </p:nvPr>
         </p:nvSpPr>
-        <p:spPr/>
+        <p:spPr>
+          <a:xfrm>
+            <a:off x="2209800" y="3124200"/>
+            <a:ext cx="6477000" cy="1914525"/>
+          </a:xfrm>
+        </p:spPr>
         <p:txBody>
           <a:bodyPr/>
           <a:lstStyle/>
           <a:p>
             <a:r>
-              <a:rPr lang="en-US" dirty="0" smtClean="0"/>
+              <a:rPr lang="en-US" smtClean="0"/>
               <a:t>NLP@IDC – Final Course Project, Spring 2013</a:t>
             </a:r>
-            <a:endParaRPr lang="en-US" dirty="0"/>
-          </a:p>
-        </p:txBody>
-      </p:sp>
-      <p:sp>
-        <p:nvSpPr>
-          <p:cNvPr id="3" name="Subtitle 2"/>
+          </a:p>
+        </p:txBody>
+      </p:sp>
+      <p:sp>
+        <p:nvSpPr>
+          <p:cNvPr id="23554" name="Subtitle 2"/>
           <p:cNvSpPr>
             <a:spLocks noGrp="1"/>
           </p:cNvSpPr>
@@ -7800,37 +8823,29 @@
             <p:ph type="subTitle" idx="1"/>
           </p:nvPr>
         </p:nvSpPr>
-        <p:spPr/>
+        <p:spPr>
+          <a:xfrm>
+            <a:off x="2209800" y="5056188"/>
+            <a:ext cx="6477000" cy="1174750"/>
+          </a:xfrm>
+        </p:spPr>
         <p:txBody>
           <a:bodyPr/>
           <a:lstStyle/>
           <a:p>
-            <a:r>
-              <a:rPr lang="en-US" dirty="0" smtClean="0"/>
-              <a:t>By Ziv Levy &amp; </a:t>
-            </a:r>
-            <a:r>
-              <a:rPr lang="en-US" dirty="0" err="1" smtClean="0"/>
-              <a:t>Shachar</a:t>
-            </a:r>
-            <a:r>
-              <a:rPr lang="en-US" dirty="0" smtClean="0"/>
-              <a:t> </a:t>
-            </a:r>
-            <a:r>
-              <a:rPr lang="en-US" dirty="0" err="1" smtClean="0"/>
-              <a:t>Langbehiem</a:t>
-            </a:r>
-            <a:endParaRPr lang="en-US" dirty="0"/>
+            <a:pPr>
+              <a:spcBef>
+                <a:spcPct val="0"/>
+              </a:spcBef>
+            </a:pPr>
+            <a:r>
+              <a:rPr lang="en-US" smtClean="0"/>
+              <a:t>By Ziv Levy &amp; Shachar Langbehiem</a:t>
+            </a:r>
           </a:p>
         </p:txBody>
       </p:sp>
     </p:spTree>
-    <p:extLst>
-      <p:ext uri="{BB962C8B-B14F-4D97-AF65-F5344CB8AC3E}">
-        <p14:creationId xmlns:p14="http://schemas.microsoft.com/office/powerpoint/2010/main" val="3105611401"/>
-      </p:ext>
-    </p:extLst>
   </p:cSld>
   <p:clrMapOvr>
     <a:masterClrMapping/>
@@ -7857,7 +8872,7 @@
       </p:grpSpPr>
       <p:sp>
         <p:nvSpPr>
-          <p:cNvPr id="2" name="Title 1"/>
+          <p:cNvPr id="24577" name="Title 1"/>
           <p:cNvSpPr>
             <a:spLocks noGrp="1"/>
           </p:cNvSpPr>
@@ -7871,16 +8886,15 @@
           <a:lstStyle/>
           <a:p>
             <a:r>
-              <a:rPr lang="en-US" dirty="0" smtClean="0"/>
+              <a:rPr lang="en-US" smtClean="0"/>
               <a:t>Songs Genres Classification</a:t>
             </a:r>
-            <a:endParaRPr lang="en-US" dirty="0"/>
-          </a:p>
-        </p:txBody>
-      </p:sp>
-      <p:sp>
-        <p:nvSpPr>
-          <p:cNvPr id="3" name="Content Placeholder 2"/>
+          </a:p>
+        </p:txBody>
+      </p:sp>
+      <p:sp>
+        <p:nvSpPr>
+          <p:cNvPr id="24578" name="Content Placeholder 2"/>
           <p:cNvSpPr>
             <a:spLocks noGrp="1"/>
           </p:cNvSpPr>
@@ -7890,52 +8904,24 @@
         </p:nvSpPr>
         <p:spPr/>
         <p:txBody>
-          <a:bodyPr>
-            <a:normAutofit/>
-          </a:bodyPr>
+          <a:bodyPr/>
           <a:lstStyle/>
           <a:p>
             <a:r>
-              <a:rPr lang="en-US" sz="3200" dirty="0" smtClean="0"/>
-              <a:t>The Problem:</a:t>
-            </a:r>
-          </a:p>
-          <a:p>
-            <a:pPr lvl="1"/>
-            <a:r>
-              <a:rPr lang="en-US" sz="3000" dirty="0" smtClean="0"/>
-              <a:t>While we’re given some song, we would like to analyze its lyrics in order to determine and classify its genre</a:t>
-            </a:r>
-          </a:p>
-          <a:p>
-            <a:r>
-              <a:rPr lang="en-US" sz="3200" dirty="0" smtClean="0"/>
-              <a:t>And in more simple form:</a:t>
-            </a:r>
-          </a:p>
-          <a:p>
-            <a:pPr lvl="1"/>
-            <a:r>
-              <a:rPr lang="en-US" sz="2800" dirty="0" smtClean="0"/>
-              <a:t>Input: Song lyrics</a:t>
-            </a:r>
-          </a:p>
-          <a:p>
-            <a:pPr lvl="1"/>
-            <a:r>
-              <a:rPr lang="en-US" sz="2800" dirty="0" smtClean="0"/>
-              <a:t>Output: The song’s genre</a:t>
-            </a:r>
-            <a:endParaRPr lang="en-US" sz="2800" dirty="0"/>
+              <a:rPr lang="en-US" sz="3200" smtClean="0"/>
+              <a:t>Today, we usually define a song’s genre by its vocal elemnts – melody, instruments, etc. </a:t>
+            </a:r>
+          </a:p>
+          <a:p>
+            <a:r>
+              <a:rPr lang="en-US" sz="3200" smtClean="0"/>
+              <a:t>We intend to find if we can define a genre simply through the lyrics – whether the written elements of songs contain significant genre information. </a:t>
+            </a:r>
+            <a:endParaRPr lang="en-US" sz="2900" smtClean="0"/>
           </a:p>
         </p:txBody>
       </p:sp>
     </p:spTree>
-    <p:extLst>
-      <p:ext uri="{BB962C8B-B14F-4D97-AF65-F5344CB8AC3E}">
-        <p14:creationId xmlns:p14="http://schemas.microsoft.com/office/powerpoint/2010/main" val="838720213"/>
-      </p:ext>
-    </p:extLst>
   </p:cSld>
   <p:clrMapOvr>
     <a:masterClrMapping/>
@@ -7943,7 +8929,7 @@
   <p:timing>
     <p:tnLst>
       <p:par>
-        <p:cTn xmlns:p14="http://schemas.microsoft.com/office/powerpoint/2010/main" id="1" dur="indefinite" restart="never" nodeType="tmRoot"/>
+        <p:cTn id="1" dur="indefinite" restart="never" nodeType="tmRoot"/>
       </p:par>
     </p:tnLst>
   </p:timing>
@@ -7969,7 +8955,7 @@
       </p:grpSpPr>
       <p:sp>
         <p:nvSpPr>
-          <p:cNvPr id="4" name="Title 3"/>
+          <p:cNvPr id="26625" name="Title 3"/>
           <p:cNvSpPr>
             <a:spLocks noGrp="1"/>
           </p:cNvSpPr>
@@ -7977,16 +8963,20 @@
             <p:ph type="title"/>
           </p:nvPr>
         </p:nvSpPr>
-        <p:spPr/>
+        <p:spPr>
+          <a:xfrm>
+            <a:off x="457200" y="530225"/>
+            <a:ext cx="7772400" cy="1362075"/>
+          </a:xfrm>
+        </p:spPr>
         <p:txBody>
           <a:bodyPr/>
           <a:lstStyle/>
           <a:p>
             <a:r>
-              <a:rPr lang="en-US" sz="6600" dirty="0" smtClean="0"/>
+              <a:rPr lang="en-US" sz="6600" smtClean="0"/>
               <a:t>Why ?</a:t>
             </a:r>
-            <a:endParaRPr lang="en-US" sz="6600" dirty="0"/>
           </a:p>
         </p:txBody>
       </p:sp>
@@ -8000,27 +8990,69 @@
             <p:ph type="body" idx="1"/>
           </p:nvPr>
         </p:nvSpPr>
-        <p:spPr/>
-        <p:txBody>
-          <a:bodyPr>
-            <a:normAutofit/>
-          </a:bodyPr>
+        <p:spPr>
+          <a:xfrm>
+            <a:off x="457200" y="2586038"/>
+            <a:ext cx="7772400" cy="987425"/>
+          </a:xfrm>
+        </p:spPr>
+        <p:txBody>
+          <a:bodyPr/>
           <a:lstStyle/>
           <a:p>
-            <a:r>
-              <a:rPr lang="en-US" sz="3600" dirty="0" smtClean="0"/>
-              <a:t>Because its AWSOME!</a:t>
-            </a:r>
-            <a:endParaRPr lang="en-US" sz="3600" dirty="0"/>
+            <a:pPr>
+              <a:spcBef>
+                <a:spcPct val="0"/>
+              </a:spcBef>
+            </a:pPr>
+            <a:r>
+              <a:rPr lang="en-US" sz="3600" smtClean="0"/>
+              <a:t>Because its AWESOME!</a:t>
+            </a:r>
+          </a:p>
+        </p:txBody>
+      </p:sp>
+      <p:sp>
+        <p:nvSpPr>
+          <p:cNvPr id="2" name="Text Placeholder 4"/>
+          <p:cNvSpPr>
+            <a:spLocks/>
+          </p:cNvSpPr>
+          <p:nvPr/>
+        </p:nvSpPr>
+        <p:spPr bwMode="auto">
+          <a:xfrm>
+            <a:off x="457200" y="4137025"/>
+            <a:ext cx="7772400" cy="987425"/>
+          </a:xfrm>
+          <a:prstGeom prst="rect">
+            <a:avLst/>
+          </a:prstGeom>
+          <a:noFill/>
+          <a:ln w="9525">
+            <a:noFill/>
+            <a:miter lim="800000"/>
+            <a:headEnd/>
+            <a:tailEnd/>
+          </a:ln>
+        </p:spPr>
+        <p:txBody>
+          <a:bodyPr tIns="0" rIns="45720" bIns="0"/>
+          <a:lstStyle/>
+          <a:p>
+            <a:pPr>
+              <a:buSzPct val="90000"/>
+            </a:pPr>
+            <a:r>
+              <a:rPr lang="en-US" sz="2000">
+                <a:latin typeface="Goudy Old Style"/>
+              </a:rPr>
+              <a:t>Also, this is important to the study of literature &amp; poetry – it could hint at a cognitive connection between melodies and ideas, and help us define the term “genre” and its meanings, thus grounding the study of literature &amp; poetry in something a bit more robust than just personal taste &amp; opinion. </a:t>
+            </a:r>
           </a:p>
         </p:txBody>
       </p:sp>
     </p:spTree>
-    <p:extLst>
-      <p:ext uri="{BB962C8B-B14F-4D97-AF65-F5344CB8AC3E}">
-        <p14:creationId xmlns:p14="http://schemas.microsoft.com/office/powerpoint/2010/main" val="1722483474"/>
-      </p:ext>
-    </p:extLst>
   </p:cSld>
   <p:clrMapOvr>
     <a:masterClrMapping/>
@@ -8028,7 +9060,7 @@
   <p:timing>
     <p:tnLst>
       <p:par>
-        <p:cTn xmlns:p14="http://schemas.microsoft.com/office/powerpoint/2010/main" id="1" dur="indefinite" restart="never" nodeType="tmRoot">
+        <p:cTn id="1" dur="indefinite" restart="never" nodeType="tmRoot">
           <p:childTnLst>
             <p:seq concurrent="1" nextAc="seek">
               <p:cTn id="2" dur="indefinite" nodeType="mainSeq">
@@ -8148,6 +9180,121 @@
                       </p:childTnLst>
                     </p:cTn>
                   </p:par>
+                  <p:par>
+                    <p:cTn id="10" fill="hold">
+                      <p:stCondLst>
+                        <p:cond delay="indefinite"/>
+                      </p:stCondLst>
+                      <p:childTnLst>
+                        <p:par>
+                          <p:cTn id="11" fill="hold">
+                            <p:stCondLst>
+                              <p:cond delay="0"/>
+                            </p:stCondLst>
+                            <p:childTnLst>
+                              <p:par>
+                                <p:cTn id="12" presetID="53" presetClass="entr" presetSubtype="16" fill="hold" grpId="0" nodeType="clickEffect">
+                                  <p:stCondLst>
+                                    <p:cond delay="0"/>
+                                  </p:stCondLst>
+                                  <p:childTnLst>
+                                    <p:set>
+                                      <p:cBhvr>
+                                        <p:cTn id="13" dur="1" fill="hold">
+                                          <p:stCondLst>
+                                            <p:cond delay="0"/>
+                                          </p:stCondLst>
+                                        </p:cTn>
+                                        <p:tgtEl>
+                                          <p:spTgt spid="2">
+                                            <p:txEl>
+                                              <p:pRg st="0" end="0"/>
+                                            </p:txEl>
+                                          </p:spTgt>
+                                        </p:tgtEl>
+                                        <p:attrNameLst>
+                                          <p:attrName>style.visibility</p:attrName>
+                                        </p:attrNameLst>
+                                      </p:cBhvr>
+                                      <p:to>
+                                        <p:strVal val="visible"/>
+                                      </p:to>
+                                    </p:set>
+                                    <p:anim calcmode="lin" valueType="num">
+                                      <p:cBhvr>
+                                        <p:cTn id="14" dur="500" fill="hold"/>
+                                        <p:tgtEl>
+                                          <p:spTgt spid="2">
+                                            <p:txEl>
+                                              <p:pRg st="0" end="0"/>
+                                            </p:txEl>
+                                          </p:spTgt>
+                                        </p:tgtEl>
+                                        <p:attrNameLst>
+                                          <p:attrName>ppt_w</p:attrName>
+                                        </p:attrNameLst>
+                                      </p:cBhvr>
+                                      <p:tavLst>
+                                        <p:tav tm="0">
+                                          <p:val>
+                                            <p:fltVal val="0"/>
+                                          </p:val>
+                                        </p:tav>
+                                        <p:tav tm="100000">
+                                          <p:val>
+                                            <p:strVal val="#ppt_w"/>
+                                          </p:val>
+                                        </p:tav>
+                                      </p:tavLst>
+                                    </p:anim>
+                                    <p:anim calcmode="lin" valueType="num">
+                                      <p:cBhvr>
+                                        <p:cTn id="15" dur="500" fill="hold"/>
+                                        <p:tgtEl>
+                                          <p:spTgt spid="2">
+                                            <p:txEl>
+                                              <p:pRg st="0" end="0"/>
+                                            </p:txEl>
+                                          </p:spTgt>
+                                        </p:tgtEl>
+                                        <p:attrNameLst>
+                                          <p:attrName>ppt_h</p:attrName>
+                                        </p:attrNameLst>
+                                      </p:cBhvr>
+                                      <p:tavLst>
+                                        <p:tav tm="0">
+                                          <p:val>
+                                            <p:fltVal val="0"/>
+                                          </p:val>
+                                        </p:tav>
+                                        <p:tav tm="100000">
+                                          <p:val>
+                                            <p:strVal val="#ppt_h"/>
+                                          </p:val>
+                                        </p:tav>
+                                      </p:tavLst>
+                                    </p:anim>
+                                    <p:animEffect transition="in" filter="fade">
+                                      <p:cBhvr>
+                                        <p:cTn id="16" dur="500"/>
+                                        <p:tgtEl>
+                                          <p:spTgt spid="2">
+                                            <p:txEl>
+                                              <p:pRg st="0" end="0"/>
+                                            </p:txEl>
+                                          </p:spTgt>
+                                        </p:tgtEl>
+                                      </p:cBhvr>
+                                    </p:animEffect>
+                                  </p:childTnLst>
+                                </p:cTn>
+                              </p:par>
+                            </p:childTnLst>
+                          </p:cTn>
+                        </p:par>
+                      </p:childTnLst>
+                    </p:cTn>
+                  </p:par>
                 </p:childTnLst>
               </p:cTn>
               <p:prevCondLst>
@@ -8171,6 +9318,7 @@
     </p:tnLst>
     <p:bldLst>
       <p:bldP spid="5" grpId="0" build="p"/>
+      <p:bldP spid="2" grpId="0" build="p"/>
     </p:bldLst>
   </p:timing>
 </p:sld>
@@ -8195,7 +9343,7 @@
       </p:grpSpPr>
       <p:sp>
         <p:nvSpPr>
-          <p:cNvPr id="4" name="Title 3"/>
+          <p:cNvPr id="27649" name="Title 3"/>
           <p:cNvSpPr>
             <a:spLocks noGrp="1"/>
           </p:cNvSpPr>
@@ -8209,16 +9357,15 @@
           <a:lstStyle/>
           <a:p>
             <a:r>
-              <a:rPr lang="en-US" dirty="0" smtClean="0"/>
+              <a:rPr lang="en-US" smtClean="0"/>
               <a:t>How? Logistic Regression</a:t>
             </a:r>
-            <a:endParaRPr lang="en-US" dirty="0"/>
-          </a:p>
-        </p:txBody>
-      </p:sp>
-      <p:sp>
-        <p:nvSpPr>
-          <p:cNvPr id="5" name="Content Placeholder 4"/>
+          </a:p>
+        </p:txBody>
+      </p:sp>
+      <p:sp>
+        <p:nvSpPr>
+          <p:cNvPr id="27650" name="Content Placeholder 4"/>
           <p:cNvSpPr>
             <a:spLocks noGrp="1"/>
           </p:cNvSpPr>
@@ -8228,30 +9375,19 @@
         </p:nvSpPr>
         <p:spPr/>
         <p:txBody>
-          <a:bodyPr>
-            <a:normAutofit/>
-          </a:bodyPr>
+          <a:bodyPr/>
           <a:lstStyle/>
           <a:p>
             <a:r>
-              <a:rPr lang="en-US" dirty="0"/>
-              <a:t>Logistic regression is a type of regression analysis used for predicting the outcome of a categorical </a:t>
-            </a:r>
-            <a:r>
-              <a:rPr lang="en-US" dirty="0" smtClean="0"/>
-              <a:t>dependent </a:t>
-            </a:r>
-            <a:r>
-              <a:rPr lang="en-US" dirty="0"/>
-              <a:t>variable based on one or more predictor variables. </a:t>
-            </a:r>
-            <a:endParaRPr lang="en-US" dirty="0" smtClean="0"/>
+              <a:rPr lang="en-US" smtClean="0"/>
+              <a:t>Logistic regression is a type of regression analysis used for predicting the outcome of a categorical dependent variable based on one or more predictor variables. </a:t>
+            </a:r>
           </a:p>
         </p:txBody>
       </p:sp>
       <p:pic>
         <p:nvPicPr>
-          <p:cNvPr id="6" name="Picture 5"/>
+          <p:cNvPr id="27651" name="Picture 5"/>
           <p:cNvPicPr>
             <a:picLocks noChangeAspect="1"/>
           </p:cNvPicPr>
@@ -8270,26 +9406,29 @@
               </a:clrTo>
             </a:clrChange>
           </a:blip>
+          <a:srcRect/>
           <a:stretch>
             <a:fillRect/>
           </a:stretch>
         </p:blipFill>
-        <p:spPr>
+        <p:spPr bwMode="auto">
           <a:xfrm>
-            <a:off x="1603468" y="2733536"/>
-            <a:ext cx="5937064" cy="3917378"/>
+            <a:off x="1824038" y="3208338"/>
+            <a:ext cx="4913312" cy="3241675"/>
           </a:xfrm>
           <a:prstGeom prst="rect">
             <a:avLst/>
           </a:prstGeom>
+          <a:noFill/>
+          <a:ln w="9525">
+            <a:noFill/>
+            <a:miter lim="800000"/>
+            <a:headEnd/>
+            <a:tailEnd/>
+          </a:ln>
         </p:spPr>
       </p:pic>
     </p:spTree>
-    <p:extLst>
-      <p:ext uri="{BB962C8B-B14F-4D97-AF65-F5344CB8AC3E}">
-        <p14:creationId xmlns:p14="http://schemas.microsoft.com/office/powerpoint/2010/main" val="1527171149"/>
-      </p:ext>
-    </p:extLst>
   </p:cSld>
   <p:clrMapOvr>
     <a:masterClrMapping/>
@@ -8316,7 +9455,7 @@
       </p:grpSpPr>
       <p:sp>
         <p:nvSpPr>
-          <p:cNvPr id="2" name="Title 1"/>
+          <p:cNvPr id="43010" name="Rectangle 2"/>
           <p:cNvSpPr>
             <a:spLocks noGrp="1"/>
           </p:cNvSpPr>
@@ -8330,21 +9469,20 @@
           <a:lstStyle/>
           <a:p>
             <a:r>
-              <a:rPr lang="en-US" sz="3600" dirty="0" smtClean="0"/>
-              <a:t>Limitations and Future Enhancements</a:t>
-            </a:r>
-            <a:endParaRPr lang="en-US" sz="3600" dirty="0"/>
-          </a:p>
-        </p:txBody>
-      </p:sp>
-      <p:sp>
-        <p:nvSpPr>
-          <p:cNvPr id="3" name="Content Placeholder 2"/>
-          <p:cNvSpPr>
-            <a:spLocks noGrp="1"/>
-          </p:cNvSpPr>
-          <p:nvPr>
-            <p:ph idx="1"/>
+              <a:rPr lang="en-US" smtClean="0"/>
+              <a:t>Variables</a:t>
+            </a:r>
+          </a:p>
+        </p:txBody>
+      </p:sp>
+      <p:sp>
+        <p:nvSpPr>
+          <p:cNvPr id="43011" name="Rectangle 3"/>
+          <p:cNvSpPr>
+            <a:spLocks noGrp="1"/>
+          </p:cNvSpPr>
+          <p:nvPr>
+            <p:ph type="body" idx="1"/>
           </p:nvPr>
         </p:nvSpPr>
         <p:spPr/>
@@ -8353,70 +9491,25 @@
           <a:lstStyle/>
           <a:p>
             <a:r>
-              <a:rPr lang="en-US" dirty="0" smtClean="0"/>
-              <a:t>Sometimes words are rated (cens</a:t>
-            </a:r>
-            <a:r>
-              <a:rPr lang="en-US" dirty="0"/>
-              <a:t>o</a:t>
-            </a:r>
-            <a:r>
-              <a:rPr lang="en-US" dirty="0" smtClean="0"/>
-              <a:t>red). Unfortunate, words will be rated with different annotations such as: - </a:t>
-            </a:r>
-            <a:r>
-              <a:rPr lang="en-US" dirty="0" err="1" smtClean="0"/>
-              <a:t>sh</a:t>
-            </a:r>
-            <a:r>
-              <a:rPr lang="en-US" dirty="0" smtClean="0"/>
-              <a:t>*t</a:t>
-            </a:r>
-            <a:br>
-              <a:rPr lang="en-US" dirty="0" smtClean="0"/>
-            </a:br>
-            <a:r>
-              <a:rPr lang="en-US" dirty="0" err="1" smtClean="0"/>
-              <a:t>sh</a:t>
-            </a:r>
-            <a:r>
-              <a:rPr lang="en-US" dirty="0" smtClean="0"/>
-              <a:t>–t</a:t>
-            </a:r>
-            <a:br>
-              <a:rPr lang="en-US" dirty="0" smtClean="0"/>
-            </a:br>
-            <a:r>
-              <a:rPr lang="en-US" dirty="0" smtClean="0"/>
-              <a:t>or maybe… s*it</a:t>
-            </a:r>
-            <a:br>
-              <a:rPr lang="en-US" dirty="0" smtClean="0"/>
-            </a:br>
-            <a:r>
-              <a:rPr lang="en-US" dirty="0" smtClean="0"/>
-              <a:t/>
-            </a:r>
-            <a:br>
-              <a:rPr lang="en-US" dirty="0" smtClean="0"/>
-            </a:br>
-            <a:r>
-              <a:rPr lang="en-US" dirty="0" smtClean="0"/>
-              <a:t>What can we do?</a:t>
-            </a:r>
-            <a:br>
-              <a:rPr lang="en-US" dirty="0" smtClean="0"/>
-            </a:br>
-            <a:endParaRPr lang="en-US" dirty="0" smtClean="0"/>
+              <a:rPr lang="en-US" smtClean="0"/>
+              <a:t>Words – we’ll examine how distinct is the vocabulary of each genre.</a:t>
+            </a:r>
+          </a:p>
+          <a:p>
+            <a:r>
+              <a:rPr lang="en-US" smtClean="0"/>
+              <a:t>Structure – if time constraints will allow, we’ll examine whether genres also imply a certain structure on the lyrics.</a:t>
+            </a:r>
+          </a:p>
+          <a:p>
+            <a:r>
+              <a:rPr lang="en-US" smtClean="0"/>
+              <a:t>Diversity – even if genres use the same words, do they repeat themselves (“Baby, baby, baby oooh”), or does each song contain a wider selection of words?</a:t>
+            </a:r>
           </a:p>
         </p:txBody>
       </p:sp>
     </p:spTree>
-    <p:extLst>
-      <p:ext uri="{BB962C8B-B14F-4D97-AF65-F5344CB8AC3E}">
-        <p14:creationId xmlns:p14="http://schemas.microsoft.com/office/powerpoint/2010/main" val="643156364"/>
-      </p:ext>
-    </p:extLst>
   </p:cSld>
   <p:clrMapOvr>
     <a:masterClrMapping/>
@@ -8443,12 +9536,12 @@
       </p:grpSpPr>
       <p:sp>
         <p:nvSpPr>
-          <p:cNvPr id="4" name="Title 3"/>
-          <p:cNvSpPr>
-            <a:spLocks noGrp="1"/>
-          </p:cNvSpPr>
-          <p:nvPr>
-            <p:ph type="ctrTitle"/>
+          <p:cNvPr id="28673" name="Title 1"/>
+          <p:cNvSpPr>
+            <a:spLocks noGrp="1"/>
+          </p:cNvSpPr>
+          <p:nvPr>
+            <p:ph type="title"/>
           </p:nvPr>
         </p:nvSpPr>
         <p:spPr/>
@@ -8457,19 +9550,99 @@
           <a:lstStyle/>
           <a:p>
             <a:r>
-              <a:rPr lang="en-US" dirty="0" smtClean="0"/>
+              <a:rPr lang="en-US" sz="3600" smtClean="0"/>
+              <a:t>Limitations and Future Enhancements</a:t>
+            </a:r>
+          </a:p>
+        </p:txBody>
+      </p:sp>
+      <p:sp>
+        <p:nvSpPr>
+          <p:cNvPr id="28674" name="Content Placeholder 2"/>
+          <p:cNvSpPr>
+            <a:spLocks noGrp="1"/>
+          </p:cNvSpPr>
+          <p:nvPr>
+            <p:ph idx="1"/>
+          </p:nvPr>
+        </p:nvSpPr>
+        <p:spPr/>
+        <p:txBody>
+          <a:bodyPr/>
+          <a:lstStyle/>
+          <a:p>
+            <a:r>
+              <a:rPr lang="en-US" smtClean="0"/>
+              <a:t>Lyrics databases aren’t quality-controlled, don’t carry the same formats between songs (especially obvious with “censored” words, which can be written in different ways – S-it, Sh*t, *%#$, etc.)</a:t>
+            </a:r>
+          </a:p>
+          <a:p>
+            <a:r>
+              <a:rPr lang="en-US" smtClean="0"/>
+              <a:t>No existing tree-banks on song lyrics, which limits us to low-level analysis.</a:t>
+            </a:r>
+          </a:p>
+          <a:p>
+            <a:r>
+              <a:rPr lang="en-US" smtClean="0"/>
+              <a:t>No efficient data-mining tools – either we create them, or we hand-create all of our data-sets.</a:t>
+            </a:r>
+          </a:p>
+        </p:txBody>
+      </p:sp>
+    </p:spTree>
+  </p:cSld>
+  <p:clrMapOvr>
+    <a:masterClrMapping/>
+  </p:clrMapOvr>
+</p:sld>
+</file>
+
+<file path=ppt/slides/slide7.xml><?xml version="1.0" encoding="utf-8"?>
+<p:sld xmlns:a="http://schemas.openxmlformats.org/drawingml/2006/main" xmlns:r="http://schemas.openxmlformats.org/officeDocument/2006/relationships" xmlns:p="http://schemas.openxmlformats.org/presentationml/2006/main">
+  <p:cSld>
+    <p:spTree>
+      <p:nvGrpSpPr>
+        <p:cNvPr id="1" name=""/>
+        <p:cNvGrpSpPr/>
+        <p:nvPr/>
+      </p:nvGrpSpPr>
+      <p:grpSpPr>
+        <a:xfrm>
+          <a:off x="0" y="0"/>
+          <a:ext cx="0" cy="0"/>
+          <a:chOff x="0" y="0"/>
+          <a:chExt cx="0" cy="0"/>
+        </a:xfrm>
+      </p:grpSpPr>
+      <p:sp>
+        <p:nvSpPr>
+          <p:cNvPr id="29697" name="Title 3"/>
+          <p:cNvSpPr>
+            <a:spLocks noGrp="1"/>
+          </p:cNvSpPr>
+          <p:nvPr>
+            <p:ph type="ctrTitle"/>
+          </p:nvPr>
+        </p:nvSpPr>
+        <p:spPr>
+          <a:xfrm>
+            <a:off x="2209800" y="3124200"/>
+            <a:ext cx="6477000" cy="1914525"/>
+          </a:xfrm>
+        </p:spPr>
+        <p:txBody>
+          <a:bodyPr/>
+          <a:lstStyle/>
+          <a:p>
+            <a:r>
+              <a:rPr lang="en-US" smtClean="0"/>
               <a:t>Thank You!</a:t>
             </a:r>
-            <a:endParaRPr lang="en-US" dirty="0"/>
           </a:p>
         </p:txBody>
       </p:sp>
     </p:spTree>
-    <p:extLst>
-      <p:ext uri="{BB962C8B-B14F-4D97-AF65-F5344CB8AC3E}">
-        <p14:creationId xmlns:p14="http://schemas.microsoft.com/office/powerpoint/2010/main" val="3784428715"/>
-      </p:ext>
-    </p:extLst>
   </p:cSld>
   <p:clrMapOvr>
     <a:masterClrMapping/>
